--- a/Assesment Documents/Powerpoint/1.7 and 1.8 documentation v2.pptx
+++ b/Assesment Documents/Powerpoint/1.7 and 1.8 documentation v2.pptx
@@ -216,7 +216,7 @@
           <a:p>
             <a:fld id="{F37D28C0-BEB6-42B0-A203-EEE1023219C4}" type="datetimeFigureOut">
               <a:rPr lang="en-NZ" smtClean="0"/>
-              <a:t>16/05/22</a:t>
+              <a:t>17/05/22</a:t>
             </a:fld>
             <a:endParaRPr lang="en-NZ"/>
           </a:p>
@@ -1617,7 +1617,7 @@
           <a:p>
             <a:fld id="{9C4A4F43-1C06-40E6-8F87-8B286982E50E}" type="datetimeFigureOut">
               <a:rPr lang="en-NZ" smtClean="0"/>
-              <a:t>16/05/22</a:t>
+              <a:t>17/05/22</a:t>
             </a:fld>
             <a:endParaRPr lang="en-NZ" dirty="0"/>
           </a:p>
@@ -1817,7 +1817,7 @@
           <a:p>
             <a:fld id="{9C4A4F43-1C06-40E6-8F87-8B286982E50E}" type="datetimeFigureOut">
               <a:rPr lang="en-NZ" smtClean="0"/>
-              <a:t>16/05/22</a:t>
+              <a:t>17/05/22</a:t>
             </a:fld>
             <a:endParaRPr lang="en-NZ" dirty="0"/>
           </a:p>
@@ -2027,7 +2027,7 @@
           <a:p>
             <a:fld id="{9C4A4F43-1C06-40E6-8F87-8B286982E50E}" type="datetimeFigureOut">
               <a:rPr lang="en-NZ" smtClean="0"/>
-              <a:t>16/05/22</a:t>
+              <a:t>17/05/22</a:t>
             </a:fld>
             <a:endParaRPr lang="en-NZ" dirty="0"/>
           </a:p>
@@ -2586,7 +2586,7 @@
           <a:p>
             <a:fld id="{9C4A4F43-1C06-40E6-8F87-8B286982E50E}" type="datetimeFigureOut">
               <a:rPr lang="en-NZ" smtClean="0"/>
-              <a:t>16/05/22</a:t>
+              <a:t>17/05/22</a:t>
             </a:fld>
             <a:endParaRPr lang="en-NZ" dirty="0"/>
           </a:p>
@@ -2862,7 +2862,7 @@
           <a:p>
             <a:fld id="{9C4A4F43-1C06-40E6-8F87-8B286982E50E}" type="datetimeFigureOut">
               <a:rPr lang="en-NZ" smtClean="0"/>
-              <a:t>16/05/22</a:t>
+              <a:t>17/05/22</a:t>
             </a:fld>
             <a:endParaRPr lang="en-NZ" dirty="0"/>
           </a:p>
@@ -3130,7 +3130,7 @@
           <a:p>
             <a:fld id="{9C4A4F43-1C06-40E6-8F87-8B286982E50E}" type="datetimeFigureOut">
               <a:rPr lang="en-NZ" smtClean="0"/>
-              <a:t>16/05/22</a:t>
+              <a:t>17/05/22</a:t>
             </a:fld>
             <a:endParaRPr lang="en-NZ" dirty="0"/>
           </a:p>
@@ -3545,7 +3545,7 @@
           <a:p>
             <a:fld id="{9C4A4F43-1C06-40E6-8F87-8B286982E50E}" type="datetimeFigureOut">
               <a:rPr lang="en-NZ" smtClean="0"/>
-              <a:t>16/05/22</a:t>
+              <a:t>17/05/22</a:t>
             </a:fld>
             <a:endParaRPr lang="en-NZ" dirty="0"/>
           </a:p>
@@ -3687,7 +3687,7 @@
           <a:p>
             <a:fld id="{9C4A4F43-1C06-40E6-8F87-8B286982E50E}" type="datetimeFigureOut">
               <a:rPr lang="en-NZ" smtClean="0"/>
-              <a:t>16/05/22</a:t>
+              <a:t>17/05/22</a:t>
             </a:fld>
             <a:endParaRPr lang="en-NZ" dirty="0"/>
           </a:p>
@@ -3800,7 +3800,7 @@
           <a:p>
             <a:fld id="{9C4A4F43-1C06-40E6-8F87-8B286982E50E}" type="datetimeFigureOut">
               <a:rPr lang="en-NZ" smtClean="0"/>
-              <a:t>16/05/22</a:t>
+              <a:t>17/05/22</a:t>
             </a:fld>
             <a:endParaRPr lang="en-NZ" dirty="0"/>
           </a:p>
@@ -4113,7 +4113,7 @@
           <a:p>
             <a:fld id="{9C4A4F43-1C06-40E6-8F87-8B286982E50E}" type="datetimeFigureOut">
               <a:rPr lang="en-NZ" smtClean="0"/>
-              <a:t>16/05/22</a:t>
+              <a:t>17/05/22</a:t>
             </a:fld>
             <a:endParaRPr lang="en-NZ" dirty="0"/>
           </a:p>
@@ -4402,7 +4402,7 @@
           <a:p>
             <a:fld id="{9C4A4F43-1C06-40E6-8F87-8B286982E50E}" type="datetimeFigureOut">
               <a:rPr lang="en-NZ" smtClean="0"/>
-              <a:t>16/05/22</a:t>
+              <a:t>17/05/22</a:t>
             </a:fld>
             <a:endParaRPr lang="en-NZ" dirty="0"/>
           </a:p>
@@ -4645,7 +4645,7 @@
           <a:p>
             <a:fld id="{9C4A4F43-1C06-40E6-8F87-8B286982E50E}" type="datetimeFigureOut">
               <a:rPr lang="en-NZ" smtClean="0"/>
-              <a:t>16/05/22</a:t>
+              <a:t>17/05/22</a:t>
             </a:fld>
             <a:endParaRPr lang="en-NZ" dirty="0"/>
           </a:p>
@@ -5079,7 +5079,12 @@
             <p:ph type="ctrTitle"/>
           </p:nvPr>
         </p:nvSpPr>
-        <p:spPr/>
+        <p:spPr>
+          <a:xfrm>
+            <a:off x="1524000" y="1122363"/>
+            <a:ext cx="9144000" cy="2387600"/>
+          </a:xfrm>
+        </p:spPr>
         <p:txBody>
           <a:bodyPr>
             <a:normAutofit fontScale="90000"/>
@@ -7972,6 +7977,14 @@
 </file>
 
 <file path=customXml/item1.xml><?xml version="1.0" encoding="utf-8"?>
+<p:properties xmlns:p="http://schemas.microsoft.com/office/2006/metadata/properties" xmlns:xsi="http://www.w3.org/2001/XMLSchema-instance" xmlns:pc="http://schemas.microsoft.com/office/infopath/2007/PartnerControls">
+  <documentManagement>
+    <ReferenceId xmlns="3ac145f2-9803-46f6-b702-374493710c2e" xsi:nil="true"/>
+  </documentManagement>
+</p:properties>
+</file>
+
+<file path=customXml/item2.xml><?xml version="1.0" encoding="utf-8"?>
 <ct:contentTypeSchema xmlns:ct="http://schemas.microsoft.com/office/2006/metadata/contentType" xmlns:ma="http://schemas.microsoft.com/office/2006/metadata/properties/metaAttributes" ct:_="" ma:_="" ma:contentTypeName="Document" ma:contentTypeID="0x010100CE75DA83D22F8E48BAC825FC32A1856B" ma:contentTypeVersion="9" ma:contentTypeDescription="Create a new document." ma:contentTypeScope="" ma:versionID="7fb70ad076869fe0f0573ac3521d6468">
   <xsd:schema xmlns:xsd="http://www.w3.org/2001/XMLSchema" xmlns:xs="http://www.w3.org/2001/XMLSchema" xmlns:p="http://schemas.microsoft.com/office/2006/metadata/properties" xmlns:ns2="3ac145f2-9803-46f6-b702-374493710c2e" xmlns:ns3="f8614448-f46c-4880-8b68-17c914e2801b" targetNamespace="http://schemas.microsoft.com/office/2006/metadata/properties" ma:root="true" ma:fieldsID="f374b0e902821a9a4c3006c60326a7a1" ns2:_="" ns3:_="">
     <xsd:import namespace="3ac145f2-9803-46f6-b702-374493710c2e"/>
@@ -8168,14 +8181,6 @@
 </ct:contentTypeSchema>
 </file>
 
-<file path=customXml/item2.xml><?xml version="1.0" encoding="utf-8"?>
-<p:properties xmlns:p="http://schemas.microsoft.com/office/2006/metadata/properties" xmlns:xsi="http://www.w3.org/2001/XMLSchema-instance" xmlns:pc="http://schemas.microsoft.com/office/infopath/2007/PartnerControls">
-  <documentManagement>
-    <ReferenceId xmlns="3ac145f2-9803-46f6-b702-374493710c2e" xsi:nil="true"/>
-  </documentManagement>
-</p:properties>
-</file>
-
 <file path=customXml/item3.xml><?xml version="1.0" encoding="utf-8"?>
 <?mso-contentType ?>
 <FormTemplates xmlns="http://schemas.microsoft.com/sharepoint/v3/contenttype/forms">
@@ -8186,6 +8191,23 @@
 </file>
 
 <file path=customXml/itemProps1.xml><?xml version="1.0" encoding="utf-8"?>
+<ds:datastoreItem xmlns:ds="http://schemas.openxmlformats.org/officeDocument/2006/customXml" ds:itemID="{8CCE1432-2915-4013-A40F-C8CBF1E90797}">
+  <ds:schemaRefs>
+    <ds:schemaRef ds:uri="http://purl.org/dc/terms/"/>
+    <ds:schemaRef ds:uri="http://www.w3.org/XML/1998/namespace"/>
+    <ds:schemaRef ds:uri="http://purl.org/dc/elements/1.1/"/>
+    <ds:schemaRef ds:uri="3ac145f2-9803-46f6-b702-374493710c2e"/>
+    <ds:schemaRef ds:uri="http://schemas.microsoft.com/office/2006/documentManagement/types"/>
+    <ds:schemaRef ds:uri="http://schemas.microsoft.com/office/infopath/2007/PartnerControls"/>
+    <ds:schemaRef ds:uri="http://schemas.openxmlformats.org/package/2006/metadata/core-properties"/>
+    <ds:schemaRef ds:uri="f8614448-f46c-4880-8b68-17c914e2801b"/>
+    <ds:schemaRef ds:uri="http://schemas.microsoft.com/office/2006/metadata/properties"/>
+    <ds:schemaRef ds:uri="http://purl.org/dc/dcmitype/"/>
+  </ds:schemaRefs>
+</ds:datastoreItem>
+</file>
+
+<file path=customXml/itemProps2.xml><?xml version="1.0" encoding="utf-8"?>
 <ds:datastoreItem xmlns:ds="http://schemas.openxmlformats.org/officeDocument/2006/customXml" ds:itemID="{ED51ADB2-214E-46BA-8DE1-A63839197C2E}">
   <ds:schemaRefs>
     <ds:schemaRef ds:uri="http://schemas.microsoft.com/office/2006/metadata/contentType"/>
@@ -8204,23 +8226,6 @@
 </ds:datastoreItem>
 </file>
 
-<file path=customXml/itemProps2.xml><?xml version="1.0" encoding="utf-8"?>
-<ds:datastoreItem xmlns:ds="http://schemas.openxmlformats.org/officeDocument/2006/customXml" ds:itemID="{8CCE1432-2915-4013-A40F-C8CBF1E90797}">
-  <ds:schemaRefs>
-    <ds:schemaRef ds:uri="http://purl.org/dc/terms/"/>
-    <ds:schemaRef ds:uri="http://www.w3.org/XML/1998/namespace"/>
-    <ds:schemaRef ds:uri="http://purl.org/dc/elements/1.1/"/>
-    <ds:schemaRef ds:uri="3ac145f2-9803-46f6-b702-374493710c2e"/>
-    <ds:schemaRef ds:uri="http://schemas.microsoft.com/office/2006/documentManagement/types"/>
-    <ds:schemaRef ds:uri="http://schemas.microsoft.com/office/infopath/2007/PartnerControls"/>
-    <ds:schemaRef ds:uri="http://schemas.openxmlformats.org/package/2006/metadata/core-properties"/>
-    <ds:schemaRef ds:uri="f8614448-f46c-4880-8b68-17c914e2801b"/>
-    <ds:schemaRef ds:uri="http://schemas.microsoft.com/office/2006/metadata/properties"/>
-    <ds:schemaRef ds:uri="http://purl.org/dc/dcmitype/"/>
-  </ds:schemaRefs>
-</ds:datastoreItem>
-</file>
-
 <file path=customXml/itemProps3.xml><?xml version="1.0" encoding="utf-8"?>
 <ds:datastoreItem xmlns:ds="http://schemas.openxmlformats.org/officeDocument/2006/customXml" ds:itemID="{3BCB4A51-04B8-4D9E-A104-35DBDC6B39D6}">
   <ds:schemaRefs>

--- a/Assesment Documents/Powerpoint/1.7 and 1.8 documentation v2.pptx
+++ b/Assesment Documents/Powerpoint/1.7 and 1.8 documentation v2.pptx
@@ -126,12 +126,41 @@
 </p:presentation>
 </file>
 
-<file path=ppt/revisionInfo.xml><?xml version="1.0" encoding="utf-8"?>
-<p1510:revInfo xmlns:a="http://schemas.openxmlformats.org/drawingml/2006/main" xmlns:r="http://schemas.openxmlformats.org/officeDocument/2006/relationships" xmlns:p1510="http://schemas.microsoft.com/office/powerpoint/2015/10/main">
-  <p1510:revLst>
-    <p1510:client id="{6665EB8C-CC04-2144-A9F9-D78F9AD68A70}" v="6" dt="2022-05-11T02:15:23.134"/>
-  </p1510:revLst>
-</p1510:revInfo>
+<file path=ppt/changesInfos/changesInfo1.xml><?xml version="1.0" encoding="utf-8"?>
+<pc:chgInfo xmlns:a="http://schemas.openxmlformats.org/drawingml/2006/main" xmlns:r="http://schemas.openxmlformats.org/officeDocument/2006/relationships" xmlns:ac="http://schemas.microsoft.com/office/drawing/2013/main/command" xmlns:pc="http://schemas.microsoft.com/office/powerpoint/2013/main/command">
+  <pc:docChgLst>
+    <pc:chgData name="Joshua Bracefield" userId="d64b1e77-fcfe-4377-8f23-1bdeb7587d81" providerId="ADAL" clId="{C0F4E1A6-7104-0640-BD35-2B61C4A67323}"/>
+    <pc:docChg chg="modSld">
+      <pc:chgData name="Joshua Bracefield" userId="d64b1e77-fcfe-4377-8f23-1bdeb7587d81" providerId="ADAL" clId="{C0F4E1A6-7104-0640-BD35-2B61C4A67323}" dt="2022-05-18T21:20:54.706" v="33" actId="2161"/>
+      <pc:docMkLst>
+        <pc:docMk/>
+      </pc:docMkLst>
+      <pc:sldChg chg="modSp mod">
+        <pc:chgData name="Joshua Bracefield" userId="d64b1e77-fcfe-4377-8f23-1bdeb7587d81" providerId="ADAL" clId="{C0F4E1A6-7104-0640-BD35-2B61C4A67323}" dt="2022-05-18T21:20:54.706" v="33" actId="2161"/>
+        <pc:sldMkLst>
+          <pc:docMk/>
+          <pc:sldMk cId="0" sldId="269"/>
+        </pc:sldMkLst>
+        <pc:spChg chg="mod">
+          <ac:chgData name="Joshua Bracefield" userId="d64b1e77-fcfe-4377-8f23-1bdeb7587d81" providerId="ADAL" clId="{C0F4E1A6-7104-0640-BD35-2B61C4A67323}" dt="2022-05-18T21:20:41.731" v="29" actId="20577"/>
+          <ac:spMkLst>
+            <pc:docMk/>
+            <pc:sldMk cId="0" sldId="269"/>
+            <ac:spMk id="91" creationId="{00000000-0000-0000-0000-000000000000}"/>
+          </ac:spMkLst>
+        </pc:spChg>
+        <pc:graphicFrameChg chg="modGraphic">
+          <ac:chgData name="Joshua Bracefield" userId="d64b1e77-fcfe-4377-8f23-1bdeb7587d81" providerId="ADAL" clId="{C0F4E1A6-7104-0640-BD35-2B61C4A67323}" dt="2022-05-18T21:20:54.706" v="33" actId="2161"/>
+          <ac:graphicFrameMkLst>
+            <pc:docMk/>
+            <pc:sldMk cId="0" sldId="269"/>
+            <ac:graphicFrameMk id="92" creationId="{00000000-0000-0000-0000-000000000000}"/>
+          </ac:graphicFrameMkLst>
+        </pc:graphicFrameChg>
+      </pc:sldChg>
+    </pc:docChg>
+  </pc:docChgLst>
+</pc:chgInfo>
 </file>
 
 <file path=ppt/notesMasters/notesMaster1.xml><?xml version="1.0" encoding="utf-8"?>
@@ -216,7 +245,7 @@
           <a:p>
             <a:fld id="{F37D28C0-BEB6-42B0-A203-EEE1023219C4}" type="datetimeFigureOut">
               <a:rPr lang="en-NZ" smtClean="0"/>
-              <a:t>17/05/22</a:t>
+              <a:t>19/05/22</a:t>
             </a:fld>
             <a:endParaRPr lang="en-NZ"/>
           </a:p>
@@ -1617,7 +1646,7 @@
           <a:p>
             <a:fld id="{9C4A4F43-1C06-40E6-8F87-8B286982E50E}" type="datetimeFigureOut">
               <a:rPr lang="en-NZ" smtClean="0"/>
-              <a:t>17/05/22</a:t>
+              <a:t>19/05/22</a:t>
             </a:fld>
             <a:endParaRPr lang="en-NZ" dirty="0"/>
           </a:p>
@@ -1817,7 +1846,7 @@
           <a:p>
             <a:fld id="{9C4A4F43-1C06-40E6-8F87-8B286982E50E}" type="datetimeFigureOut">
               <a:rPr lang="en-NZ" smtClean="0"/>
-              <a:t>17/05/22</a:t>
+              <a:t>19/05/22</a:t>
             </a:fld>
             <a:endParaRPr lang="en-NZ" dirty="0"/>
           </a:p>
@@ -2027,7 +2056,7 @@
           <a:p>
             <a:fld id="{9C4A4F43-1C06-40E6-8F87-8B286982E50E}" type="datetimeFigureOut">
               <a:rPr lang="en-NZ" smtClean="0"/>
-              <a:t>17/05/22</a:t>
+              <a:t>19/05/22</a:t>
             </a:fld>
             <a:endParaRPr lang="en-NZ" dirty="0"/>
           </a:p>
@@ -2586,7 +2615,7 @@
           <a:p>
             <a:fld id="{9C4A4F43-1C06-40E6-8F87-8B286982E50E}" type="datetimeFigureOut">
               <a:rPr lang="en-NZ" smtClean="0"/>
-              <a:t>17/05/22</a:t>
+              <a:t>19/05/22</a:t>
             </a:fld>
             <a:endParaRPr lang="en-NZ" dirty="0"/>
           </a:p>
@@ -2862,7 +2891,7 @@
           <a:p>
             <a:fld id="{9C4A4F43-1C06-40E6-8F87-8B286982E50E}" type="datetimeFigureOut">
               <a:rPr lang="en-NZ" smtClean="0"/>
-              <a:t>17/05/22</a:t>
+              <a:t>19/05/22</a:t>
             </a:fld>
             <a:endParaRPr lang="en-NZ" dirty="0"/>
           </a:p>
@@ -3130,7 +3159,7 @@
           <a:p>
             <a:fld id="{9C4A4F43-1C06-40E6-8F87-8B286982E50E}" type="datetimeFigureOut">
               <a:rPr lang="en-NZ" smtClean="0"/>
-              <a:t>17/05/22</a:t>
+              <a:t>19/05/22</a:t>
             </a:fld>
             <a:endParaRPr lang="en-NZ" dirty="0"/>
           </a:p>
@@ -3545,7 +3574,7 @@
           <a:p>
             <a:fld id="{9C4A4F43-1C06-40E6-8F87-8B286982E50E}" type="datetimeFigureOut">
               <a:rPr lang="en-NZ" smtClean="0"/>
-              <a:t>17/05/22</a:t>
+              <a:t>19/05/22</a:t>
             </a:fld>
             <a:endParaRPr lang="en-NZ" dirty="0"/>
           </a:p>
@@ -3687,7 +3716,7 @@
           <a:p>
             <a:fld id="{9C4A4F43-1C06-40E6-8F87-8B286982E50E}" type="datetimeFigureOut">
               <a:rPr lang="en-NZ" smtClean="0"/>
-              <a:t>17/05/22</a:t>
+              <a:t>19/05/22</a:t>
             </a:fld>
             <a:endParaRPr lang="en-NZ" dirty="0"/>
           </a:p>
@@ -3800,7 +3829,7 @@
           <a:p>
             <a:fld id="{9C4A4F43-1C06-40E6-8F87-8B286982E50E}" type="datetimeFigureOut">
               <a:rPr lang="en-NZ" smtClean="0"/>
-              <a:t>17/05/22</a:t>
+              <a:t>19/05/22</a:t>
             </a:fld>
             <a:endParaRPr lang="en-NZ" dirty="0"/>
           </a:p>
@@ -4113,7 +4142,7 @@
           <a:p>
             <a:fld id="{9C4A4F43-1C06-40E6-8F87-8B286982E50E}" type="datetimeFigureOut">
               <a:rPr lang="en-NZ" smtClean="0"/>
-              <a:t>17/05/22</a:t>
+              <a:t>19/05/22</a:t>
             </a:fld>
             <a:endParaRPr lang="en-NZ" dirty="0"/>
           </a:p>
@@ -4402,7 +4431,7 @@
           <a:p>
             <a:fld id="{9C4A4F43-1C06-40E6-8F87-8B286982E50E}" type="datetimeFigureOut">
               <a:rPr lang="en-NZ" smtClean="0"/>
-              <a:t>17/05/22</a:t>
+              <a:t>19/05/22</a:t>
             </a:fld>
             <a:endParaRPr lang="en-NZ" dirty="0"/>
           </a:p>
@@ -4645,7 +4674,7 @@
           <a:p>
             <a:fld id="{9C4A4F43-1C06-40E6-8F87-8B286982E50E}" type="datetimeFigureOut">
               <a:rPr lang="en-NZ" smtClean="0"/>
-              <a:t>17/05/22</a:t>
+              <a:t>19/05/22</a:t>
             </a:fld>
             <a:endParaRPr lang="en-NZ" dirty="0"/>
           </a:p>
@@ -6844,7 +6873,7 @@
           <a:p>
             <a:r>
               <a:rPr lang="en" sz="4000" dirty="0"/>
-              <a:t>[Component name] - Test Plan</a:t>
+              <a:t>Welcome Screen - Test Plan</a:t>
             </a:r>
             <a:endParaRPr sz="4000" dirty="0"/>
           </a:p>
@@ -6857,14 +6886,14 @@
           <p:nvPr>
             <p:extLst>
               <p:ext uri="{D42A27DB-BD31-4B8C-83A1-F6EECF244321}">
-                <p14:modId xmlns:p14="http://schemas.microsoft.com/office/powerpoint/2010/main" val="2698883836"/>
+                <p14:modId xmlns:p14="http://schemas.microsoft.com/office/powerpoint/2010/main" val="2543017933"/>
               </p:ext>
             </p:extLst>
           </p:nvPr>
         </p:nvGraphicFramePr>
         <p:xfrm>
           <a:off x="509967" y="1690300"/>
-          <a:ext cx="11360800" cy="1219120"/>
+          <a:ext cx="11360800" cy="3657360"/>
         </p:xfrm>
         <a:graphic>
           <a:graphicData uri="http://schemas.openxmlformats.org/drawingml/2006/table">
@@ -6991,6 +7020,186 @@
                 <a:extLst>
                   <a:ext uri="{0D108BD9-81ED-4DB2-BD59-A6C34878D82A}">
                     <a16:rowId xmlns:a16="http://schemas.microsoft.com/office/drawing/2014/main" val="10001"/>
+                  </a:ext>
+                </a:extLst>
+              </a:tr>
+              <a:tr h="609560">
+                <a:tc>
+                  <a:txBody>
+                    <a:bodyPr/>
+                    <a:lstStyle/>
+                    <a:p>
+                      <a:pPr marL="0" lvl="0" indent="0" algn="l" rtl="0">
+                        <a:spcBef>
+                          <a:spcPts val="0"/>
+                        </a:spcBef>
+                        <a:spcAft>
+                          <a:spcPts val="0"/>
+                        </a:spcAft>
+                        <a:buNone/>
+                      </a:pPr>
+                      <a:endParaRPr sz="2400" dirty="0"/>
+                    </a:p>
+                  </a:txBody>
+                  <a:tcPr marL="121900" marR="121900" marT="121900" marB="121900"/>
+                </a:tc>
+                <a:tc>
+                  <a:txBody>
+                    <a:bodyPr/>
+                    <a:lstStyle/>
+                    <a:p>
+                      <a:pPr marL="0" lvl="0" indent="0" algn="l" rtl="0">
+                        <a:spcBef>
+                          <a:spcPts val="0"/>
+                        </a:spcBef>
+                        <a:spcAft>
+                          <a:spcPts val="0"/>
+                        </a:spcAft>
+                        <a:buNone/>
+                      </a:pPr>
+                      <a:endParaRPr sz="2400" dirty="0"/>
+                    </a:p>
+                  </a:txBody>
+                  <a:tcPr marL="121900" marR="121900" marT="121900" marB="121900"/>
+                </a:tc>
+                <a:extLst>
+                  <a:ext uri="{0D108BD9-81ED-4DB2-BD59-A6C34878D82A}">
+                    <a16:rowId xmlns:a16="http://schemas.microsoft.com/office/drawing/2014/main" val="1825611045"/>
+                  </a:ext>
+                </a:extLst>
+              </a:tr>
+              <a:tr h="609560">
+                <a:tc>
+                  <a:txBody>
+                    <a:bodyPr/>
+                    <a:lstStyle/>
+                    <a:p>
+                      <a:pPr marL="0" lvl="0" indent="0" algn="l" rtl="0">
+                        <a:spcBef>
+                          <a:spcPts val="0"/>
+                        </a:spcBef>
+                        <a:spcAft>
+                          <a:spcPts val="0"/>
+                        </a:spcAft>
+                        <a:buNone/>
+                      </a:pPr>
+                      <a:endParaRPr sz="2400" dirty="0"/>
+                    </a:p>
+                  </a:txBody>
+                  <a:tcPr marL="121900" marR="121900" marT="121900" marB="121900"/>
+                </a:tc>
+                <a:tc>
+                  <a:txBody>
+                    <a:bodyPr/>
+                    <a:lstStyle/>
+                    <a:p>
+                      <a:pPr marL="0" lvl="0" indent="0" algn="l" rtl="0">
+                        <a:spcBef>
+                          <a:spcPts val="0"/>
+                        </a:spcBef>
+                        <a:spcAft>
+                          <a:spcPts val="0"/>
+                        </a:spcAft>
+                        <a:buNone/>
+                      </a:pPr>
+                      <a:endParaRPr sz="2400" dirty="0"/>
+                    </a:p>
+                  </a:txBody>
+                  <a:tcPr marL="121900" marR="121900" marT="121900" marB="121900"/>
+                </a:tc>
+                <a:extLst>
+                  <a:ext uri="{0D108BD9-81ED-4DB2-BD59-A6C34878D82A}">
+                    <a16:rowId xmlns:a16="http://schemas.microsoft.com/office/drawing/2014/main" val="2562601790"/>
+                  </a:ext>
+                </a:extLst>
+              </a:tr>
+              <a:tr h="609560">
+                <a:tc>
+                  <a:txBody>
+                    <a:bodyPr/>
+                    <a:lstStyle/>
+                    <a:p>
+                      <a:pPr marL="0" lvl="0" indent="0" algn="l" rtl="0">
+                        <a:spcBef>
+                          <a:spcPts val="0"/>
+                        </a:spcBef>
+                        <a:spcAft>
+                          <a:spcPts val="0"/>
+                        </a:spcAft>
+                        <a:buNone/>
+                      </a:pPr>
+                      <a:endParaRPr sz="2400" dirty="0"/>
+                    </a:p>
+                  </a:txBody>
+                  <a:tcPr marL="121900" marR="121900" marT="121900" marB="121900"/>
+                </a:tc>
+                <a:tc>
+                  <a:txBody>
+                    <a:bodyPr/>
+                    <a:lstStyle/>
+                    <a:p>
+                      <a:pPr marL="0" lvl="0" indent="0" algn="l" rtl="0">
+                        <a:spcBef>
+                          <a:spcPts val="0"/>
+                        </a:spcBef>
+                        <a:spcAft>
+                          <a:spcPts val="0"/>
+                        </a:spcAft>
+                        <a:buNone/>
+                      </a:pPr>
+                      <a:endParaRPr sz="2400" dirty="0"/>
+                    </a:p>
+                  </a:txBody>
+                  <a:tcPr marL="121900" marR="121900" marT="121900" marB="121900"/>
+                </a:tc>
+                <a:extLst>
+                  <a:ext uri="{0D108BD9-81ED-4DB2-BD59-A6C34878D82A}">
+                    <a16:rowId xmlns:a16="http://schemas.microsoft.com/office/drawing/2014/main" val="255613605"/>
+                  </a:ext>
+                </a:extLst>
+              </a:tr>
+              <a:tr h="609560">
+                <a:tc>
+                  <a:txBody>
+                    <a:bodyPr/>
+                    <a:lstStyle/>
+                    <a:p>
+                      <a:pPr marL="0" lvl="0" indent="0" algn="l" rtl="0">
+                        <a:spcBef>
+                          <a:spcPts val="0"/>
+                        </a:spcBef>
+                        <a:spcAft>
+                          <a:spcPts val="0"/>
+                        </a:spcAft>
+                        <a:buNone/>
+                      </a:pPr>
+                      <a:endParaRPr sz="2400" dirty="0"/>
+                    </a:p>
+                  </a:txBody>
+                  <a:tcPr marL="121900" marR="121900" marT="121900" marB="121900"/>
+                </a:tc>
+                <a:tc>
+                  <a:txBody>
+                    <a:bodyPr/>
+                    <a:lstStyle/>
+                    <a:p>
+                      <a:pPr marL="0" lvl="0" indent="0" algn="l" rtl="0">
+                        <a:spcBef>
+                          <a:spcPts val="0"/>
+                        </a:spcBef>
+                        <a:spcAft>
+                          <a:spcPts val="0"/>
+                        </a:spcAft>
+                        <a:buNone/>
+                      </a:pPr>
+                      <a:endParaRPr sz="2400" dirty="0"/>
+                    </a:p>
+                  </a:txBody>
+                  <a:tcPr marL="121900" marR="121900" marT="121900" marB="121900"/>
+                </a:tc>
+                <a:extLst>
+                  <a:ext uri="{0D108BD9-81ED-4DB2-BD59-A6C34878D82A}">
+                    <a16:rowId xmlns:a16="http://schemas.microsoft.com/office/drawing/2014/main" val="209912261"/>
                   </a:ext>
                 </a:extLst>
               </a:tr>
@@ -7977,14 +8186,6 @@
 </file>
 
 <file path=customXml/item1.xml><?xml version="1.0" encoding="utf-8"?>
-<p:properties xmlns:p="http://schemas.microsoft.com/office/2006/metadata/properties" xmlns:xsi="http://www.w3.org/2001/XMLSchema-instance" xmlns:pc="http://schemas.microsoft.com/office/infopath/2007/PartnerControls">
-  <documentManagement>
-    <ReferenceId xmlns="3ac145f2-9803-46f6-b702-374493710c2e" xsi:nil="true"/>
-  </documentManagement>
-</p:properties>
-</file>
-
-<file path=customXml/item2.xml><?xml version="1.0" encoding="utf-8"?>
 <ct:contentTypeSchema xmlns:ct="http://schemas.microsoft.com/office/2006/metadata/contentType" xmlns:ma="http://schemas.microsoft.com/office/2006/metadata/properties/metaAttributes" ct:_="" ma:_="" ma:contentTypeName="Document" ma:contentTypeID="0x010100CE75DA83D22F8E48BAC825FC32A1856B" ma:contentTypeVersion="9" ma:contentTypeDescription="Create a new document." ma:contentTypeScope="" ma:versionID="7fb70ad076869fe0f0573ac3521d6468">
   <xsd:schema xmlns:xsd="http://www.w3.org/2001/XMLSchema" xmlns:xs="http://www.w3.org/2001/XMLSchema" xmlns:p="http://schemas.microsoft.com/office/2006/metadata/properties" xmlns:ns2="3ac145f2-9803-46f6-b702-374493710c2e" xmlns:ns3="f8614448-f46c-4880-8b68-17c914e2801b" targetNamespace="http://schemas.microsoft.com/office/2006/metadata/properties" ma:root="true" ma:fieldsID="f374b0e902821a9a4c3006c60326a7a1" ns2:_="" ns3:_="">
     <xsd:import namespace="3ac145f2-9803-46f6-b702-374493710c2e"/>
@@ -8181,6 +8382,14 @@
 </ct:contentTypeSchema>
 </file>
 
+<file path=customXml/item2.xml><?xml version="1.0" encoding="utf-8"?>
+<p:properties xmlns:p="http://schemas.microsoft.com/office/2006/metadata/properties" xmlns:xsi="http://www.w3.org/2001/XMLSchema-instance" xmlns:pc="http://schemas.microsoft.com/office/infopath/2007/PartnerControls">
+  <documentManagement>
+    <ReferenceId xmlns="3ac145f2-9803-46f6-b702-374493710c2e" xsi:nil="true"/>
+  </documentManagement>
+</p:properties>
+</file>
+
 <file path=customXml/item3.xml><?xml version="1.0" encoding="utf-8"?>
 <?mso-contentType ?>
 <FormTemplates xmlns="http://schemas.microsoft.com/sharepoint/v3/contenttype/forms">
@@ -8191,23 +8400,6 @@
 </file>
 
 <file path=customXml/itemProps1.xml><?xml version="1.0" encoding="utf-8"?>
-<ds:datastoreItem xmlns:ds="http://schemas.openxmlformats.org/officeDocument/2006/customXml" ds:itemID="{8CCE1432-2915-4013-A40F-C8CBF1E90797}">
-  <ds:schemaRefs>
-    <ds:schemaRef ds:uri="http://purl.org/dc/terms/"/>
-    <ds:schemaRef ds:uri="http://www.w3.org/XML/1998/namespace"/>
-    <ds:schemaRef ds:uri="http://purl.org/dc/elements/1.1/"/>
-    <ds:schemaRef ds:uri="3ac145f2-9803-46f6-b702-374493710c2e"/>
-    <ds:schemaRef ds:uri="http://schemas.microsoft.com/office/2006/documentManagement/types"/>
-    <ds:schemaRef ds:uri="http://schemas.microsoft.com/office/infopath/2007/PartnerControls"/>
-    <ds:schemaRef ds:uri="http://schemas.openxmlformats.org/package/2006/metadata/core-properties"/>
-    <ds:schemaRef ds:uri="f8614448-f46c-4880-8b68-17c914e2801b"/>
-    <ds:schemaRef ds:uri="http://schemas.microsoft.com/office/2006/metadata/properties"/>
-    <ds:schemaRef ds:uri="http://purl.org/dc/dcmitype/"/>
-  </ds:schemaRefs>
-</ds:datastoreItem>
-</file>
-
-<file path=customXml/itemProps2.xml><?xml version="1.0" encoding="utf-8"?>
 <ds:datastoreItem xmlns:ds="http://schemas.openxmlformats.org/officeDocument/2006/customXml" ds:itemID="{ED51ADB2-214E-46BA-8DE1-A63839197C2E}">
   <ds:schemaRefs>
     <ds:schemaRef ds:uri="http://schemas.microsoft.com/office/2006/metadata/contentType"/>
@@ -8226,6 +8418,23 @@
 </ds:datastoreItem>
 </file>
 
+<file path=customXml/itemProps2.xml><?xml version="1.0" encoding="utf-8"?>
+<ds:datastoreItem xmlns:ds="http://schemas.openxmlformats.org/officeDocument/2006/customXml" ds:itemID="{8CCE1432-2915-4013-A40F-C8CBF1E90797}">
+  <ds:schemaRefs>
+    <ds:schemaRef ds:uri="http://purl.org/dc/dcmitype/"/>
+    <ds:schemaRef ds:uri="http://schemas.microsoft.com/office/2006/documentManagement/types"/>
+    <ds:schemaRef ds:uri="http://schemas.microsoft.com/office/2006/metadata/properties"/>
+    <ds:schemaRef ds:uri="http://www.w3.org/XML/1998/namespace"/>
+    <ds:schemaRef ds:uri="http://purl.org/dc/terms/"/>
+    <ds:schemaRef ds:uri="f8614448-f46c-4880-8b68-17c914e2801b"/>
+    <ds:schemaRef ds:uri="http://purl.org/dc/elements/1.1/"/>
+    <ds:schemaRef ds:uri="3ac145f2-9803-46f6-b702-374493710c2e"/>
+    <ds:schemaRef ds:uri="http://schemas.microsoft.com/office/infopath/2007/PartnerControls"/>
+    <ds:schemaRef ds:uri="http://schemas.openxmlformats.org/package/2006/metadata/core-properties"/>
+  </ds:schemaRefs>
+</ds:datastoreItem>
+</file>
+
 <file path=customXml/itemProps3.xml><?xml version="1.0" encoding="utf-8"?>
 <ds:datastoreItem xmlns:ds="http://schemas.openxmlformats.org/officeDocument/2006/customXml" ds:itemID="{3BCB4A51-04B8-4D9E-A104-35DBDC6B39D6}">
   <ds:schemaRefs>

--- a/Assesment Documents/Powerpoint/1.7 and 1.8 documentation v2.pptx
+++ b/Assesment Documents/Powerpoint/1.7 and 1.8 documentation v2.pptx
@@ -131,12 +131,12 @@
   <pc:docChgLst>
     <pc:chgData name="Joshua Bracefield" userId="d64b1e77-fcfe-4377-8f23-1bdeb7587d81" providerId="ADAL" clId="{C0F4E1A6-7104-0640-BD35-2B61C4A67323}"/>
     <pc:docChg chg="modSld">
-      <pc:chgData name="Joshua Bracefield" userId="d64b1e77-fcfe-4377-8f23-1bdeb7587d81" providerId="ADAL" clId="{C0F4E1A6-7104-0640-BD35-2B61C4A67323}" dt="2022-05-18T21:20:54.706" v="33" actId="2161"/>
+      <pc:chgData name="Joshua Bracefield" userId="d64b1e77-fcfe-4377-8f23-1bdeb7587d81" providerId="ADAL" clId="{C0F4E1A6-7104-0640-BD35-2B61C4A67323}" dt="2022-05-18T21:35:03.951" v="169" actId="20577"/>
       <pc:docMkLst>
         <pc:docMk/>
       </pc:docMkLst>
       <pc:sldChg chg="modSp mod">
-        <pc:chgData name="Joshua Bracefield" userId="d64b1e77-fcfe-4377-8f23-1bdeb7587d81" providerId="ADAL" clId="{C0F4E1A6-7104-0640-BD35-2B61C4A67323}" dt="2022-05-18T21:20:54.706" v="33" actId="2161"/>
+        <pc:chgData name="Joshua Bracefield" userId="d64b1e77-fcfe-4377-8f23-1bdeb7587d81" providerId="ADAL" clId="{C0F4E1A6-7104-0640-BD35-2B61C4A67323}" dt="2022-05-18T21:35:03.951" v="169" actId="20577"/>
         <pc:sldMkLst>
           <pc:docMk/>
           <pc:sldMk cId="0" sldId="269"/>
@@ -150,7 +150,7 @@
           </ac:spMkLst>
         </pc:spChg>
         <pc:graphicFrameChg chg="modGraphic">
-          <ac:chgData name="Joshua Bracefield" userId="d64b1e77-fcfe-4377-8f23-1bdeb7587d81" providerId="ADAL" clId="{C0F4E1A6-7104-0640-BD35-2B61C4A67323}" dt="2022-05-18T21:20:54.706" v="33" actId="2161"/>
+          <ac:chgData name="Joshua Bracefield" userId="d64b1e77-fcfe-4377-8f23-1bdeb7587d81" providerId="ADAL" clId="{C0F4E1A6-7104-0640-BD35-2B61C4A67323}" dt="2022-05-18T21:35:03.951" v="169" actId="20577"/>
           <ac:graphicFrameMkLst>
             <pc:docMk/>
             <pc:sldMk cId="0" sldId="269"/>
@@ -6886,7 +6886,7 @@
           <p:nvPr>
             <p:extLst>
               <p:ext uri="{D42A27DB-BD31-4B8C-83A1-F6EECF244321}">
-                <p14:modId xmlns:p14="http://schemas.microsoft.com/office/powerpoint/2010/main" val="2543017933"/>
+                <p14:modId xmlns:p14="http://schemas.microsoft.com/office/powerpoint/2010/main" val="1584990528"/>
               </p:ext>
             </p:extLst>
           </p:nvPr>
@@ -6993,6 +6993,10 @@
                         </a:spcAft>
                         <a:buNone/>
                       </a:pPr>
+                      <a:r>
+                        <a:rPr lang="en-US" sz="2400" dirty="0"/>
+                        <a:t>Yes/yes</a:t>
+                      </a:r>
                       <a:endParaRPr sz="2400" dirty="0"/>
                     </a:p>
                   </a:txBody>
@@ -7012,6 +7016,10 @@
                         </a:spcAft>
                         <a:buNone/>
                       </a:pPr>
+                      <a:r>
+                        <a:rPr lang="en-US" sz="2400" dirty="0"/>
+                        <a:t>Program continues</a:t>
+                      </a:r>
                       <a:endParaRPr sz="2400" dirty="0"/>
                     </a:p>
                   </a:txBody>
@@ -7038,6 +7046,10 @@
                         </a:spcAft>
                         <a:buNone/>
                       </a:pPr>
+                      <a:r>
+                        <a:rPr lang="en-US" sz="2400" dirty="0"/>
+                        <a:t>Y/n</a:t>
+                      </a:r>
                       <a:endParaRPr sz="2400" dirty="0"/>
                     </a:p>
                   </a:txBody>
@@ -7057,6 +7069,10 @@
                         </a:spcAft>
                         <a:buNone/>
                       </a:pPr>
+                      <a:r>
+                        <a:rPr lang="en-US" sz="2400" dirty="0"/>
+                        <a:t>Program continues</a:t>
+                      </a:r>
                       <a:endParaRPr sz="2400" dirty="0"/>
                     </a:p>
                   </a:txBody>
@@ -7083,6 +7099,10 @@
                         </a:spcAft>
                         <a:buNone/>
                       </a:pPr>
+                      <a:r>
+                        <a:rPr lang="en-US" sz="2400" dirty="0"/>
+                        <a:t>No/no</a:t>
+                      </a:r>
                       <a:endParaRPr sz="2400" dirty="0"/>
                     </a:p>
                   </a:txBody>
@@ -7102,6 +7122,10 @@
                         </a:spcAft>
                         <a:buNone/>
                       </a:pPr>
+                      <a:r>
+                        <a:rPr lang="en-US" sz="2400" dirty="0"/>
+                        <a:t>Show instructions</a:t>
+                      </a:r>
                       <a:endParaRPr sz="2400" dirty="0"/>
                     </a:p>
                   </a:txBody>
@@ -7128,6 +7152,10 @@
                         </a:spcAft>
                         <a:buNone/>
                       </a:pPr>
+                      <a:r>
+                        <a:rPr lang="en-US" sz="2400" dirty="0"/>
+                        <a:t>N/n</a:t>
+                      </a:r>
                       <a:endParaRPr sz="2400" dirty="0"/>
                     </a:p>
                   </a:txBody>
@@ -7147,6 +7175,10 @@
                         </a:spcAft>
                         <a:buNone/>
                       </a:pPr>
+                      <a:r>
+                        <a:rPr lang="en-US" sz="2400" dirty="0"/>
+                        <a:t>Show instructions</a:t>
+                      </a:r>
                       <a:endParaRPr sz="2400" dirty="0"/>
                     </a:p>
                   </a:txBody>
@@ -7173,6 +7205,10 @@
                         </a:spcAft>
                         <a:buNone/>
                       </a:pPr>
+                      <a:r>
+                        <a:rPr lang="en-US" sz="2400"/>
+                        <a:t>Anything else</a:t>
+                      </a:r>
                       <a:endParaRPr sz="2400" dirty="0"/>
                     </a:p>
                   </a:txBody>
@@ -7192,6 +7228,10 @@
                         </a:spcAft>
                         <a:buNone/>
                       </a:pPr>
+                      <a:r>
+                        <a:rPr lang="en-US" sz="2400" dirty="0"/>
+                        <a:t>Error</a:t>
+                      </a:r>
                       <a:endParaRPr sz="2400" dirty="0"/>
                     </a:p>
                   </a:txBody>

--- a/Assesment Documents/Powerpoint/1.7 and 1.8 documentation v2.pptx
+++ b/Assesment Documents/Powerpoint/1.7 and 1.8 documentation v2.pptx
@@ -126,12 +126,20 @@
 </p:presentation>
 </file>
 
+<file path=ppt/revisionInfo.xml><?xml version="1.0" encoding="utf-8"?>
+<p1510:revInfo xmlns:a="http://schemas.openxmlformats.org/drawingml/2006/main" xmlns:r="http://schemas.openxmlformats.org/officeDocument/2006/relationships" xmlns:p1510="http://schemas.microsoft.com/office/powerpoint/2015/10/main">
+  <p1510:revLst>
+    <p1510:client id="{C0F4E1A6-7104-0640-BD35-2B61C4A67323}" v="1" dt="2022-05-22T23:44:18.811"/>
+  </p1510:revLst>
+</p1510:revInfo>
+</file>
+
 <file path=ppt/changesInfos/changesInfo1.xml><?xml version="1.0" encoding="utf-8"?>
 <pc:chgInfo xmlns:a="http://schemas.openxmlformats.org/drawingml/2006/main" xmlns:r="http://schemas.openxmlformats.org/officeDocument/2006/relationships" xmlns:ac="http://schemas.microsoft.com/office/drawing/2013/main/command" xmlns:pc="http://schemas.microsoft.com/office/powerpoint/2013/main/command">
   <pc:docChgLst>
     <pc:chgData name="Joshua Bracefield" userId="d64b1e77-fcfe-4377-8f23-1bdeb7587d81" providerId="ADAL" clId="{C0F4E1A6-7104-0640-BD35-2B61C4A67323}"/>
     <pc:docChg chg="modSld">
-      <pc:chgData name="Joshua Bracefield" userId="d64b1e77-fcfe-4377-8f23-1bdeb7587d81" providerId="ADAL" clId="{C0F4E1A6-7104-0640-BD35-2B61C4A67323}" dt="2022-05-18T21:35:03.951" v="169" actId="20577"/>
+      <pc:chgData name="Joshua Bracefield" userId="d64b1e77-fcfe-4377-8f23-1bdeb7587d81" providerId="ADAL" clId="{C0F4E1A6-7104-0640-BD35-2B61C4A67323}" dt="2022-05-22T23:44:51.443" v="173" actId="20577"/>
       <pc:docMkLst>
         <pc:docMk/>
       </pc:docMkLst>
@@ -157,6 +165,29 @@
             <ac:graphicFrameMk id="92" creationId="{00000000-0000-0000-0000-000000000000}"/>
           </ac:graphicFrameMkLst>
         </pc:graphicFrameChg>
+      </pc:sldChg>
+      <pc:sldChg chg="addSp modSp mod">
+        <pc:chgData name="Joshua Bracefield" userId="d64b1e77-fcfe-4377-8f23-1bdeb7587d81" providerId="ADAL" clId="{C0F4E1A6-7104-0640-BD35-2B61C4A67323}" dt="2022-05-22T23:44:51.443" v="173" actId="20577"/>
+        <pc:sldMkLst>
+          <pc:docMk/>
+          <pc:sldMk cId="270828811" sldId="273"/>
+        </pc:sldMkLst>
+        <pc:spChg chg="add mod">
+          <ac:chgData name="Joshua Bracefield" userId="d64b1e77-fcfe-4377-8f23-1bdeb7587d81" providerId="ADAL" clId="{C0F4E1A6-7104-0640-BD35-2B61C4A67323}" dt="2022-05-22T23:44:18.811" v="171" actId="767"/>
+          <ac:spMkLst>
+            <pc:docMk/>
+            <pc:sldMk cId="270828811" sldId="273"/>
+            <ac:spMk id="3" creationId="{82711A2B-DDF3-F1F8-66FF-CED3F0E86DD2}"/>
+          </ac:spMkLst>
+        </pc:spChg>
+        <pc:spChg chg="mod">
+          <ac:chgData name="Joshua Bracefield" userId="d64b1e77-fcfe-4377-8f23-1bdeb7587d81" providerId="ADAL" clId="{C0F4E1A6-7104-0640-BD35-2B61C4A67323}" dt="2022-05-22T23:44:51.443" v="173" actId="20577"/>
+          <ac:spMkLst>
+            <pc:docMk/>
+            <pc:sldMk cId="270828811" sldId="273"/>
+            <ac:spMk id="4" creationId="{8CD07A82-A944-4A9B-9A52-515DAC30878A}"/>
+          </ac:spMkLst>
+        </pc:spChg>
       </pc:sldChg>
     </pc:docChg>
   </pc:docChgLst>
@@ -245,7 +276,7 @@
           <a:p>
             <a:fld id="{F37D28C0-BEB6-42B0-A203-EEE1023219C4}" type="datetimeFigureOut">
               <a:rPr lang="en-NZ" smtClean="0"/>
-              <a:t>19/05/22</a:t>
+              <a:t>23/05/22</a:t>
             </a:fld>
             <a:endParaRPr lang="en-NZ"/>
           </a:p>
@@ -1646,7 +1677,7 @@
           <a:p>
             <a:fld id="{9C4A4F43-1C06-40E6-8F87-8B286982E50E}" type="datetimeFigureOut">
               <a:rPr lang="en-NZ" smtClean="0"/>
-              <a:t>19/05/22</a:t>
+              <a:t>23/05/22</a:t>
             </a:fld>
             <a:endParaRPr lang="en-NZ" dirty="0"/>
           </a:p>
@@ -1846,7 +1877,7 @@
           <a:p>
             <a:fld id="{9C4A4F43-1C06-40E6-8F87-8B286982E50E}" type="datetimeFigureOut">
               <a:rPr lang="en-NZ" smtClean="0"/>
-              <a:t>19/05/22</a:t>
+              <a:t>23/05/22</a:t>
             </a:fld>
             <a:endParaRPr lang="en-NZ" dirty="0"/>
           </a:p>
@@ -2056,7 +2087,7 @@
           <a:p>
             <a:fld id="{9C4A4F43-1C06-40E6-8F87-8B286982E50E}" type="datetimeFigureOut">
               <a:rPr lang="en-NZ" smtClean="0"/>
-              <a:t>19/05/22</a:t>
+              <a:t>23/05/22</a:t>
             </a:fld>
             <a:endParaRPr lang="en-NZ" dirty="0"/>
           </a:p>
@@ -2615,7 +2646,7 @@
           <a:p>
             <a:fld id="{9C4A4F43-1C06-40E6-8F87-8B286982E50E}" type="datetimeFigureOut">
               <a:rPr lang="en-NZ" smtClean="0"/>
-              <a:t>19/05/22</a:t>
+              <a:t>23/05/22</a:t>
             </a:fld>
             <a:endParaRPr lang="en-NZ" dirty="0"/>
           </a:p>
@@ -2891,7 +2922,7 @@
           <a:p>
             <a:fld id="{9C4A4F43-1C06-40E6-8F87-8B286982E50E}" type="datetimeFigureOut">
               <a:rPr lang="en-NZ" smtClean="0"/>
-              <a:t>19/05/22</a:t>
+              <a:t>23/05/22</a:t>
             </a:fld>
             <a:endParaRPr lang="en-NZ" dirty="0"/>
           </a:p>
@@ -3159,7 +3190,7 @@
           <a:p>
             <a:fld id="{9C4A4F43-1C06-40E6-8F87-8B286982E50E}" type="datetimeFigureOut">
               <a:rPr lang="en-NZ" smtClean="0"/>
-              <a:t>19/05/22</a:t>
+              <a:t>23/05/22</a:t>
             </a:fld>
             <a:endParaRPr lang="en-NZ" dirty="0"/>
           </a:p>
@@ -3574,7 +3605,7 @@
           <a:p>
             <a:fld id="{9C4A4F43-1C06-40E6-8F87-8B286982E50E}" type="datetimeFigureOut">
               <a:rPr lang="en-NZ" smtClean="0"/>
-              <a:t>19/05/22</a:t>
+              <a:t>23/05/22</a:t>
             </a:fld>
             <a:endParaRPr lang="en-NZ" dirty="0"/>
           </a:p>
@@ -3716,7 +3747,7 @@
           <a:p>
             <a:fld id="{9C4A4F43-1C06-40E6-8F87-8B286982E50E}" type="datetimeFigureOut">
               <a:rPr lang="en-NZ" smtClean="0"/>
-              <a:t>19/05/22</a:t>
+              <a:t>23/05/22</a:t>
             </a:fld>
             <a:endParaRPr lang="en-NZ" dirty="0"/>
           </a:p>
@@ -3829,7 +3860,7 @@
           <a:p>
             <a:fld id="{9C4A4F43-1C06-40E6-8F87-8B286982E50E}" type="datetimeFigureOut">
               <a:rPr lang="en-NZ" smtClean="0"/>
-              <a:t>19/05/22</a:t>
+              <a:t>23/05/22</a:t>
             </a:fld>
             <a:endParaRPr lang="en-NZ" dirty="0"/>
           </a:p>
@@ -4142,7 +4173,7 @@
           <a:p>
             <a:fld id="{9C4A4F43-1C06-40E6-8F87-8B286982E50E}" type="datetimeFigureOut">
               <a:rPr lang="en-NZ" smtClean="0"/>
-              <a:t>19/05/22</a:t>
+              <a:t>23/05/22</a:t>
             </a:fld>
             <a:endParaRPr lang="en-NZ" dirty="0"/>
           </a:p>
@@ -4431,7 +4462,7 @@
           <a:p>
             <a:fld id="{9C4A4F43-1C06-40E6-8F87-8B286982E50E}" type="datetimeFigureOut">
               <a:rPr lang="en-NZ" smtClean="0"/>
-              <a:t>19/05/22</a:t>
+              <a:t>23/05/22</a:t>
             </a:fld>
             <a:endParaRPr lang="en-NZ" dirty="0"/>
           </a:p>
@@ -4674,7 +4705,7 @@
           <a:p>
             <a:fld id="{9C4A4F43-1C06-40E6-8F87-8B286982E50E}" type="datetimeFigureOut">
               <a:rPr lang="en-NZ" smtClean="0"/>
-              <a:t>19/05/22</a:t>
+              <a:t>23/05/22</a:t>
             </a:fld>
             <a:endParaRPr lang="en-NZ" dirty="0"/>
           </a:p>
@@ -7387,24 +7418,56 @@
           <a:lstStyle/>
           <a:p>
             <a:r>
-              <a:rPr lang="en-NZ" i="1" dirty="0"/>
+              <a:rPr lang="en-AU" i="1" dirty="0"/>
               <a:t>NOTE: Trialling needs to happen for </a:t>
             </a:r>
             <a:r>
-              <a:rPr lang="en-NZ" b="1" i="1" dirty="0"/>
+              <a:rPr lang="en-AU" b="1" i="1" dirty="0"/>
               <a:t>at least 2 </a:t>
             </a:r>
             <a:r>
-              <a:rPr lang="en-NZ" i="1" dirty="0"/>
+              <a:rPr lang="en-AU" i="1" dirty="0"/>
               <a:t>of your components but is not necessary for ALL components.</a:t>
             </a:r>
           </a:p>
           <a:p>
             <a:r>
-              <a:rPr lang="en" i="1" dirty="0"/>
-              <a:t>Trialling is not the same as testing. Trialling is about finding different ways of building the same component. Show evidence of  your trialling  here. Select one of your trials for further development and give reasons for your choice. </a:t>
-            </a:r>
-            <a:endParaRPr lang="en-NZ" dirty="0"/>
+              <a:rPr lang="en-AU" i="1" dirty="0"/>
+              <a:t>Trialling is not the same as testing. Trialling is about finding different ways of building the same component. Show evidence of your trialling here. Select one of your trials for further development and give reasons for your choice. </a:t>
+            </a:r>
+            <a:endParaRPr lang="en-AU" dirty="0"/>
+          </a:p>
+        </p:txBody>
+      </p:sp>
+      <p:sp>
+        <p:nvSpPr>
+          <p:cNvPr id="3" name="TextBox 2">
+            <a:extLst>
+              <a:ext uri="{FF2B5EF4-FFF2-40B4-BE49-F238E27FC236}">
+                <a16:creationId xmlns:a16="http://schemas.microsoft.com/office/drawing/2014/main" id="{82711A2B-DDF3-F1F8-66FF-CED3F0E86DD2}"/>
+              </a:ext>
+            </a:extLst>
+          </p:cNvPr>
+          <p:cNvSpPr txBox="1"/>
+          <p:nvPr/>
+        </p:nvSpPr>
+        <p:spPr>
+          <a:xfrm>
+            <a:off x="-2715904" y="8598090"/>
+            <a:ext cx="184731" cy="369332"/>
+          </a:xfrm>
+          <a:prstGeom prst="rect">
+            <a:avLst/>
+          </a:prstGeom>
+          <a:noFill/>
+        </p:spPr>
+        <p:txBody>
+          <a:bodyPr wrap="none" rtlCol="0">
+            <a:spAutoFit/>
+          </a:bodyPr>
+          <a:lstStyle/>
+          <a:p>
+            <a:endParaRPr lang="en-AU" dirty="0"/>
           </a:p>
         </p:txBody>
       </p:sp>
@@ -8226,6 +8289,14 @@
 </file>
 
 <file path=customXml/item1.xml><?xml version="1.0" encoding="utf-8"?>
+<p:properties xmlns:p="http://schemas.microsoft.com/office/2006/metadata/properties" xmlns:xsi="http://www.w3.org/2001/XMLSchema-instance" xmlns:pc="http://schemas.microsoft.com/office/infopath/2007/PartnerControls">
+  <documentManagement>
+    <ReferenceId xmlns="3ac145f2-9803-46f6-b702-374493710c2e" xsi:nil="true"/>
+  </documentManagement>
+</p:properties>
+</file>
+
+<file path=customXml/item2.xml><?xml version="1.0" encoding="utf-8"?>
 <ct:contentTypeSchema xmlns:ct="http://schemas.microsoft.com/office/2006/metadata/contentType" xmlns:ma="http://schemas.microsoft.com/office/2006/metadata/properties/metaAttributes" ct:_="" ma:_="" ma:contentTypeName="Document" ma:contentTypeID="0x010100CE75DA83D22F8E48BAC825FC32A1856B" ma:contentTypeVersion="9" ma:contentTypeDescription="Create a new document." ma:contentTypeScope="" ma:versionID="7fb70ad076869fe0f0573ac3521d6468">
   <xsd:schema xmlns:xsd="http://www.w3.org/2001/XMLSchema" xmlns:xs="http://www.w3.org/2001/XMLSchema" xmlns:p="http://schemas.microsoft.com/office/2006/metadata/properties" xmlns:ns2="3ac145f2-9803-46f6-b702-374493710c2e" xmlns:ns3="f8614448-f46c-4880-8b68-17c914e2801b" targetNamespace="http://schemas.microsoft.com/office/2006/metadata/properties" ma:root="true" ma:fieldsID="f374b0e902821a9a4c3006c60326a7a1" ns2:_="" ns3:_="">
     <xsd:import namespace="3ac145f2-9803-46f6-b702-374493710c2e"/>
@@ -8422,14 +8493,6 @@
 </ct:contentTypeSchema>
 </file>
 
-<file path=customXml/item2.xml><?xml version="1.0" encoding="utf-8"?>
-<p:properties xmlns:p="http://schemas.microsoft.com/office/2006/metadata/properties" xmlns:xsi="http://www.w3.org/2001/XMLSchema-instance" xmlns:pc="http://schemas.microsoft.com/office/infopath/2007/PartnerControls">
-  <documentManagement>
-    <ReferenceId xmlns="3ac145f2-9803-46f6-b702-374493710c2e" xsi:nil="true"/>
-  </documentManagement>
-</p:properties>
-</file>
-
 <file path=customXml/item3.xml><?xml version="1.0" encoding="utf-8"?>
 <?mso-contentType ?>
 <FormTemplates xmlns="http://schemas.microsoft.com/sharepoint/v3/contenttype/forms">
@@ -8440,6 +8503,23 @@
 </file>
 
 <file path=customXml/itemProps1.xml><?xml version="1.0" encoding="utf-8"?>
+<ds:datastoreItem xmlns:ds="http://schemas.openxmlformats.org/officeDocument/2006/customXml" ds:itemID="{8CCE1432-2915-4013-A40F-C8CBF1E90797}">
+  <ds:schemaRefs>
+    <ds:schemaRef ds:uri="f8614448-f46c-4880-8b68-17c914e2801b"/>
+    <ds:schemaRef ds:uri="http://schemas.microsoft.com/office/2006/metadata/properties"/>
+    <ds:schemaRef ds:uri="3ac145f2-9803-46f6-b702-374493710c2e"/>
+    <ds:schemaRef ds:uri="http://www.w3.org/XML/1998/namespace"/>
+    <ds:schemaRef ds:uri="http://purl.org/dc/terms/"/>
+    <ds:schemaRef ds:uri="http://purl.org/dc/elements/1.1/"/>
+    <ds:schemaRef ds:uri="http://schemas.openxmlformats.org/package/2006/metadata/core-properties"/>
+    <ds:schemaRef ds:uri="http://schemas.microsoft.com/office/2006/documentManagement/types"/>
+    <ds:schemaRef ds:uri="http://schemas.microsoft.com/office/infopath/2007/PartnerControls"/>
+    <ds:schemaRef ds:uri="http://purl.org/dc/dcmitype/"/>
+  </ds:schemaRefs>
+</ds:datastoreItem>
+</file>
+
+<file path=customXml/itemProps2.xml><?xml version="1.0" encoding="utf-8"?>
 <ds:datastoreItem xmlns:ds="http://schemas.openxmlformats.org/officeDocument/2006/customXml" ds:itemID="{ED51ADB2-214E-46BA-8DE1-A63839197C2E}">
   <ds:schemaRefs>
     <ds:schemaRef ds:uri="http://schemas.microsoft.com/office/2006/metadata/contentType"/>
@@ -8458,23 +8538,6 @@
 </ds:datastoreItem>
 </file>
 
-<file path=customXml/itemProps2.xml><?xml version="1.0" encoding="utf-8"?>
-<ds:datastoreItem xmlns:ds="http://schemas.openxmlformats.org/officeDocument/2006/customXml" ds:itemID="{8CCE1432-2915-4013-A40F-C8CBF1E90797}">
-  <ds:schemaRefs>
-    <ds:schemaRef ds:uri="http://purl.org/dc/dcmitype/"/>
-    <ds:schemaRef ds:uri="http://schemas.microsoft.com/office/2006/documentManagement/types"/>
-    <ds:schemaRef ds:uri="http://schemas.microsoft.com/office/2006/metadata/properties"/>
-    <ds:schemaRef ds:uri="http://www.w3.org/XML/1998/namespace"/>
-    <ds:schemaRef ds:uri="http://purl.org/dc/terms/"/>
-    <ds:schemaRef ds:uri="f8614448-f46c-4880-8b68-17c914e2801b"/>
-    <ds:schemaRef ds:uri="http://purl.org/dc/elements/1.1/"/>
-    <ds:schemaRef ds:uri="3ac145f2-9803-46f6-b702-374493710c2e"/>
-    <ds:schemaRef ds:uri="http://schemas.microsoft.com/office/infopath/2007/PartnerControls"/>
-    <ds:schemaRef ds:uri="http://schemas.openxmlformats.org/package/2006/metadata/core-properties"/>
-  </ds:schemaRefs>
-</ds:datastoreItem>
-</file>
-
 <file path=customXml/itemProps3.xml><?xml version="1.0" encoding="utf-8"?>
 <ds:datastoreItem xmlns:ds="http://schemas.openxmlformats.org/officeDocument/2006/customXml" ds:itemID="{3BCB4A51-04B8-4D9E-A104-35DBDC6B39D6}">
   <ds:schemaRefs>

--- a/Assesment Documents/Powerpoint/1.7 and 1.8 documentation v2.pptx
+++ b/Assesment Documents/Powerpoint/1.7 and 1.8 documentation v2.pptx
@@ -129,7 +129,7 @@
 <file path=ppt/revisionInfo.xml><?xml version="1.0" encoding="utf-8"?>
 <p1510:revInfo xmlns:a="http://schemas.openxmlformats.org/drawingml/2006/main" xmlns:r="http://schemas.openxmlformats.org/officeDocument/2006/relationships" xmlns:p1510="http://schemas.microsoft.com/office/powerpoint/2015/10/main">
   <p1510:revLst>
-    <p1510:client id="{C0F4E1A6-7104-0640-BD35-2B61C4A67323}" v="1" dt="2022-05-22T23:44:18.811"/>
+    <p1510:client id="{C0F4E1A6-7104-0640-BD35-2B61C4A67323}" v="11" dt="2022-05-23T21:15:22.890"/>
   </p1510:revLst>
 </p1510:revInfo>
 </file>
@@ -138,8 +138,8 @@
 <pc:chgInfo xmlns:a="http://schemas.openxmlformats.org/drawingml/2006/main" xmlns:r="http://schemas.openxmlformats.org/officeDocument/2006/relationships" xmlns:ac="http://schemas.microsoft.com/office/drawing/2013/main/command" xmlns:pc="http://schemas.microsoft.com/office/powerpoint/2013/main/command">
   <pc:docChgLst>
     <pc:chgData name="Joshua Bracefield" userId="d64b1e77-fcfe-4377-8f23-1bdeb7587d81" providerId="ADAL" clId="{C0F4E1A6-7104-0640-BD35-2B61C4A67323}"/>
-    <pc:docChg chg="modSld">
-      <pc:chgData name="Joshua Bracefield" userId="d64b1e77-fcfe-4377-8f23-1bdeb7587d81" providerId="ADAL" clId="{C0F4E1A6-7104-0640-BD35-2B61C4A67323}" dt="2022-05-22T23:44:51.443" v="173" actId="20577"/>
+    <pc:docChg chg="custSel modSld">
+      <pc:chgData name="Joshua Bracefield" userId="d64b1e77-fcfe-4377-8f23-1bdeb7587d81" providerId="ADAL" clId="{C0F4E1A6-7104-0640-BD35-2B61C4A67323}" dt="2022-05-23T21:15:23.104" v="213" actId="478"/>
       <pc:docMkLst>
         <pc:docMk/>
       </pc:docMkLst>
@@ -166,12 +166,20 @@
           </ac:graphicFrameMkLst>
         </pc:graphicFrameChg>
       </pc:sldChg>
-      <pc:sldChg chg="addSp modSp mod">
-        <pc:chgData name="Joshua Bracefield" userId="d64b1e77-fcfe-4377-8f23-1bdeb7587d81" providerId="ADAL" clId="{C0F4E1A6-7104-0640-BD35-2B61C4A67323}" dt="2022-05-22T23:44:51.443" v="173" actId="20577"/>
+      <pc:sldChg chg="addSp delSp modSp mod">
+        <pc:chgData name="Joshua Bracefield" userId="d64b1e77-fcfe-4377-8f23-1bdeb7587d81" providerId="ADAL" clId="{C0F4E1A6-7104-0640-BD35-2B61C4A67323}" dt="2022-05-23T21:15:23.104" v="213" actId="478"/>
         <pc:sldMkLst>
           <pc:docMk/>
           <pc:sldMk cId="270828811" sldId="273"/>
         </pc:sldMkLst>
+        <pc:spChg chg="mod">
+          <ac:chgData name="Joshua Bracefield" userId="d64b1e77-fcfe-4377-8f23-1bdeb7587d81" providerId="ADAL" clId="{C0F4E1A6-7104-0640-BD35-2B61C4A67323}" dt="2022-05-23T21:14:24.826" v="189" actId="20577"/>
+          <ac:spMkLst>
+            <pc:docMk/>
+            <pc:sldMk cId="270828811" sldId="273"/>
+            <ac:spMk id="2" creationId="{1CC5D32F-7C18-4D00-8D54-2FB046F0A206}"/>
+          </ac:spMkLst>
+        </pc:spChg>
         <pc:spChg chg="add mod">
           <ac:chgData name="Joshua Bracefield" userId="d64b1e77-fcfe-4377-8f23-1bdeb7587d81" providerId="ADAL" clId="{C0F4E1A6-7104-0640-BD35-2B61C4A67323}" dt="2022-05-22T23:44:18.811" v="171" actId="767"/>
           <ac:spMkLst>
@@ -180,12 +188,92 @@
             <ac:spMk id="3" creationId="{82711A2B-DDF3-F1F8-66FF-CED3F0E86DD2}"/>
           </ac:spMkLst>
         </pc:spChg>
-        <pc:spChg chg="mod">
-          <ac:chgData name="Joshua Bracefield" userId="d64b1e77-fcfe-4377-8f23-1bdeb7587d81" providerId="ADAL" clId="{C0F4E1A6-7104-0640-BD35-2B61C4A67323}" dt="2022-05-22T23:44:51.443" v="173" actId="20577"/>
+        <pc:spChg chg="del mod">
+          <ac:chgData name="Joshua Bracefield" userId="d64b1e77-fcfe-4377-8f23-1bdeb7587d81" providerId="ADAL" clId="{C0F4E1A6-7104-0640-BD35-2B61C4A67323}" dt="2022-05-23T21:14:45.642" v="193" actId="478"/>
           <ac:spMkLst>
             <pc:docMk/>
             <pc:sldMk cId="270828811" sldId="273"/>
             <ac:spMk id="4" creationId="{8CD07A82-A944-4A9B-9A52-515DAC30878A}"/>
+          </ac:spMkLst>
+        </pc:spChg>
+        <pc:spChg chg="add del mod">
+          <ac:chgData name="Joshua Bracefield" userId="d64b1e77-fcfe-4377-8f23-1bdeb7587d81" providerId="ADAL" clId="{C0F4E1A6-7104-0640-BD35-2B61C4A67323}" dt="2022-05-23T21:14:58.627" v="195" actId="478"/>
+          <ac:spMkLst>
+            <pc:docMk/>
+            <pc:sldMk cId="270828811" sldId="273"/>
+            <ac:spMk id="5" creationId="{633C1430-8240-CF91-6523-412F5C4EB2A9}"/>
+          </ac:spMkLst>
+        </pc:spChg>
+        <pc:spChg chg="add del mod">
+          <ac:chgData name="Joshua Bracefield" userId="d64b1e77-fcfe-4377-8f23-1bdeb7587d81" providerId="ADAL" clId="{C0F4E1A6-7104-0640-BD35-2B61C4A67323}" dt="2022-05-23T21:15:02.824" v="197" actId="478"/>
+          <ac:spMkLst>
+            <pc:docMk/>
+            <pc:sldMk cId="270828811" sldId="273"/>
+            <ac:spMk id="6" creationId="{B5FD4766-8FFB-FE87-D957-A5A507542855}"/>
+          </ac:spMkLst>
+        </pc:spChg>
+        <pc:spChg chg="add del mod">
+          <ac:chgData name="Joshua Bracefield" userId="d64b1e77-fcfe-4377-8f23-1bdeb7587d81" providerId="ADAL" clId="{C0F4E1A6-7104-0640-BD35-2B61C4A67323}" dt="2022-05-23T21:15:05.881" v="199" actId="478"/>
+          <ac:spMkLst>
+            <pc:docMk/>
+            <pc:sldMk cId="270828811" sldId="273"/>
+            <ac:spMk id="7" creationId="{A8E09C0A-E8CD-1006-1715-C82A0B1A2A58}"/>
+          </ac:spMkLst>
+        </pc:spChg>
+        <pc:spChg chg="add del mod">
+          <ac:chgData name="Joshua Bracefield" userId="d64b1e77-fcfe-4377-8f23-1bdeb7587d81" providerId="ADAL" clId="{C0F4E1A6-7104-0640-BD35-2B61C4A67323}" dt="2022-05-23T21:15:16.455" v="201" actId="478"/>
+          <ac:spMkLst>
+            <pc:docMk/>
+            <pc:sldMk cId="270828811" sldId="273"/>
+            <ac:spMk id="8" creationId="{C76EABB6-9041-285F-8EF9-753793075572}"/>
+          </ac:spMkLst>
+        </pc:spChg>
+        <pc:spChg chg="add del mod">
+          <ac:chgData name="Joshua Bracefield" userId="d64b1e77-fcfe-4377-8f23-1bdeb7587d81" providerId="ADAL" clId="{C0F4E1A6-7104-0640-BD35-2B61C4A67323}" dt="2022-05-23T21:15:20.955" v="203" actId="478"/>
+          <ac:spMkLst>
+            <pc:docMk/>
+            <pc:sldMk cId="270828811" sldId="273"/>
+            <ac:spMk id="9" creationId="{07DE1327-9126-007A-B204-520B3ABB2740}"/>
+          </ac:spMkLst>
+        </pc:spChg>
+        <pc:spChg chg="add del mod">
+          <ac:chgData name="Joshua Bracefield" userId="d64b1e77-fcfe-4377-8f23-1bdeb7587d81" providerId="ADAL" clId="{C0F4E1A6-7104-0640-BD35-2B61C4A67323}" dt="2022-05-23T21:15:21.989" v="205" actId="478"/>
+          <ac:spMkLst>
+            <pc:docMk/>
+            <pc:sldMk cId="270828811" sldId="273"/>
+            <ac:spMk id="10" creationId="{8A3FB0B5-992A-93FC-0C07-736209EB03DB}"/>
+          </ac:spMkLst>
+        </pc:spChg>
+        <pc:spChg chg="add del mod">
+          <ac:chgData name="Joshua Bracefield" userId="d64b1e77-fcfe-4377-8f23-1bdeb7587d81" providerId="ADAL" clId="{C0F4E1A6-7104-0640-BD35-2B61C4A67323}" dt="2022-05-23T21:15:22.278" v="207" actId="478"/>
+          <ac:spMkLst>
+            <pc:docMk/>
+            <pc:sldMk cId="270828811" sldId="273"/>
+            <ac:spMk id="11" creationId="{2A01EC19-0C90-74C9-4365-874FC8D95E96}"/>
+          </ac:spMkLst>
+        </pc:spChg>
+        <pc:spChg chg="add del mod">
+          <ac:chgData name="Joshua Bracefield" userId="d64b1e77-fcfe-4377-8f23-1bdeb7587d81" providerId="ADAL" clId="{C0F4E1A6-7104-0640-BD35-2B61C4A67323}" dt="2022-05-23T21:15:22.555" v="209" actId="478"/>
+          <ac:spMkLst>
+            <pc:docMk/>
+            <pc:sldMk cId="270828811" sldId="273"/>
+            <ac:spMk id="12" creationId="{8A4B9FE6-ADBB-AF7B-A31A-0B40B372CE91}"/>
+          </ac:spMkLst>
+        </pc:spChg>
+        <pc:spChg chg="add del mod">
+          <ac:chgData name="Joshua Bracefield" userId="d64b1e77-fcfe-4377-8f23-1bdeb7587d81" providerId="ADAL" clId="{C0F4E1A6-7104-0640-BD35-2B61C4A67323}" dt="2022-05-23T21:15:22.834" v="211" actId="478"/>
+          <ac:spMkLst>
+            <pc:docMk/>
+            <pc:sldMk cId="270828811" sldId="273"/>
+            <ac:spMk id="13" creationId="{1ACB64DB-C30A-F882-077D-2D713A651675}"/>
+          </ac:spMkLst>
+        </pc:spChg>
+        <pc:spChg chg="add del mod">
+          <ac:chgData name="Joshua Bracefield" userId="d64b1e77-fcfe-4377-8f23-1bdeb7587d81" providerId="ADAL" clId="{C0F4E1A6-7104-0640-BD35-2B61C4A67323}" dt="2022-05-23T21:15:23.104" v="213" actId="478"/>
+          <ac:spMkLst>
+            <pc:docMk/>
+            <pc:sldMk cId="270828811" sldId="273"/>
+            <ac:spMk id="14" creationId="{63ED3E14-570C-F3B0-628D-6E761F44B616}"/>
           </ac:spMkLst>
         </pc:spChg>
       </pc:sldChg>
@@ -276,7 +364,7 @@
           <a:p>
             <a:fld id="{F37D28C0-BEB6-42B0-A203-EEE1023219C4}" type="datetimeFigureOut">
               <a:rPr lang="en-NZ" smtClean="0"/>
-              <a:t>23/05/22</a:t>
+              <a:t>24/05/22</a:t>
             </a:fld>
             <a:endParaRPr lang="en-NZ"/>
           </a:p>
@@ -1677,7 +1765,7 @@
           <a:p>
             <a:fld id="{9C4A4F43-1C06-40E6-8F87-8B286982E50E}" type="datetimeFigureOut">
               <a:rPr lang="en-NZ" smtClean="0"/>
-              <a:t>23/05/22</a:t>
+              <a:t>24/05/22</a:t>
             </a:fld>
             <a:endParaRPr lang="en-NZ" dirty="0"/>
           </a:p>
@@ -1877,7 +1965,7 @@
           <a:p>
             <a:fld id="{9C4A4F43-1C06-40E6-8F87-8B286982E50E}" type="datetimeFigureOut">
               <a:rPr lang="en-NZ" smtClean="0"/>
-              <a:t>23/05/22</a:t>
+              <a:t>24/05/22</a:t>
             </a:fld>
             <a:endParaRPr lang="en-NZ" dirty="0"/>
           </a:p>
@@ -2087,7 +2175,7 @@
           <a:p>
             <a:fld id="{9C4A4F43-1C06-40E6-8F87-8B286982E50E}" type="datetimeFigureOut">
               <a:rPr lang="en-NZ" smtClean="0"/>
-              <a:t>23/05/22</a:t>
+              <a:t>24/05/22</a:t>
             </a:fld>
             <a:endParaRPr lang="en-NZ" dirty="0"/>
           </a:p>
@@ -2646,7 +2734,7 @@
           <a:p>
             <a:fld id="{9C4A4F43-1C06-40E6-8F87-8B286982E50E}" type="datetimeFigureOut">
               <a:rPr lang="en-NZ" smtClean="0"/>
-              <a:t>23/05/22</a:t>
+              <a:t>24/05/22</a:t>
             </a:fld>
             <a:endParaRPr lang="en-NZ" dirty="0"/>
           </a:p>
@@ -2922,7 +3010,7 @@
           <a:p>
             <a:fld id="{9C4A4F43-1C06-40E6-8F87-8B286982E50E}" type="datetimeFigureOut">
               <a:rPr lang="en-NZ" smtClean="0"/>
-              <a:t>23/05/22</a:t>
+              <a:t>24/05/22</a:t>
             </a:fld>
             <a:endParaRPr lang="en-NZ" dirty="0"/>
           </a:p>
@@ -3190,7 +3278,7 @@
           <a:p>
             <a:fld id="{9C4A4F43-1C06-40E6-8F87-8B286982E50E}" type="datetimeFigureOut">
               <a:rPr lang="en-NZ" smtClean="0"/>
-              <a:t>23/05/22</a:t>
+              <a:t>24/05/22</a:t>
             </a:fld>
             <a:endParaRPr lang="en-NZ" dirty="0"/>
           </a:p>
@@ -3605,7 +3693,7 @@
           <a:p>
             <a:fld id="{9C4A4F43-1C06-40E6-8F87-8B286982E50E}" type="datetimeFigureOut">
               <a:rPr lang="en-NZ" smtClean="0"/>
-              <a:t>23/05/22</a:t>
+              <a:t>24/05/22</a:t>
             </a:fld>
             <a:endParaRPr lang="en-NZ" dirty="0"/>
           </a:p>
@@ -3747,7 +3835,7 @@
           <a:p>
             <a:fld id="{9C4A4F43-1C06-40E6-8F87-8B286982E50E}" type="datetimeFigureOut">
               <a:rPr lang="en-NZ" smtClean="0"/>
-              <a:t>23/05/22</a:t>
+              <a:t>24/05/22</a:t>
             </a:fld>
             <a:endParaRPr lang="en-NZ" dirty="0"/>
           </a:p>
@@ -3860,7 +3948,7 @@
           <a:p>
             <a:fld id="{9C4A4F43-1C06-40E6-8F87-8B286982E50E}" type="datetimeFigureOut">
               <a:rPr lang="en-NZ" smtClean="0"/>
-              <a:t>23/05/22</a:t>
+              <a:t>24/05/22</a:t>
             </a:fld>
             <a:endParaRPr lang="en-NZ" dirty="0"/>
           </a:p>
@@ -4173,7 +4261,7 @@
           <a:p>
             <a:fld id="{9C4A4F43-1C06-40E6-8F87-8B286982E50E}" type="datetimeFigureOut">
               <a:rPr lang="en-NZ" smtClean="0"/>
-              <a:t>23/05/22</a:t>
+              <a:t>24/05/22</a:t>
             </a:fld>
             <a:endParaRPr lang="en-NZ" dirty="0"/>
           </a:p>
@@ -4462,7 +4550,7 @@
           <a:p>
             <a:fld id="{9C4A4F43-1C06-40E6-8F87-8B286982E50E}" type="datetimeFigureOut">
               <a:rPr lang="en-NZ" smtClean="0"/>
-              <a:t>23/05/22</a:t>
+              <a:t>24/05/22</a:t>
             </a:fld>
             <a:endParaRPr lang="en-NZ" dirty="0"/>
           </a:p>
@@ -4705,7 +4793,7 @@
           <a:p>
             <a:fld id="{9C4A4F43-1C06-40E6-8F87-8B286982E50E}" type="datetimeFigureOut">
               <a:rPr lang="en-NZ" smtClean="0"/>
-              <a:t>23/05/22</a:t>
+              <a:t>24/05/22</a:t>
             </a:fld>
             <a:endParaRPr lang="en-NZ" dirty="0"/>
           </a:p>
@@ -7384,58 +7472,8 @@
           <a:p>
             <a:r>
               <a:rPr lang="en-NZ" sz="4000" dirty="0"/>
-              <a:t>[Component name]: Trialling </a:t>
-            </a:r>
-          </a:p>
-        </p:txBody>
-      </p:sp>
-      <p:sp>
-        <p:nvSpPr>
-          <p:cNvPr id="4" name="TextBox 3">
-            <a:extLst>
-              <a:ext uri="{FF2B5EF4-FFF2-40B4-BE49-F238E27FC236}">
-                <a16:creationId xmlns:a16="http://schemas.microsoft.com/office/drawing/2014/main" id="{8CD07A82-A944-4A9B-9A52-515DAC30878A}"/>
-              </a:ext>
-            </a:extLst>
-          </p:cNvPr>
-          <p:cNvSpPr txBox="1"/>
-          <p:nvPr/>
-        </p:nvSpPr>
-        <p:spPr>
-          <a:xfrm>
-            <a:off x="660400" y="1030288"/>
-            <a:ext cx="10693400" cy="923330"/>
-          </a:xfrm>
-          <a:prstGeom prst="rect">
-            <a:avLst/>
-          </a:prstGeom>
-          <a:noFill/>
-        </p:spPr>
-        <p:txBody>
-          <a:bodyPr wrap="square">
-            <a:spAutoFit/>
-          </a:bodyPr>
-          <a:lstStyle/>
-          <a:p>
-            <a:r>
-              <a:rPr lang="en-AU" i="1" dirty="0"/>
-              <a:t>NOTE: Trialling needs to happen for </a:t>
-            </a:r>
-            <a:r>
-              <a:rPr lang="en-AU" b="1" i="1" dirty="0"/>
-              <a:t>at least 2 </a:t>
-            </a:r>
-            <a:r>
-              <a:rPr lang="en-AU" i="1" dirty="0"/>
-              <a:t>of your components but is not necessary for ALL components.</a:t>
-            </a:r>
-          </a:p>
-          <a:p>
-            <a:r>
-              <a:rPr lang="en-AU" i="1" dirty="0"/>
-              <a:t>Trialling is not the same as testing. Trialling is about finding different ways of building the same component. Show evidence of your trialling here. Select one of your trials for further development and give reasons for your choice. </a:t>
-            </a:r>
-            <a:endParaRPr lang="en-AU" dirty="0"/>
+              <a:t>Welcome Screen: Trialling </a:t>
+            </a:r>
           </a:p>
         </p:txBody>
       </p:sp>
@@ -8289,14 +8327,6 @@
 </file>
 
 <file path=customXml/item1.xml><?xml version="1.0" encoding="utf-8"?>
-<p:properties xmlns:p="http://schemas.microsoft.com/office/2006/metadata/properties" xmlns:xsi="http://www.w3.org/2001/XMLSchema-instance" xmlns:pc="http://schemas.microsoft.com/office/infopath/2007/PartnerControls">
-  <documentManagement>
-    <ReferenceId xmlns="3ac145f2-9803-46f6-b702-374493710c2e" xsi:nil="true"/>
-  </documentManagement>
-</p:properties>
-</file>
-
-<file path=customXml/item2.xml><?xml version="1.0" encoding="utf-8"?>
 <ct:contentTypeSchema xmlns:ct="http://schemas.microsoft.com/office/2006/metadata/contentType" xmlns:ma="http://schemas.microsoft.com/office/2006/metadata/properties/metaAttributes" ct:_="" ma:_="" ma:contentTypeName="Document" ma:contentTypeID="0x010100CE75DA83D22F8E48BAC825FC32A1856B" ma:contentTypeVersion="9" ma:contentTypeDescription="Create a new document." ma:contentTypeScope="" ma:versionID="7fb70ad076869fe0f0573ac3521d6468">
   <xsd:schema xmlns:xsd="http://www.w3.org/2001/XMLSchema" xmlns:xs="http://www.w3.org/2001/XMLSchema" xmlns:p="http://schemas.microsoft.com/office/2006/metadata/properties" xmlns:ns2="3ac145f2-9803-46f6-b702-374493710c2e" xmlns:ns3="f8614448-f46c-4880-8b68-17c914e2801b" targetNamespace="http://schemas.microsoft.com/office/2006/metadata/properties" ma:root="true" ma:fieldsID="f374b0e902821a9a4c3006c60326a7a1" ns2:_="" ns3:_="">
     <xsd:import namespace="3ac145f2-9803-46f6-b702-374493710c2e"/>
@@ -8493,6 +8523,14 @@
 </ct:contentTypeSchema>
 </file>
 
+<file path=customXml/item2.xml><?xml version="1.0" encoding="utf-8"?>
+<p:properties xmlns:p="http://schemas.microsoft.com/office/2006/metadata/properties" xmlns:xsi="http://www.w3.org/2001/XMLSchema-instance" xmlns:pc="http://schemas.microsoft.com/office/infopath/2007/PartnerControls">
+  <documentManagement>
+    <ReferenceId xmlns="3ac145f2-9803-46f6-b702-374493710c2e" xsi:nil="true"/>
+  </documentManagement>
+</p:properties>
+</file>
+
 <file path=customXml/item3.xml><?xml version="1.0" encoding="utf-8"?>
 <?mso-contentType ?>
 <FormTemplates xmlns="http://schemas.microsoft.com/sharepoint/v3/contenttype/forms">
@@ -8503,23 +8541,6 @@
 </file>
 
 <file path=customXml/itemProps1.xml><?xml version="1.0" encoding="utf-8"?>
-<ds:datastoreItem xmlns:ds="http://schemas.openxmlformats.org/officeDocument/2006/customXml" ds:itemID="{8CCE1432-2915-4013-A40F-C8CBF1E90797}">
-  <ds:schemaRefs>
-    <ds:schemaRef ds:uri="f8614448-f46c-4880-8b68-17c914e2801b"/>
-    <ds:schemaRef ds:uri="http://schemas.microsoft.com/office/2006/metadata/properties"/>
-    <ds:schemaRef ds:uri="3ac145f2-9803-46f6-b702-374493710c2e"/>
-    <ds:schemaRef ds:uri="http://www.w3.org/XML/1998/namespace"/>
-    <ds:schemaRef ds:uri="http://purl.org/dc/terms/"/>
-    <ds:schemaRef ds:uri="http://purl.org/dc/elements/1.1/"/>
-    <ds:schemaRef ds:uri="http://schemas.openxmlformats.org/package/2006/metadata/core-properties"/>
-    <ds:schemaRef ds:uri="http://schemas.microsoft.com/office/2006/documentManagement/types"/>
-    <ds:schemaRef ds:uri="http://schemas.microsoft.com/office/infopath/2007/PartnerControls"/>
-    <ds:schemaRef ds:uri="http://purl.org/dc/dcmitype/"/>
-  </ds:schemaRefs>
-</ds:datastoreItem>
-</file>
-
-<file path=customXml/itemProps2.xml><?xml version="1.0" encoding="utf-8"?>
 <ds:datastoreItem xmlns:ds="http://schemas.openxmlformats.org/officeDocument/2006/customXml" ds:itemID="{ED51ADB2-214E-46BA-8DE1-A63839197C2E}">
   <ds:schemaRefs>
     <ds:schemaRef ds:uri="http://schemas.microsoft.com/office/2006/metadata/contentType"/>
@@ -8538,6 +8559,23 @@
 </ds:datastoreItem>
 </file>
 
+<file path=customXml/itemProps2.xml><?xml version="1.0" encoding="utf-8"?>
+<ds:datastoreItem xmlns:ds="http://schemas.openxmlformats.org/officeDocument/2006/customXml" ds:itemID="{8CCE1432-2915-4013-A40F-C8CBF1E90797}">
+  <ds:schemaRefs>
+    <ds:schemaRef ds:uri="f8614448-f46c-4880-8b68-17c914e2801b"/>
+    <ds:schemaRef ds:uri="http://purl.org/dc/elements/1.1/"/>
+    <ds:schemaRef ds:uri="http://purl.org/dc/dcmitype/"/>
+    <ds:schemaRef ds:uri="3ac145f2-9803-46f6-b702-374493710c2e"/>
+    <ds:schemaRef ds:uri="http://schemas.microsoft.com/office/2006/documentManagement/types"/>
+    <ds:schemaRef ds:uri="http://schemas.microsoft.com/office/2006/metadata/properties"/>
+    <ds:schemaRef ds:uri="http://www.w3.org/XML/1998/namespace"/>
+    <ds:schemaRef ds:uri="http://purl.org/dc/terms/"/>
+    <ds:schemaRef ds:uri="http://schemas.microsoft.com/office/infopath/2007/PartnerControls"/>
+    <ds:schemaRef ds:uri="http://schemas.openxmlformats.org/package/2006/metadata/core-properties"/>
+  </ds:schemaRefs>
+</ds:datastoreItem>
+</file>
+
 <file path=customXml/itemProps3.xml><?xml version="1.0" encoding="utf-8"?>
 <ds:datastoreItem xmlns:ds="http://schemas.openxmlformats.org/officeDocument/2006/customXml" ds:itemID="{3BCB4A51-04B8-4D9E-A104-35DBDC6B39D6}">
   <ds:schemaRefs>

--- a/Assesment Documents/Powerpoint/1.7 and 1.8 documentation v2.pptx
+++ b/Assesment Documents/Powerpoint/1.7 and 1.8 documentation v2.pptx
@@ -129,7 +129,7 @@
 <file path=ppt/revisionInfo.xml><?xml version="1.0" encoding="utf-8"?>
 <p1510:revInfo xmlns:a="http://schemas.openxmlformats.org/drawingml/2006/main" xmlns:r="http://schemas.openxmlformats.org/officeDocument/2006/relationships" xmlns:p1510="http://schemas.microsoft.com/office/powerpoint/2015/10/main">
   <p1510:revLst>
-    <p1510:client id="{C0F4E1A6-7104-0640-BD35-2B61C4A67323}" v="11" dt="2022-05-23T21:15:22.890"/>
+    <p1510:client id="{C0F4E1A6-7104-0640-BD35-2B61C4A67323}" v="20" dt="2022-05-26T00:29:00.541"/>
   </p1510:revLst>
 </p1510:revInfo>
 </file>
@@ -138,13 +138,13 @@
 <pc:chgInfo xmlns:a="http://schemas.openxmlformats.org/drawingml/2006/main" xmlns:r="http://schemas.openxmlformats.org/officeDocument/2006/relationships" xmlns:ac="http://schemas.microsoft.com/office/drawing/2013/main/command" xmlns:pc="http://schemas.microsoft.com/office/powerpoint/2013/main/command">
   <pc:docChgLst>
     <pc:chgData name="Joshua Bracefield" userId="d64b1e77-fcfe-4377-8f23-1bdeb7587d81" providerId="ADAL" clId="{C0F4E1A6-7104-0640-BD35-2B61C4A67323}"/>
-    <pc:docChg chg="custSel modSld">
-      <pc:chgData name="Joshua Bracefield" userId="d64b1e77-fcfe-4377-8f23-1bdeb7587d81" providerId="ADAL" clId="{C0F4E1A6-7104-0640-BD35-2B61C4A67323}" dt="2022-05-23T21:15:23.104" v="213" actId="478"/>
+    <pc:docChg chg="undo custSel modSld">
+      <pc:chgData name="Joshua Bracefield" userId="d64b1e77-fcfe-4377-8f23-1bdeb7587d81" providerId="ADAL" clId="{C0F4E1A6-7104-0640-BD35-2B61C4A67323}" dt="2022-05-26T00:33:17.830" v="376" actId="1076"/>
       <pc:docMkLst>
         <pc:docMk/>
       </pc:docMkLst>
       <pc:sldChg chg="modSp mod">
-        <pc:chgData name="Joshua Bracefield" userId="d64b1e77-fcfe-4377-8f23-1bdeb7587d81" providerId="ADAL" clId="{C0F4E1A6-7104-0640-BD35-2B61C4A67323}" dt="2022-05-18T21:35:03.951" v="169" actId="20577"/>
+        <pc:chgData name="Joshua Bracefield" userId="d64b1e77-fcfe-4377-8f23-1bdeb7587d81" providerId="ADAL" clId="{C0F4E1A6-7104-0640-BD35-2B61C4A67323}" dt="2022-05-25T23:59:55.945" v="215" actId="14734"/>
         <pc:sldMkLst>
           <pc:docMk/>
           <pc:sldMk cId="0" sldId="269"/>
@@ -158,7 +158,7 @@
           </ac:spMkLst>
         </pc:spChg>
         <pc:graphicFrameChg chg="modGraphic">
-          <ac:chgData name="Joshua Bracefield" userId="d64b1e77-fcfe-4377-8f23-1bdeb7587d81" providerId="ADAL" clId="{C0F4E1A6-7104-0640-BD35-2B61C4A67323}" dt="2022-05-18T21:35:03.951" v="169" actId="20577"/>
+          <ac:chgData name="Joshua Bracefield" userId="d64b1e77-fcfe-4377-8f23-1bdeb7587d81" providerId="ADAL" clId="{C0F4E1A6-7104-0640-BD35-2B61C4A67323}" dt="2022-05-25T23:59:55.945" v="215" actId="14734"/>
           <ac:graphicFrameMkLst>
             <pc:docMk/>
             <pc:sldMk cId="0" sldId="269"/>
@@ -166,14 +166,14 @@
           </ac:graphicFrameMkLst>
         </pc:graphicFrameChg>
       </pc:sldChg>
-      <pc:sldChg chg="addSp delSp modSp mod">
-        <pc:chgData name="Joshua Bracefield" userId="d64b1e77-fcfe-4377-8f23-1bdeb7587d81" providerId="ADAL" clId="{C0F4E1A6-7104-0640-BD35-2B61C4A67323}" dt="2022-05-23T21:15:23.104" v="213" actId="478"/>
+      <pc:sldChg chg="addSp delSp modSp mod modNotesTx">
+        <pc:chgData name="Joshua Bracefield" userId="d64b1e77-fcfe-4377-8f23-1bdeb7587d81" providerId="ADAL" clId="{C0F4E1A6-7104-0640-BD35-2B61C4A67323}" dt="2022-05-26T00:33:17.830" v="376" actId="1076"/>
         <pc:sldMkLst>
           <pc:docMk/>
           <pc:sldMk cId="270828811" sldId="273"/>
         </pc:sldMkLst>
         <pc:spChg chg="mod">
-          <ac:chgData name="Joshua Bracefield" userId="d64b1e77-fcfe-4377-8f23-1bdeb7587d81" providerId="ADAL" clId="{C0F4E1A6-7104-0640-BD35-2B61C4A67323}" dt="2022-05-23T21:14:24.826" v="189" actId="20577"/>
+          <ac:chgData name="Joshua Bracefield" userId="d64b1e77-fcfe-4377-8f23-1bdeb7587d81" providerId="ADAL" clId="{C0F4E1A6-7104-0640-BD35-2B61C4A67323}" dt="2022-05-26T00:32:29.466" v="370" actId="1076"/>
           <ac:spMkLst>
             <pc:docMk/>
             <pc:sldMk cId="270828811" sldId="273"/>
@@ -276,6 +276,14 @@
             <ac:spMk id="14" creationId="{63ED3E14-570C-F3B0-628D-6E761F44B616}"/>
           </ac:spMkLst>
         </pc:spChg>
+        <pc:picChg chg="add mod">
+          <ac:chgData name="Joshua Bracefield" userId="d64b1e77-fcfe-4377-8f23-1bdeb7587d81" providerId="ADAL" clId="{C0F4E1A6-7104-0640-BD35-2B61C4A67323}" dt="2022-05-26T00:33:17.830" v="376" actId="1076"/>
+          <ac:picMkLst>
+            <pc:docMk/>
+            <pc:sldMk cId="270828811" sldId="273"/>
+            <ac:picMk id="5" creationId="{061E4156-52EB-B94B-A6EB-EBEB1C040962}"/>
+          </ac:picMkLst>
+        </pc:picChg>
       </pc:sldChg>
     </pc:docChg>
   </pc:docChgLst>
@@ -364,7 +372,7 @@
           <a:p>
             <a:fld id="{F37D28C0-BEB6-42B0-A203-EEE1023219C4}" type="datetimeFigureOut">
               <a:rPr lang="en-NZ" smtClean="0"/>
-              <a:t>24/05/22</a:t>
+              <a:t>26/05/22</a:t>
             </a:fld>
             <a:endParaRPr lang="en-NZ"/>
           </a:p>
@@ -1144,7 +1152,7 @@
           <a:p>
             <a:r>
               <a:rPr lang="en" i="1" dirty="0"/>
-              <a:t>Trialling is not the same as testing. Trialling is about finding different ways of building the same component. Show evidence of  your trialling  here. Select one of your trials for further development and give reasons for your choice. </a:t>
+              <a:t>Trialling is not the same as testing. Trialling is about finding different ways of building the same component. Show evidence of  your trialling  here. Select one of your trials for further development and give reasons for your choice.</a:t>
             </a:r>
             <a:endParaRPr lang="en-NZ" dirty="0"/>
           </a:p>
@@ -1765,7 +1773,7 @@
           <a:p>
             <a:fld id="{9C4A4F43-1C06-40E6-8F87-8B286982E50E}" type="datetimeFigureOut">
               <a:rPr lang="en-NZ" smtClean="0"/>
-              <a:t>24/05/22</a:t>
+              <a:t>26/05/22</a:t>
             </a:fld>
             <a:endParaRPr lang="en-NZ" dirty="0"/>
           </a:p>
@@ -1965,7 +1973,7 @@
           <a:p>
             <a:fld id="{9C4A4F43-1C06-40E6-8F87-8B286982E50E}" type="datetimeFigureOut">
               <a:rPr lang="en-NZ" smtClean="0"/>
-              <a:t>24/05/22</a:t>
+              <a:t>26/05/22</a:t>
             </a:fld>
             <a:endParaRPr lang="en-NZ" dirty="0"/>
           </a:p>
@@ -2175,7 +2183,7 @@
           <a:p>
             <a:fld id="{9C4A4F43-1C06-40E6-8F87-8B286982E50E}" type="datetimeFigureOut">
               <a:rPr lang="en-NZ" smtClean="0"/>
-              <a:t>24/05/22</a:t>
+              <a:t>26/05/22</a:t>
             </a:fld>
             <a:endParaRPr lang="en-NZ" dirty="0"/>
           </a:p>
@@ -2734,7 +2742,7 @@
           <a:p>
             <a:fld id="{9C4A4F43-1C06-40E6-8F87-8B286982E50E}" type="datetimeFigureOut">
               <a:rPr lang="en-NZ" smtClean="0"/>
-              <a:t>24/05/22</a:t>
+              <a:t>26/05/22</a:t>
             </a:fld>
             <a:endParaRPr lang="en-NZ" dirty="0"/>
           </a:p>
@@ -3010,7 +3018,7 @@
           <a:p>
             <a:fld id="{9C4A4F43-1C06-40E6-8F87-8B286982E50E}" type="datetimeFigureOut">
               <a:rPr lang="en-NZ" smtClean="0"/>
-              <a:t>24/05/22</a:t>
+              <a:t>26/05/22</a:t>
             </a:fld>
             <a:endParaRPr lang="en-NZ" dirty="0"/>
           </a:p>
@@ -3278,7 +3286,7 @@
           <a:p>
             <a:fld id="{9C4A4F43-1C06-40E6-8F87-8B286982E50E}" type="datetimeFigureOut">
               <a:rPr lang="en-NZ" smtClean="0"/>
-              <a:t>24/05/22</a:t>
+              <a:t>26/05/22</a:t>
             </a:fld>
             <a:endParaRPr lang="en-NZ" dirty="0"/>
           </a:p>
@@ -3693,7 +3701,7 @@
           <a:p>
             <a:fld id="{9C4A4F43-1C06-40E6-8F87-8B286982E50E}" type="datetimeFigureOut">
               <a:rPr lang="en-NZ" smtClean="0"/>
-              <a:t>24/05/22</a:t>
+              <a:t>26/05/22</a:t>
             </a:fld>
             <a:endParaRPr lang="en-NZ" dirty="0"/>
           </a:p>
@@ -3835,7 +3843,7 @@
           <a:p>
             <a:fld id="{9C4A4F43-1C06-40E6-8F87-8B286982E50E}" type="datetimeFigureOut">
               <a:rPr lang="en-NZ" smtClean="0"/>
-              <a:t>24/05/22</a:t>
+              <a:t>26/05/22</a:t>
             </a:fld>
             <a:endParaRPr lang="en-NZ" dirty="0"/>
           </a:p>
@@ -3948,7 +3956,7 @@
           <a:p>
             <a:fld id="{9C4A4F43-1C06-40E6-8F87-8B286982E50E}" type="datetimeFigureOut">
               <a:rPr lang="en-NZ" smtClean="0"/>
-              <a:t>24/05/22</a:t>
+              <a:t>26/05/22</a:t>
             </a:fld>
             <a:endParaRPr lang="en-NZ" dirty="0"/>
           </a:p>
@@ -4261,7 +4269,7 @@
           <a:p>
             <a:fld id="{9C4A4F43-1C06-40E6-8F87-8B286982E50E}" type="datetimeFigureOut">
               <a:rPr lang="en-NZ" smtClean="0"/>
-              <a:t>24/05/22</a:t>
+              <a:t>26/05/22</a:t>
             </a:fld>
             <a:endParaRPr lang="en-NZ" dirty="0"/>
           </a:p>
@@ -4550,7 +4558,7 @@
           <a:p>
             <a:fld id="{9C4A4F43-1C06-40E6-8F87-8B286982E50E}" type="datetimeFigureOut">
               <a:rPr lang="en-NZ" smtClean="0"/>
-              <a:t>24/05/22</a:t>
+              <a:t>26/05/22</a:t>
             </a:fld>
             <a:endParaRPr lang="en-NZ" dirty="0"/>
           </a:p>
@@ -4793,7 +4801,7 @@
           <a:p>
             <a:fld id="{9C4A4F43-1C06-40E6-8F87-8B286982E50E}" type="datetimeFigureOut">
               <a:rPr lang="en-NZ" smtClean="0"/>
-              <a:t>24/05/22</a:t>
+              <a:t>26/05/22</a:t>
             </a:fld>
             <a:endParaRPr lang="en-NZ" dirty="0"/>
           </a:p>
@@ -7005,7 +7013,7 @@
           <p:nvPr>
             <p:extLst>
               <p:ext uri="{D42A27DB-BD31-4B8C-83A1-F6EECF244321}">
-                <p14:modId xmlns:p14="http://schemas.microsoft.com/office/powerpoint/2010/main" val="1584990528"/>
+                <p14:modId xmlns:p14="http://schemas.microsoft.com/office/powerpoint/2010/main" val="1367811915"/>
               </p:ext>
             </p:extLst>
           </p:nvPr>
@@ -7325,7 +7333,7 @@
                         <a:buNone/>
                       </a:pPr>
                       <a:r>
-                        <a:rPr lang="en-US" sz="2400"/>
+                        <a:rPr lang="en-US" sz="2400" dirty="0"/>
                         <a:t>Anything else</a:t>
                       </a:r>
                       <a:endParaRPr sz="2400" dirty="0"/>
@@ -7460,7 +7468,7 @@
         </p:nvSpPr>
         <p:spPr>
           <a:xfrm>
-            <a:off x="749300" y="223520"/>
+            <a:off x="838200" y="384885"/>
             <a:ext cx="10515600" cy="806768"/>
           </a:xfrm>
         </p:spPr>
@@ -7509,6 +7517,42 @@
           </a:p>
         </p:txBody>
       </p:sp>
+      <p:pic>
+        <p:nvPicPr>
+          <p:cNvPr id="5" name="Picture 4">
+            <a:extLst>
+              <a:ext uri="{FF2B5EF4-FFF2-40B4-BE49-F238E27FC236}">
+                <a16:creationId xmlns:a16="http://schemas.microsoft.com/office/drawing/2014/main" id="{061E4156-52EB-B94B-A6EB-EBEB1C040962}"/>
+              </a:ext>
+            </a:extLst>
+          </p:cNvPr>
+          <p:cNvPicPr>
+            <a:picLocks noChangeAspect="1"/>
+          </p:cNvPicPr>
+          <p:nvPr/>
+        </p:nvPicPr>
+        <p:blipFill>
+          <a:blip r:embed="rId3">
+            <a:extLst>
+              <a:ext uri="{28A0092B-C50C-407E-A947-70E740481C1C}">
+                <a14:useLocalDpi xmlns:a14="http://schemas.microsoft.com/office/drawing/2010/main" val="0"/>
+              </a:ext>
+            </a:extLst>
+          </a:blip>
+          <a:stretch>
+            <a:fillRect/>
+          </a:stretch>
+        </p:blipFill>
+        <p:spPr>
+          <a:xfrm>
+            <a:off x="2032044" y="1030288"/>
+            <a:ext cx="8127911" cy="5827712"/>
+          </a:xfrm>
+          <a:prstGeom prst="rect">
+            <a:avLst/>
+          </a:prstGeom>
+        </p:spPr>
+      </p:pic>
     </p:spTree>
     <p:extLst>
       <p:ext uri="{BB962C8B-B14F-4D97-AF65-F5344CB8AC3E}">
@@ -8327,6 +8371,14 @@
 </file>
 
 <file path=customXml/item1.xml><?xml version="1.0" encoding="utf-8"?>
+<p:properties xmlns:p="http://schemas.microsoft.com/office/2006/metadata/properties" xmlns:xsi="http://www.w3.org/2001/XMLSchema-instance" xmlns:pc="http://schemas.microsoft.com/office/infopath/2007/PartnerControls">
+  <documentManagement>
+    <ReferenceId xmlns="3ac145f2-9803-46f6-b702-374493710c2e" xsi:nil="true"/>
+  </documentManagement>
+</p:properties>
+</file>
+
+<file path=customXml/item2.xml><?xml version="1.0" encoding="utf-8"?>
 <ct:contentTypeSchema xmlns:ct="http://schemas.microsoft.com/office/2006/metadata/contentType" xmlns:ma="http://schemas.microsoft.com/office/2006/metadata/properties/metaAttributes" ct:_="" ma:_="" ma:contentTypeName="Document" ma:contentTypeID="0x010100CE75DA83D22F8E48BAC825FC32A1856B" ma:contentTypeVersion="9" ma:contentTypeDescription="Create a new document." ma:contentTypeScope="" ma:versionID="7fb70ad076869fe0f0573ac3521d6468">
   <xsd:schema xmlns:xsd="http://www.w3.org/2001/XMLSchema" xmlns:xs="http://www.w3.org/2001/XMLSchema" xmlns:p="http://schemas.microsoft.com/office/2006/metadata/properties" xmlns:ns2="3ac145f2-9803-46f6-b702-374493710c2e" xmlns:ns3="f8614448-f46c-4880-8b68-17c914e2801b" targetNamespace="http://schemas.microsoft.com/office/2006/metadata/properties" ma:root="true" ma:fieldsID="f374b0e902821a9a4c3006c60326a7a1" ns2:_="" ns3:_="">
     <xsd:import namespace="3ac145f2-9803-46f6-b702-374493710c2e"/>
@@ -8523,14 +8575,6 @@
 </ct:contentTypeSchema>
 </file>
 
-<file path=customXml/item2.xml><?xml version="1.0" encoding="utf-8"?>
-<p:properties xmlns:p="http://schemas.microsoft.com/office/2006/metadata/properties" xmlns:xsi="http://www.w3.org/2001/XMLSchema-instance" xmlns:pc="http://schemas.microsoft.com/office/infopath/2007/PartnerControls">
-  <documentManagement>
-    <ReferenceId xmlns="3ac145f2-9803-46f6-b702-374493710c2e" xsi:nil="true"/>
-  </documentManagement>
-</p:properties>
-</file>
-
 <file path=customXml/item3.xml><?xml version="1.0" encoding="utf-8"?>
 <?mso-contentType ?>
 <FormTemplates xmlns="http://schemas.microsoft.com/sharepoint/v3/contenttype/forms">
@@ -8541,6 +8585,23 @@
 </file>
 
 <file path=customXml/itemProps1.xml><?xml version="1.0" encoding="utf-8"?>
+<ds:datastoreItem xmlns:ds="http://schemas.openxmlformats.org/officeDocument/2006/customXml" ds:itemID="{8CCE1432-2915-4013-A40F-C8CBF1E90797}">
+  <ds:schemaRefs>
+    <ds:schemaRef ds:uri="http://schemas.microsoft.com/office/2006/documentManagement/types"/>
+    <ds:schemaRef ds:uri="http://purl.org/dc/elements/1.1/"/>
+    <ds:schemaRef ds:uri="http://schemas.microsoft.com/office/infopath/2007/PartnerControls"/>
+    <ds:schemaRef ds:uri="http://schemas.microsoft.com/office/2006/metadata/properties"/>
+    <ds:schemaRef ds:uri="http://www.w3.org/XML/1998/namespace"/>
+    <ds:schemaRef ds:uri="http://purl.org/dc/terms/"/>
+    <ds:schemaRef ds:uri="http://schemas.openxmlformats.org/package/2006/metadata/core-properties"/>
+    <ds:schemaRef ds:uri="3ac145f2-9803-46f6-b702-374493710c2e"/>
+    <ds:schemaRef ds:uri="f8614448-f46c-4880-8b68-17c914e2801b"/>
+    <ds:schemaRef ds:uri="http://purl.org/dc/dcmitype/"/>
+  </ds:schemaRefs>
+</ds:datastoreItem>
+</file>
+
+<file path=customXml/itemProps2.xml><?xml version="1.0" encoding="utf-8"?>
 <ds:datastoreItem xmlns:ds="http://schemas.openxmlformats.org/officeDocument/2006/customXml" ds:itemID="{ED51ADB2-214E-46BA-8DE1-A63839197C2E}">
   <ds:schemaRefs>
     <ds:schemaRef ds:uri="http://schemas.microsoft.com/office/2006/metadata/contentType"/>
@@ -8559,23 +8620,6 @@
 </ds:datastoreItem>
 </file>
 
-<file path=customXml/itemProps2.xml><?xml version="1.0" encoding="utf-8"?>
-<ds:datastoreItem xmlns:ds="http://schemas.openxmlformats.org/officeDocument/2006/customXml" ds:itemID="{8CCE1432-2915-4013-A40F-C8CBF1E90797}">
-  <ds:schemaRefs>
-    <ds:schemaRef ds:uri="f8614448-f46c-4880-8b68-17c914e2801b"/>
-    <ds:schemaRef ds:uri="http://purl.org/dc/elements/1.1/"/>
-    <ds:schemaRef ds:uri="http://purl.org/dc/dcmitype/"/>
-    <ds:schemaRef ds:uri="3ac145f2-9803-46f6-b702-374493710c2e"/>
-    <ds:schemaRef ds:uri="http://schemas.microsoft.com/office/2006/documentManagement/types"/>
-    <ds:schemaRef ds:uri="http://schemas.microsoft.com/office/2006/metadata/properties"/>
-    <ds:schemaRef ds:uri="http://www.w3.org/XML/1998/namespace"/>
-    <ds:schemaRef ds:uri="http://purl.org/dc/terms/"/>
-    <ds:schemaRef ds:uri="http://schemas.microsoft.com/office/infopath/2007/PartnerControls"/>
-    <ds:schemaRef ds:uri="http://schemas.openxmlformats.org/package/2006/metadata/core-properties"/>
-  </ds:schemaRefs>
-</ds:datastoreItem>
-</file>
-
 <file path=customXml/itemProps3.xml><?xml version="1.0" encoding="utf-8"?>
 <ds:datastoreItem xmlns:ds="http://schemas.openxmlformats.org/officeDocument/2006/customXml" ds:itemID="{3BCB4A51-04B8-4D9E-A104-35DBDC6B39D6}">
   <ds:schemaRefs>

--- a/Assesment Documents/Powerpoint/1.7 and 1.8 documentation v2.pptx
+++ b/Assesment Documents/Powerpoint/1.7 and 1.8 documentation v2.pptx
@@ -138,8 +138,8 @@
 <pc:chgInfo xmlns:a="http://schemas.openxmlformats.org/drawingml/2006/main" xmlns:r="http://schemas.openxmlformats.org/officeDocument/2006/relationships" xmlns:ac="http://schemas.microsoft.com/office/drawing/2013/main/command" xmlns:pc="http://schemas.microsoft.com/office/powerpoint/2013/main/command">
   <pc:docChgLst>
     <pc:chgData name="Joshua Bracefield" userId="d64b1e77-fcfe-4377-8f23-1bdeb7587d81" providerId="ADAL" clId="{C0F4E1A6-7104-0640-BD35-2B61C4A67323}"/>
-    <pc:docChg chg="undo custSel modSld">
-      <pc:chgData name="Joshua Bracefield" userId="d64b1e77-fcfe-4377-8f23-1bdeb7587d81" providerId="ADAL" clId="{C0F4E1A6-7104-0640-BD35-2B61C4A67323}" dt="2022-05-26T00:33:17.830" v="376" actId="1076"/>
+    <pc:docChg chg="undo redo custSel modSld">
+      <pc:chgData name="Joshua Bracefield" userId="d64b1e77-fcfe-4377-8f23-1bdeb7587d81" providerId="ADAL" clId="{C0F4E1A6-7104-0640-BD35-2B61C4A67323}" dt="2022-05-26T05:56:08.086" v="706" actId="1076"/>
       <pc:docMkLst>
         <pc:docMk/>
       </pc:docMkLst>
@@ -167,13 +167,13 @@
         </pc:graphicFrameChg>
       </pc:sldChg>
       <pc:sldChg chg="addSp delSp modSp mod modNotesTx">
-        <pc:chgData name="Joshua Bracefield" userId="d64b1e77-fcfe-4377-8f23-1bdeb7587d81" providerId="ADAL" clId="{C0F4E1A6-7104-0640-BD35-2B61C4A67323}" dt="2022-05-26T00:33:17.830" v="376" actId="1076"/>
+        <pc:chgData name="Joshua Bracefield" userId="d64b1e77-fcfe-4377-8f23-1bdeb7587d81" providerId="ADAL" clId="{C0F4E1A6-7104-0640-BD35-2B61C4A67323}" dt="2022-05-26T05:56:08.086" v="706" actId="1076"/>
         <pc:sldMkLst>
           <pc:docMk/>
           <pc:sldMk cId="270828811" sldId="273"/>
         </pc:sldMkLst>
         <pc:spChg chg="mod">
-          <ac:chgData name="Joshua Bracefield" userId="d64b1e77-fcfe-4377-8f23-1bdeb7587d81" providerId="ADAL" clId="{C0F4E1A6-7104-0640-BD35-2B61C4A67323}" dt="2022-05-26T00:32:29.466" v="370" actId="1076"/>
+          <ac:chgData name="Joshua Bracefield" userId="d64b1e77-fcfe-4377-8f23-1bdeb7587d81" providerId="ADAL" clId="{C0F4E1A6-7104-0640-BD35-2B61C4A67323}" dt="2022-05-26T05:40:27.824" v="686" actId="20577"/>
           <ac:spMkLst>
             <pc:docMk/>
             <pc:sldMk cId="270828811" sldId="273"/>
@@ -277,13 +277,36 @@
           </ac:spMkLst>
         </pc:spChg>
         <pc:picChg chg="add mod">
-          <ac:chgData name="Joshua Bracefield" userId="d64b1e77-fcfe-4377-8f23-1bdeb7587d81" providerId="ADAL" clId="{C0F4E1A6-7104-0640-BD35-2B61C4A67323}" dt="2022-05-26T00:33:17.830" v="376" actId="1076"/>
+          <ac:chgData name="Joshua Bracefield" userId="d64b1e77-fcfe-4377-8f23-1bdeb7587d81" providerId="ADAL" clId="{C0F4E1A6-7104-0640-BD35-2B61C4A67323}" dt="2022-05-26T05:56:08.086" v="706" actId="1076"/>
           <ac:picMkLst>
             <pc:docMk/>
             <pc:sldMk cId="270828811" sldId="273"/>
             <ac:picMk id="5" creationId="{061E4156-52EB-B94B-A6EB-EBEB1C040962}"/>
           </ac:picMkLst>
         </pc:picChg>
+      </pc:sldChg>
+      <pc:sldChg chg="addSp delSp modSp mod">
+        <pc:chgData name="Joshua Bracefield" userId="d64b1e77-fcfe-4377-8f23-1bdeb7587d81" providerId="ADAL" clId="{C0F4E1A6-7104-0640-BD35-2B61C4A67323}" dt="2022-05-26T05:40:32.066" v="693" actId="478"/>
+        <pc:sldMkLst>
+          <pc:docMk/>
+          <pc:sldMk cId="89592267" sldId="274"/>
+        </pc:sldMkLst>
+        <pc:spChg chg="mod">
+          <ac:chgData name="Joshua Bracefield" userId="d64b1e77-fcfe-4377-8f23-1bdeb7587d81" providerId="ADAL" clId="{C0F4E1A6-7104-0640-BD35-2B61C4A67323}" dt="2022-05-26T05:30:27.144" v="675" actId="20577"/>
+          <ac:spMkLst>
+            <pc:docMk/>
+            <pc:sldMk cId="89592267" sldId="274"/>
+            <ac:spMk id="2" creationId="{1CC5D32F-7C18-4D00-8D54-2FB046F0A206}"/>
+          </ac:spMkLst>
+        </pc:spChg>
+        <pc:spChg chg="add del mod">
+          <ac:chgData name="Joshua Bracefield" userId="d64b1e77-fcfe-4377-8f23-1bdeb7587d81" providerId="ADAL" clId="{C0F4E1A6-7104-0640-BD35-2B61C4A67323}" dt="2022-05-26T05:40:32.066" v="693" actId="478"/>
+          <ac:spMkLst>
+            <pc:docMk/>
+            <pc:sldMk cId="89592267" sldId="274"/>
+            <ac:spMk id="4" creationId="{8CD07A82-A944-4A9B-9A52-515DAC30878A}"/>
+          </ac:spMkLst>
+        </pc:spChg>
       </pc:sldChg>
     </pc:docChg>
   </pc:docChgLst>
@@ -1151,8 +1174,28 @@
           </a:p>
           <a:p>
             <a:r>
+              <a:rPr lang="en" i="1" dirty="0" err="1"/>
+              <a:t>Trialling</a:t>
+            </a:r>
+            <a:r>
               <a:rPr lang="en" i="1" dirty="0"/>
-              <a:t>Trialling is not the same as testing. Trialling is about finding different ways of building the same component. Show evidence of  your trialling  here. Select one of your trials for further development and give reasons for your choice.</a:t>
+              <a:t> is not the same as testing. </a:t>
+            </a:r>
+            <a:r>
+              <a:rPr lang="en" i="1" noProof="0" dirty="0" err="1"/>
+              <a:t>Trialling</a:t>
+            </a:r>
+            <a:r>
+              <a:rPr lang="en" i="1" dirty="0"/>
+              <a:t> is about finding different ways of building the same component. Show evidence of  your </a:t>
+            </a:r>
+            <a:r>
+              <a:rPr lang="en" i="1" dirty="0" err="1"/>
+              <a:t>trialling</a:t>
+            </a:r>
+            <a:r>
+              <a:rPr lang="en" i="1" dirty="0"/>
+              <a:t>  here. Select one of your trials for further development and give reasons for your choice.</a:t>
             </a:r>
             <a:endParaRPr lang="en-NZ" dirty="0"/>
           </a:p>
@@ -7545,8 +7588,8 @@
         </p:blipFill>
         <p:spPr>
           <a:xfrm>
-            <a:off x="2032044" y="1030288"/>
-            <a:ext cx="8127911" cy="5827712"/>
+            <a:off x="0" y="1285189"/>
+            <a:ext cx="7772400" cy="5572811"/>
           </a:xfrm>
           <a:prstGeom prst="rect">
             <a:avLst/>
@@ -7613,42 +7656,7 @@
           <a:p>
             <a:r>
               <a:rPr lang="en-NZ" dirty="0"/>
-              <a:t>[Component name]: Testing </a:t>
-            </a:r>
-          </a:p>
-        </p:txBody>
-      </p:sp>
-      <p:sp>
-        <p:nvSpPr>
-          <p:cNvPr id="4" name="TextBox 3">
-            <a:extLst>
-              <a:ext uri="{FF2B5EF4-FFF2-40B4-BE49-F238E27FC236}">
-                <a16:creationId xmlns:a16="http://schemas.microsoft.com/office/drawing/2014/main" id="{8CD07A82-A944-4A9B-9A52-515DAC30878A}"/>
-              </a:ext>
-            </a:extLst>
-          </p:cNvPr>
-          <p:cNvSpPr txBox="1"/>
-          <p:nvPr/>
-        </p:nvSpPr>
-        <p:spPr>
-          <a:xfrm>
-            <a:off x="749300" y="1081088"/>
-            <a:ext cx="10693400" cy="646331"/>
-          </a:xfrm>
-          <a:prstGeom prst="rect">
-            <a:avLst/>
-          </a:prstGeom>
-          <a:noFill/>
-        </p:spPr>
-        <p:txBody>
-          <a:bodyPr wrap="square">
-            <a:spAutoFit/>
-          </a:bodyPr>
-          <a:lstStyle/>
-          <a:p>
-            <a:r>
-              <a:rPr lang="en-NZ" i="1" dirty="0"/>
-              <a:t>You must show the results of testing. For each component, include a screenshot proving it works.  You can also include notes about each test. </a:t>
+              <a:t>Welcome Screen: Testing </a:t>
             </a:r>
           </a:p>
         </p:txBody>
@@ -8587,16 +8595,16 @@
 <file path=customXml/itemProps1.xml><?xml version="1.0" encoding="utf-8"?>
 <ds:datastoreItem xmlns:ds="http://schemas.openxmlformats.org/officeDocument/2006/customXml" ds:itemID="{8CCE1432-2915-4013-A40F-C8CBF1E90797}">
   <ds:schemaRefs>
-    <ds:schemaRef ds:uri="http://schemas.microsoft.com/office/2006/documentManagement/types"/>
+    <ds:schemaRef ds:uri="3ac145f2-9803-46f6-b702-374493710c2e"/>
+    <ds:schemaRef ds:uri="http://www.w3.org/XML/1998/namespace"/>
+    <ds:schemaRef ds:uri="http://purl.org/dc/dcmitype/"/>
     <ds:schemaRef ds:uri="http://purl.org/dc/elements/1.1/"/>
     <ds:schemaRef ds:uri="http://schemas.microsoft.com/office/infopath/2007/PartnerControls"/>
+    <ds:schemaRef ds:uri="http://schemas.openxmlformats.org/package/2006/metadata/core-properties"/>
+    <ds:schemaRef ds:uri="http://schemas.microsoft.com/office/2006/documentManagement/types"/>
+    <ds:schemaRef ds:uri="f8614448-f46c-4880-8b68-17c914e2801b"/>
     <ds:schemaRef ds:uri="http://schemas.microsoft.com/office/2006/metadata/properties"/>
-    <ds:schemaRef ds:uri="http://www.w3.org/XML/1998/namespace"/>
     <ds:schemaRef ds:uri="http://purl.org/dc/terms/"/>
-    <ds:schemaRef ds:uri="http://schemas.openxmlformats.org/package/2006/metadata/core-properties"/>
-    <ds:schemaRef ds:uri="3ac145f2-9803-46f6-b702-374493710c2e"/>
-    <ds:schemaRef ds:uri="f8614448-f46c-4880-8b68-17c914e2801b"/>
-    <ds:schemaRef ds:uri="http://purl.org/dc/dcmitype/"/>
   </ds:schemaRefs>
 </ds:datastoreItem>
 </file>

--- a/Assesment Documents/Powerpoint/1.7 and 1.8 documentation v2.pptx
+++ b/Assesment Documents/Powerpoint/1.7 and 1.8 documentation v2.pptx
@@ -5,7 +5,7 @@
     <p:sldMasterId id="2147483648" r:id="rId4"/>
   </p:sldMasterIdLst>
   <p:notesMasterIdLst>
-    <p:notesMasterId r:id="rId17"/>
+    <p:notesMasterId r:id="rId27"/>
   </p:notesMasterIdLst>
   <p:sldIdLst>
     <p:sldId id="256" r:id="rId5"/>
@@ -16,10 +16,20 @@
     <p:sldId id="269" r:id="rId10"/>
     <p:sldId id="273" r:id="rId11"/>
     <p:sldId id="274" r:id="rId12"/>
-    <p:sldId id="263" r:id="rId13"/>
-    <p:sldId id="270" r:id="rId14"/>
-    <p:sldId id="261" r:id="rId15"/>
-    <p:sldId id="266" r:id="rId16"/>
+    <p:sldId id="275" r:id="rId13"/>
+    <p:sldId id="276" r:id="rId14"/>
+    <p:sldId id="277" r:id="rId15"/>
+    <p:sldId id="278" r:id="rId16"/>
+    <p:sldId id="279" r:id="rId17"/>
+    <p:sldId id="280" r:id="rId18"/>
+    <p:sldId id="281" r:id="rId19"/>
+    <p:sldId id="282" r:id="rId20"/>
+    <p:sldId id="285" r:id="rId21"/>
+    <p:sldId id="284" r:id="rId22"/>
+    <p:sldId id="283" r:id="rId23"/>
+    <p:sldId id="286" r:id="rId24"/>
+    <p:sldId id="261" r:id="rId25"/>
+    <p:sldId id="266" r:id="rId26"/>
   </p:sldIdLst>
   <p:sldSz cx="12192000" cy="6858000"/>
   <p:notesSz cx="6858000" cy="9144000"/>
@@ -129,7 +139,7 @@
 <file path=ppt/revisionInfo.xml><?xml version="1.0" encoding="utf-8"?>
 <p1510:revInfo xmlns:a="http://schemas.openxmlformats.org/drawingml/2006/main" xmlns:r="http://schemas.openxmlformats.org/officeDocument/2006/relationships" xmlns:p1510="http://schemas.microsoft.com/office/powerpoint/2015/10/main">
   <p1510:revLst>
-    <p1510:client id="{C0F4E1A6-7104-0640-BD35-2B61C4A67323}" v="20" dt="2022-05-26T00:29:00.541"/>
+    <p1510:client id="{C0F4E1A6-7104-0640-BD35-2B61C4A67323}" v="52" dt="2022-05-29T05:59:13.478"/>
   </p1510:revLst>
 </p1510:revInfo>
 </file>
@@ -138,11 +148,48 @@
 <pc:chgInfo xmlns:a="http://schemas.openxmlformats.org/drawingml/2006/main" xmlns:r="http://schemas.openxmlformats.org/officeDocument/2006/relationships" xmlns:ac="http://schemas.microsoft.com/office/drawing/2013/main/command" xmlns:pc="http://schemas.microsoft.com/office/powerpoint/2013/main/command">
   <pc:docChgLst>
     <pc:chgData name="Joshua Bracefield" userId="d64b1e77-fcfe-4377-8f23-1bdeb7587d81" providerId="ADAL" clId="{C0F4E1A6-7104-0640-BD35-2B61C4A67323}"/>
-    <pc:docChg chg="undo redo custSel modSld">
-      <pc:chgData name="Joshua Bracefield" userId="d64b1e77-fcfe-4377-8f23-1bdeb7587d81" providerId="ADAL" clId="{C0F4E1A6-7104-0640-BD35-2B61C4A67323}" dt="2022-05-26T05:56:08.086" v="706" actId="1076"/>
+    <pc:docChg chg="undo redo custSel addSld delSld modSld sldOrd">
+      <pc:chgData name="Joshua Bracefield" userId="d64b1e77-fcfe-4377-8f23-1bdeb7587d81" providerId="ADAL" clId="{C0F4E1A6-7104-0640-BD35-2B61C4A67323}" dt="2022-05-29T05:59:37.961" v="2608" actId="20578"/>
       <pc:docMkLst>
         <pc:docMk/>
       </pc:docMkLst>
+      <pc:sldChg chg="modSp mod">
+        <pc:chgData name="Joshua Bracefield" userId="d64b1e77-fcfe-4377-8f23-1bdeb7587d81" providerId="ADAL" clId="{C0F4E1A6-7104-0640-BD35-2B61C4A67323}" dt="2022-05-28T23:15:45.520" v="1121" actId="20577"/>
+        <pc:sldMkLst>
+          <pc:docMk/>
+          <pc:sldMk cId="3838895173" sldId="258"/>
+        </pc:sldMkLst>
+        <pc:spChg chg="mod">
+          <ac:chgData name="Joshua Bracefield" userId="d64b1e77-fcfe-4377-8f23-1bdeb7587d81" providerId="ADAL" clId="{C0F4E1A6-7104-0640-BD35-2B61C4A67323}" dt="2022-05-28T23:15:45.520" v="1121" actId="20577"/>
+          <ac:spMkLst>
+            <pc:docMk/>
+            <pc:sldMk cId="3838895173" sldId="258"/>
+            <ac:spMk id="4" creationId="{F7FB308A-232B-4B31-A59D-BD561ECFBE8B}"/>
+          </ac:spMkLst>
+        </pc:spChg>
+      </pc:sldChg>
+      <pc:sldChg chg="del ord">
+        <pc:chgData name="Joshua Bracefield" userId="d64b1e77-fcfe-4377-8f23-1bdeb7587d81" providerId="ADAL" clId="{C0F4E1A6-7104-0640-BD35-2B61C4A67323}" dt="2022-05-29T05:50:00.308" v="2187" actId="2696"/>
+        <pc:sldMkLst>
+          <pc:docMk/>
+          <pc:sldMk cId="1084233196" sldId="263"/>
+        </pc:sldMkLst>
+      </pc:sldChg>
+      <pc:sldChg chg="addSp delSp modSp mod">
+        <pc:chgData name="Joshua Bracefield" userId="d64b1e77-fcfe-4377-8f23-1bdeb7587d81" providerId="ADAL" clId="{C0F4E1A6-7104-0640-BD35-2B61C4A67323}" dt="2022-05-29T03:36:46.487" v="1509" actId="478"/>
+        <pc:sldMkLst>
+          <pc:docMk/>
+          <pc:sldMk cId="2276153040" sldId="266"/>
+        </pc:sldMkLst>
+        <pc:spChg chg="add del mod">
+          <ac:chgData name="Joshua Bracefield" userId="d64b1e77-fcfe-4377-8f23-1bdeb7587d81" providerId="ADAL" clId="{C0F4E1A6-7104-0640-BD35-2B61C4A67323}" dt="2022-05-29T03:36:46.487" v="1509" actId="478"/>
+          <ac:spMkLst>
+            <pc:docMk/>
+            <pc:sldMk cId="2276153040" sldId="266"/>
+            <ac:spMk id="4" creationId="{F212A5D6-1BAC-8791-1EE0-C43E8E3656D5}"/>
+          </ac:spMkLst>
+        </pc:spChg>
+      </pc:sldChg>
       <pc:sldChg chg="modSp mod">
         <pc:chgData name="Joshua Bracefield" userId="d64b1e77-fcfe-4377-8f23-1bdeb7587d81" providerId="ADAL" clId="{C0F4E1A6-7104-0640-BD35-2B61C4A67323}" dt="2022-05-25T23:59:55.945" v="215" actId="14734"/>
         <pc:sldMkLst>
@@ -166,14 +213,21 @@
           </ac:graphicFrameMkLst>
         </pc:graphicFrameChg>
       </pc:sldChg>
+      <pc:sldChg chg="del">
+        <pc:chgData name="Joshua Bracefield" userId="d64b1e77-fcfe-4377-8f23-1bdeb7587d81" providerId="ADAL" clId="{C0F4E1A6-7104-0640-BD35-2B61C4A67323}" dt="2022-05-29T05:54:53.608" v="2305" actId="2696"/>
+        <pc:sldMkLst>
+          <pc:docMk/>
+          <pc:sldMk cId="1053444694" sldId="270"/>
+        </pc:sldMkLst>
+      </pc:sldChg>
       <pc:sldChg chg="addSp delSp modSp mod modNotesTx">
-        <pc:chgData name="Joshua Bracefield" userId="d64b1e77-fcfe-4377-8f23-1bdeb7587d81" providerId="ADAL" clId="{C0F4E1A6-7104-0640-BD35-2B61C4A67323}" dt="2022-05-26T05:56:08.086" v="706" actId="1076"/>
+        <pc:chgData name="Joshua Bracefield" userId="d64b1e77-fcfe-4377-8f23-1bdeb7587d81" providerId="ADAL" clId="{C0F4E1A6-7104-0640-BD35-2B61C4A67323}" dt="2022-05-29T03:29:17.382" v="1407" actId="1076"/>
         <pc:sldMkLst>
           <pc:docMk/>
           <pc:sldMk cId="270828811" sldId="273"/>
         </pc:sldMkLst>
         <pc:spChg chg="mod">
-          <ac:chgData name="Joshua Bracefield" userId="d64b1e77-fcfe-4377-8f23-1bdeb7587d81" providerId="ADAL" clId="{C0F4E1A6-7104-0640-BD35-2B61C4A67323}" dt="2022-05-26T05:40:27.824" v="686" actId="20577"/>
+          <ac:chgData name="Joshua Bracefield" userId="d64b1e77-fcfe-4377-8f23-1bdeb7587d81" providerId="ADAL" clId="{C0F4E1A6-7104-0640-BD35-2B61C4A67323}" dt="2022-05-28T22:42:57.066" v="1103" actId="1076"/>
           <ac:spMkLst>
             <pc:docMk/>
             <pc:sldMk cId="270828811" sldId="273"/>
@@ -186,6 +240,14 @@
             <pc:docMk/>
             <pc:sldMk cId="270828811" sldId="273"/>
             <ac:spMk id="3" creationId="{82711A2B-DDF3-F1F8-66FF-CED3F0E86DD2}"/>
+          </ac:spMkLst>
+        </pc:spChg>
+        <pc:spChg chg="add mod">
+          <ac:chgData name="Joshua Bracefield" userId="d64b1e77-fcfe-4377-8f23-1bdeb7587d81" providerId="ADAL" clId="{C0F4E1A6-7104-0640-BD35-2B61C4A67323}" dt="2022-05-29T03:29:17.382" v="1407" actId="1076"/>
+          <ac:spMkLst>
+            <pc:docMk/>
+            <pc:sldMk cId="270828811" sldId="273"/>
+            <ac:spMk id="4" creationId="{156085C6-A76D-208E-87E1-9353B21563CB}"/>
           </ac:spMkLst>
         </pc:spChg>
         <pc:spChg chg="del mod">
@@ -276,17 +338,25 @@
             <ac:spMk id="14" creationId="{63ED3E14-570C-F3B0-628D-6E761F44B616}"/>
           </ac:spMkLst>
         </pc:spChg>
-        <pc:picChg chg="add mod">
-          <ac:chgData name="Joshua Bracefield" userId="d64b1e77-fcfe-4377-8f23-1bdeb7587d81" providerId="ADAL" clId="{C0F4E1A6-7104-0640-BD35-2B61C4A67323}" dt="2022-05-26T05:56:08.086" v="706" actId="1076"/>
+        <pc:picChg chg="add del mod">
+          <ac:chgData name="Joshua Bracefield" userId="d64b1e77-fcfe-4377-8f23-1bdeb7587d81" providerId="ADAL" clId="{C0F4E1A6-7104-0640-BD35-2B61C4A67323}" dt="2022-05-28T22:38:16.812" v="707" actId="478"/>
           <ac:picMkLst>
             <pc:docMk/>
             <pc:sldMk cId="270828811" sldId="273"/>
             <ac:picMk id="5" creationId="{061E4156-52EB-B94B-A6EB-EBEB1C040962}"/>
           </ac:picMkLst>
         </pc:picChg>
+        <pc:picChg chg="add mod">
+          <ac:chgData name="Joshua Bracefield" userId="d64b1e77-fcfe-4377-8f23-1bdeb7587d81" providerId="ADAL" clId="{C0F4E1A6-7104-0640-BD35-2B61C4A67323}" dt="2022-05-29T02:51:50.198" v="1239" actId="1076"/>
+          <ac:picMkLst>
+            <pc:docMk/>
+            <pc:sldMk cId="270828811" sldId="273"/>
+            <ac:picMk id="7" creationId="{4CF5701C-05F1-610E-C78C-190278E9A8B9}"/>
+          </ac:picMkLst>
+        </pc:picChg>
       </pc:sldChg>
-      <pc:sldChg chg="addSp delSp modSp mod">
-        <pc:chgData name="Joshua Bracefield" userId="d64b1e77-fcfe-4377-8f23-1bdeb7587d81" providerId="ADAL" clId="{C0F4E1A6-7104-0640-BD35-2B61C4A67323}" dt="2022-05-26T05:40:32.066" v="693" actId="478"/>
+      <pc:sldChg chg="addSp delSp modSp mod ord">
+        <pc:chgData name="Joshua Bracefield" userId="d64b1e77-fcfe-4377-8f23-1bdeb7587d81" providerId="ADAL" clId="{C0F4E1A6-7104-0640-BD35-2B61C4A67323}" dt="2022-05-29T02:51:49.886" v="1230" actId="20578"/>
         <pc:sldMkLst>
           <pc:docMk/>
           <pc:sldMk cId="89592267" sldId="274"/>
@@ -307,6 +377,442 @@
             <ac:spMk id="4" creationId="{8CD07A82-A944-4A9B-9A52-515DAC30878A}"/>
           </ac:spMkLst>
         </pc:spChg>
+        <pc:picChg chg="add mod">
+          <ac:chgData name="Joshua Bracefield" userId="d64b1e77-fcfe-4377-8f23-1bdeb7587d81" providerId="ADAL" clId="{C0F4E1A6-7104-0640-BD35-2B61C4A67323}" dt="2022-05-29T02:51:49.717" v="1225" actId="1076"/>
+          <ac:picMkLst>
+            <pc:docMk/>
+            <pc:sldMk cId="89592267" sldId="274"/>
+            <ac:picMk id="4" creationId="{09B204D4-A76A-27E5-46C4-DC2E9F68E370}"/>
+          </ac:picMkLst>
+        </pc:picChg>
+        <pc:picChg chg="add mod">
+          <ac:chgData name="Joshua Bracefield" userId="d64b1e77-fcfe-4377-8f23-1bdeb7587d81" providerId="ADAL" clId="{C0F4E1A6-7104-0640-BD35-2B61C4A67323}" dt="2022-05-29T02:51:49.686" v="1224" actId="1076"/>
+          <ac:picMkLst>
+            <pc:docMk/>
+            <pc:sldMk cId="89592267" sldId="274"/>
+            <ac:picMk id="6" creationId="{CE56D2DE-1E65-17CF-F525-BCE61C1CA982}"/>
+          </ac:picMkLst>
+        </pc:picChg>
+        <pc:picChg chg="add mod">
+          <ac:chgData name="Joshua Bracefield" userId="d64b1e77-fcfe-4377-8f23-1bdeb7587d81" providerId="ADAL" clId="{C0F4E1A6-7104-0640-BD35-2B61C4A67323}" dt="2022-05-29T02:51:49.750" v="1226" actId="1076"/>
+          <ac:picMkLst>
+            <pc:docMk/>
+            <pc:sldMk cId="89592267" sldId="274"/>
+            <ac:picMk id="8" creationId="{86CA84F9-C010-4E0B-1593-AF869F218CE1}"/>
+          </ac:picMkLst>
+        </pc:picChg>
+      </pc:sldChg>
+      <pc:sldChg chg="addSp delSp modSp add del mod ord">
+        <pc:chgData name="Joshua Bracefield" userId="d64b1e77-fcfe-4377-8f23-1bdeb7587d81" providerId="ADAL" clId="{C0F4E1A6-7104-0640-BD35-2B61C4A67323}" dt="2022-05-29T03:27:23.870" v="1242" actId="962"/>
+        <pc:sldMkLst>
+          <pc:docMk/>
+          <pc:sldMk cId="1449297419" sldId="275"/>
+        </pc:sldMkLst>
+        <pc:spChg chg="add del mod">
+          <ac:chgData name="Joshua Bracefield" userId="d64b1e77-fcfe-4377-8f23-1bdeb7587d81" providerId="ADAL" clId="{C0F4E1A6-7104-0640-BD35-2B61C4A67323}" dt="2022-05-29T02:51:50.065" v="1235" actId="478"/>
+          <ac:spMkLst>
+            <pc:docMk/>
+            <pc:sldMk cId="1449297419" sldId="275"/>
+            <ac:spMk id="3" creationId="{E2500796-EAB7-5DCA-0413-8043BED65174}"/>
+          </ac:spMkLst>
+        </pc:spChg>
+        <pc:picChg chg="add del">
+          <ac:chgData name="Joshua Bracefield" userId="d64b1e77-fcfe-4377-8f23-1bdeb7587d81" providerId="ADAL" clId="{C0F4E1A6-7104-0640-BD35-2B61C4A67323}" dt="2022-05-29T02:51:49.919" v="1231" actId="478"/>
+          <ac:picMkLst>
+            <pc:docMk/>
+            <pc:sldMk cId="1449297419" sldId="275"/>
+            <ac:picMk id="5" creationId="{A5DAAE32-155C-1EB3-F9A2-B60F13FBE9D5}"/>
+          </ac:picMkLst>
+        </pc:picChg>
+        <pc:picChg chg="add mod">
+          <ac:chgData name="Joshua Bracefield" userId="d64b1e77-fcfe-4377-8f23-1bdeb7587d81" providerId="ADAL" clId="{C0F4E1A6-7104-0640-BD35-2B61C4A67323}" dt="2022-05-29T03:27:23.870" v="1242" actId="962"/>
+          <ac:picMkLst>
+            <pc:docMk/>
+            <pc:sldMk cId="1449297419" sldId="275"/>
+            <ac:picMk id="6" creationId="{BB7A59F0-F217-7776-52EC-DB8079C7303B}"/>
+          </ac:picMkLst>
+        </pc:picChg>
+      </pc:sldChg>
+      <pc:sldChg chg="delSp modSp add del mod ord">
+        <pc:chgData name="Joshua Bracefield" userId="d64b1e77-fcfe-4377-8f23-1bdeb7587d81" providerId="ADAL" clId="{C0F4E1A6-7104-0640-BD35-2B61C4A67323}" dt="2022-05-29T05:33:43.538" v="1517" actId="2696"/>
+        <pc:sldMkLst>
+          <pc:docMk/>
+          <pc:sldMk cId="1829833892" sldId="276"/>
+        </pc:sldMkLst>
+        <pc:spChg chg="del">
+          <ac:chgData name="Joshua Bracefield" userId="d64b1e77-fcfe-4377-8f23-1bdeb7587d81" providerId="ADAL" clId="{C0F4E1A6-7104-0640-BD35-2B61C4A67323}" dt="2022-05-29T03:35:13.231" v="1492" actId="478"/>
+          <ac:spMkLst>
+            <pc:docMk/>
+            <pc:sldMk cId="1829833892" sldId="276"/>
+            <ac:spMk id="4" creationId="{518343B6-2201-4ACD-B907-770BC22E8B26}"/>
+          </ac:spMkLst>
+        </pc:spChg>
+        <pc:spChg chg="mod">
+          <ac:chgData name="Joshua Bracefield" userId="d64b1e77-fcfe-4377-8f23-1bdeb7587d81" providerId="ADAL" clId="{C0F4E1A6-7104-0640-BD35-2B61C4A67323}" dt="2022-05-29T03:28:08.305" v="1258" actId="20577"/>
+          <ac:spMkLst>
+            <pc:docMk/>
+            <pc:sldMk cId="1829833892" sldId="276"/>
+            <ac:spMk id="91" creationId="{00000000-0000-0000-0000-000000000000}"/>
+          </ac:spMkLst>
+        </pc:spChg>
+        <pc:graphicFrameChg chg="mod modGraphic">
+          <ac:chgData name="Joshua Bracefield" userId="d64b1e77-fcfe-4377-8f23-1bdeb7587d81" providerId="ADAL" clId="{C0F4E1A6-7104-0640-BD35-2B61C4A67323}" dt="2022-05-29T03:35:17.689" v="1493" actId="1076"/>
+          <ac:graphicFrameMkLst>
+            <pc:docMk/>
+            <pc:sldMk cId="1829833892" sldId="276"/>
+            <ac:graphicFrameMk id="92" creationId="{00000000-0000-0000-0000-000000000000}"/>
+          </ac:graphicFrameMkLst>
+        </pc:graphicFrameChg>
+      </pc:sldChg>
+      <pc:sldChg chg="addSp delSp modSp add mod ord">
+        <pc:chgData name="Joshua Bracefield" userId="d64b1e77-fcfe-4377-8f23-1bdeb7587d81" providerId="ADAL" clId="{C0F4E1A6-7104-0640-BD35-2B61C4A67323}" dt="2022-05-29T03:33:11.404" v="1450" actId="1076"/>
+        <pc:sldMkLst>
+          <pc:docMk/>
+          <pc:sldMk cId="689052247" sldId="277"/>
+        </pc:sldMkLst>
+        <pc:spChg chg="mod">
+          <ac:chgData name="Joshua Bracefield" userId="d64b1e77-fcfe-4377-8f23-1bdeb7587d81" providerId="ADAL" clId="{C0F4E1A6-7104-0640-BD35-2B61C4A67323}" dt="2022-05-29T03:29:43.299" v="1426" actId="20577"/>
+          <ac:spMkLst>
+            <pc:docMk/>
+            <pc:sldMk cId="689052247" sldId="277"/>
+            <ac:spMk id="2" creationId="{1CC5D32F-7C18-4D00-8D54-2FB046F0A206}"/>
+          </ac:spMkLst>
+        </pc:spChg>
+        <pc:picChg chg="add del">
+          <ac:chgData name="Joshua Bracefield" userId="d64b1e77-fcfe-4377-8f23-1bdeb7587d81" providerId="ADAL" clId="{C0F4E1A6-7104-0640-BD35-2B61C4A67323}" dt="2022-05-29T03:29:53.112" v="1433" actId="478"/>
+          <ac:picMkLst>
+            <pc:docMk/>
+            <pc:sldMk cId="689052247" sldId="277"/>
+            <ac:picMk id="4" creationId="{09B204D4-A76A-27E5-46C4-DC2E9F68E370}"/>
+          </ac:picMkLst>
+        </pc:picChg>
+        <pc:picChg chg="add mod">
+          <ac:chgData name="Joshua Bracefield" userId="d64b1e77-fcfe-4377-8f23-1bdeb7587d81" providerId="ADAL" clId="{C0F4E1A6-7104-0640-BD35-2B61C4A67323}" dt="2022-05-29T03:33:11.404" v="1450" actId="1076"/>
+          <ac:picMkLst>
+            <pc:docMk/>
+            <pc:sldMk cId="689052247" sldId="277"/>
+            <ac:picMk id="5" creationId="{AE2C1538-8B28-4E9A-366E-7C566D6133BC}"/>
+          </ac:picMkLst>
+        </pc:picChg>
+        <pc:picChg chg="add del">
+          <ac:chgData name="Joshua Bracefield" userId="d64b1e77-fcfe-4377-8f23-1bdeb7587d81" providerId="ADAL" clId="{C0F4E1A6-7104-0640-BD35-2B61C4A67323}" dt="2022-05-29T03:29:54.551" v="1435" actId="478"/>
+          <ac:picMkLst>
+            <pc:docMk/>
+            <pc:sldMk cId="689052247" sldId="277"/>
+            <ac:picMk id="6" creationId="{CE56D2DE-1E65-17CF-F525-BCE61C1CA982}"/>
+          </ac:picMkLst>
+        </pc:picChg>
+        <pc:picChg chg="add del">
+          <ac:chgData name="Joshua Bracefield" userId="d64b1e77-fcfe-4377-8f23-1bdeb7587d81" providerId="ADAL" clId="{C0F4E1A6-7104-0640-BD35-2B61C4A67323}" dt="2022-05-29T03:29:53.616" v="1434" actId="478"/>
+          <ac:picMkLst>
+            <pc:docMk/>
+            <pc:sldMk cId="689052247" sldId="277"/>
+            <ac:picMk id="8" creationId="{86CA84F9-C010-4E0B-1593-AF869F218CE1}"/>
+          </ac:picMkLst>
+        </pc:picChg>
+        <pc:picChg chg="add mod">
+          <ac:chgData name="Joshua Bracefield" userId="d64b1e77-fcfe-4377-8f23-1bdeb7587d81" providerId="ADAL" clId="{C0F4E1A6-7104-0640-BD35-2B61C4A67323}" dt="2022-05-29T03:33:00.121" v="1449" actId="1076"/>
+          <ac:picMkLst>
+            <pc:docMk/>
+            <pc:sldMk cId="689052247" sldId="277"/>
+            <ac:picMk id="9" creationId="{1F748FBA-8EFF-F542-D11B-6269A559B97B}"/>
+          </ac:picMkLst>
+        </pc:picChg>
+      </pc:sldChg>
+      <pc:sldChg chg="addSp delSp modSp add mod ord">
+        <pc:chgData name="Joshua Bracefield" userId="d64b1e77-fcfe-4377-8f23-1bdeb7587d81" providerId="ADAL" clId="{C0F4E1A6-7104-0640-BD35-2B61C4A67323}" dt="2022-05-29T04:31:37.078" v="1515" actId="962"/>
+        <pc:sldMkLst>
+          <pc:docMk/>
+          <pc:sldMk cId="3009159287" sldId="278"/>
+        </pc:sldMkLst>
+        <pc:picChg chg="add mod">
+          <ac:chgData name="Joshua Bracefield" userId="d64b1e77-fcfe-4377-8f23-1bdeb7587d81" providerId="ADAL" clId="{C0F4E1A6-7104-0640-BD35-2B61C4A67323}" dt="2022-05-29T04:31:37.078" v="1515" actId="962"/>
+          <ac:picMkLst>
+            <pc:docMk/>
+            <pc:sldMk cId="3009159287" sldId="278"/>
+            <ac:picMk id="4" creationId="{2B7682DA-4783-70DB-5F3F-9D034C334619}"/>
+          </ac:picMkLst>
+        </pc:picChg>
+        <pc:picChg chg="del">
+          <ac:chgData name="Joshua Bracefield" userId="d64b1e77-fcfe-4377-8f23-1bdeb7587d81" providerId="ADAL" clId="{C0F4E1A6-7104-0640-BD35-2B61C4A67323}" dt="2022-05-29T04:31:17.295" v="1512" actId="478"/>
+          <ac:picMkLst>
+            <pc:docMk/>
+            <pc:sldMk cId="3009159287" sldId="278"/>
+            <ac:picMk id="6" creationId="{BB7A59F0-F217-7776-52EC-DB8079C7303B}"/>
+          </ac:picMkLst>
+        </pc:picChg>
+      </pc:sldChg>
+      <pc:sldChg chg="addSp modSp add mod ord">
+        <pc:chgData name="Joshua Bracefield" userId="d64b1e77-fcfe-4377-8f23-1bdeb7587d81" providerId="ADAL" clId="{C0F4E1A6-7104-0640-BD35-2B61C4A67323}" dt="2022-05-29T05:42:34.701" v="1863" actId="2165"/>
+        <pc:sldMkLst>
+          <pc:docMk/>
+          <pc:sldMk cId="771560408" sldId="279"/>
+        </pc:sldMkLst>
+        <pc:spChg chg="mod">
+          <ac:chgData name="Joshua Bracefield" userId="d64b1e77-fcfe-4377-8f23-1bdeb7587d81" providerId="ADAL" clId="{C0F4E1A6-7104-0640-BD35-2B61C4A67323}" dt="2022-05-29T05:33:57.359" v="1529" actId="20577"/>
+          <ac:spMkLst>
+            <pc:docMk/>
+            <pc:sldMk cId="771560408" sldId="279"/>
+            <ac:spMk id="91" creationId="{00000000-0000-0000-0000-000000000000}"/>
+          </ac:spMkLst>
+        </pc:spChg>
+        <pc:graphicFrameChg chg="add mod">
+          <ac:chgData name="Joshua Bracefield" userId="d64b1e77-fcfe-4377-8f23-1bdeb7587d81" providerId="ADAL" clId="{C0F4E1A6-7104-0640-BD35-2B61C4A67323}" dt="2022-05-29T05:42:18.005" v="1861" actId="571"/>
+          <ac:graphicFrameMkLst>
+            <pc:docMk/>
+            <pc:sldMk cId="771560408" sldId="279"/>
+            <ac:graphicFrameMk id="4" creationId="{C863AE01-370C-3056-43D0-DDA2C1E61EFA}"/>
+          </ac:graphicFrameMkLst>
+        </pc:graphicFrameChg>
+        <pc:graphicFrameChg chg="mod modGraphic">
+          <ac:chgData name="Joshua Bracefield" userId="d64b1e77-fcfe-4377-8f23-1bdeb7587d81" providerId="ADAL" clId="{C0F4E1A6-7104-0640-BD35-2B61C4A67323}" dt="2022-05-29T05:42:34.701" v="1863" actId="2165"/>
+          <ac:graphicFrameMkLst>
+            <pc:docMk/>
+            <pc:sldMk cId="771560408" sldId="279"/>
+            <ac:graphicFrameMk id="92" creationId="{00000000-0000-0000-0000-000000000000}"/>
+          </ac:graphicFrameMkLst>
+        </pc:graphicFrameChg>
+      </pc:sldChg>
+      <pc:sldChg chg="addSp delSp modSp add mod ord">
+        <pc:chgData name="Joshua Bracefield" userId="d64b1e77-fcfe-4377-8f23-1bdeb7587d81" providerId="ADAL" clId="{C0F4E1A6-7104-0640-BD35-2B61C4A67323}" dt="2022-05-29T05:49:46.503" v="2186" actId="20577"/>
+        <pc:sldMkLst>
+          <pc:docMk/>
+          <pc:sldMk cId="547581270" sldId="280"/>
+        </pc:sldMkLst>
+        <pc:spChg chg="mod">
+          <ac:chgData name="Joshua Bracefield" userId="d64b1e77-fcfe-4377-8f23-1bdeb7587d81" providerId="ADAL" clId="{C0F4E1A6-7104-0640-BD35-2B61C4A67323}" dt="2022-05-29T05:49:46.503" v="2186" actId="20577"/>
+          <ac:spMkLst>
+            <pc:docMk/>
+            <pc:sldMk cId="547581270" sldId="280"/>
+            <ac:spMk id="2" creationId="{1CC5D32F-7C18-4D00-8D54-2FB046F0A206}"/>
+          </ac:spMkLst>
+        </pc:spChg>
+        <pc:picChg chg="add mod">
+          <ac:chgData name="Joshua Bracefield" userId="d64b1e77-fcfe-4377-8f23-1bdeb7587d81" providerId="ADAL" clId="{C0F4E1A6-7104-0640-BD35-2B61C4A67323}" dt="2022-05-29T05:41:38.362" v="1846" actId="1076"/>
+          <ac:picMkLst>
+            <pc:docMk/>
+            <pc:sldMk cId="547581270" sldId="280"/>
+            <ac:picMk id="4" creationId="{57D73009-3D97-D1D1-4A2A-5959A9FEFF5A}"/>
+          </ac:picMkLst>
+        </pc:picChg>
+        <pc:picChg chg="del">
+          <ac:chgData name="Joshua Bracefield" userId="d64b1e77-fcfe-4377-8f23-1bdeb7587d81" providerId="ADAL" clId="{C0F4E1A6-7104-0640-BD35-2B61C4A67323}" dt="2022-05-29T05:38:07.382" v="1837" actId="478"/>
+          <ac:picMkLst>
+            <pc:docMk/>
+            <pc:sldMk cId="547581270" sldId="280"/>
+            <ac:picMk id="5" creationId="{AE2C1538-8B28-4E9A-366E-7C566D6133BC}"/>
+          </ac:picMkLst>
+        </pc:picChg>
+        <pc:picChg chg="add mod">
+          <ac:chgData name="Joshua Bracefield" userId="d64b1e77-fcfe-4377-8f23-1bdeb7587d81" providerId="ADAL" clId="{C0F4E1A6-7104-0640-BD35-2B61C4A67323}" dt="2022-05-29T05:41:49.030" v="1851" actId="1076"/>
+          <ac:picMkLst>
+            <pc:docMk/>
+            <pc:sldMk cId="547581270" sldId="280"/>
+            <ac:picMk id="7" creationId="{B0032757-90D6-59D6-5989-336B066E1AF7}"/>
+          </ac:picMkLst>
+        </pc:picChg>
+        <pc:picChg chg="del">
+          <ac:chgData name="Joshua Bracefield" userId="d64b1e77-fcfe-4377-8f23-1bdeb7587d81" providerId="ADAL" clId="{C0F4E1A6-7104-0640-BD35-2B61C4A67323}" dt="2022-05-29T05:38:05.859" v="1836" actId="478"/>
+          <ac:picMkLst>
+            <pc:docMk/>
+            <pc:sldMk cId="547581270" sldId="280"/>
+            <ac:picMk id="9" creationId="{1F748FBA-8EFF-F542-D11B-6269A559B97B}"/>
+          </ac:picMkLst>
+        </pc:picChg>
+      </pc:sldChg>
+      <pc:sldChg chg="addSp delSp modSp add mod ord">
+        <pc:chgData name="Joshua Bracefield" userId="d64b1e77-fcfe-4377-8f23-1bdeb7587d81" providerId="ADAL" clId="{C0F4E1A6-7104-0640-BD35-2B61C4A67323}" dt="2022-05-29T05:43:09.133" v="1870" actId="962"/>
+        <pc:sldMkLst>
+          <pc:docMk/>
+          <pc:sldMk cId="502470858" sldId="281"/>
+        </pc:sldMkLst>
+        <pc:picChg chg="del">
+          <ac:chgData name="Joshua Bracefield" userId="d64b1e77-fcfe-4377-8f23-1bdeb7587d81" providerId="ADAL" clId="{C0F4E1A6-7104-0640-BD35-2B61C4A67323}" dt="2022-05-29T05:42:56.663" v="1867" actId="478"/>
+          <ac:picMkLst>
+            <pc:docMk/>
+            <pc:sldMk cId="502470858" sldId="281"/>
+            <ac:picMk id="4" creationId="{2B7682DA-4783-70DB-5F3F-9D034C334619}"/>
+          </ac:picMkLst>
+        </pc:picChg>
+        <pc:picChg chg="add mod">
+          <ac:chgData name="Joshua Bracefield" userId="d64b1e77-fcfe-4377-8f23-1bdeb7587d81" providerId="ADAL" clId="{C0F4E1A6-7104-0640-BD35-2B61C4A67323}" dt="2022-05-29T05:43:09.133" v="1870" actId="962"/>
+          <ac:picMkLst>
+            <pc:docMk/>
+            <pc:sldMk cId="502470858" sldId="281"/>
+            <ac:picMk id="5" creationId="{0A2667C8-8424-AB81-2BF5-A996BCD22D07}"/>
+          </ac:picMkLst>
+        </pc:picChg>
+      </pc:sldChg>
+      <pc:sldChg chg="addSp delSp modSp add mod ord">
+        <pc:chgData name="Joshua Bracefield" userId="d64b1e77-fcfe-4377-8f23-1bdeb7587d81" providerId="ADAL" clId="{C0F4E1A6-7104-0640-BD35-2B61C4A67323}" dt="2022-05-29T05:48:27.422" v="2156" actId="1076"/>
+        <pc:sldMkLst>
+          <pc:docMk/>
+          <pc:sldMk cId="1513620004" sldId="282"/>
+        </pc:sldMkLst>
+        <pc:spChg chg="add del mod">
+          <ac:chgData name="Joshua Bracefield" userId="d64b1e77-fcfe-4377-8f23-1bdeb7587d81" providerId="ADAL" clId="{C0F4E1A6-7104-0640-BD35-2B61C4A67323}" dt="2022-05-29T05:46:49.489" v="1889" actId="478"/>
+          <ac:spMkLst>
+            <pc:docMk/>
+            <pc:sldMk cId="1513620004" sldId="282"/>
+            <ac:spMk id="3" creationId="{DB0DFAAF-A299-6AA2-4AEA-53B5E82039A8}"/>
+          </ac:spMkLst>
+        </pc:spChg>
+        <pc:spChg chg="add mod">
+          <ac:chgData name="Joshua Bracefield" userId="d64b1e77-fcfe-4377-8f23-1bdeb7587d81" providerId="ADAL" clId="{C0F4E1A6-7104-0640-BD35-2B61C4A67323}" dt="2022-05-29T05:48:27.422" v="2156" actId="1076"/>
+          <ac:spMkLst>
+            <pc:docMk/>
+            <pc:sldMk cId="1513620004" sldId="282"/>
+            <ac:spMk id="4" creationId="{70C573CE-07BB-68B4-D443-A94A6FB7B266}"/>
+          </ac:spMkLst>
+        </pc:spChg>
+        <pc:spChg chg="del mod">
+          <ac:chgData name="Joshua Bracefield" userId="d64b1e77-fcfe-4377-8f23-1bdeb7587d81" providerId="ADAL" clId="{C0F4E1A6-7104-0640-BD35-2B61C4A67323}" dt="2022-05-29T05:46:47.516" v="1888" actId="478"/>
+          <ac:spMkLst>
+            <pc:docMk/>
+            <pc:sldMk cId="1513620004" sldId="282"/>
+            <ac:spMk id="91" creationId="{00000000-0000-0000-0000-000000000000}"/>
+          </ac:spMkLst>
+        </pc:spChg>
+        <pc:graphicFrameChg chg="del modGraphic">
+          <ac:chgData name="Joshua Bracefield" userId="d64b1e77-fcfe-4377-8f23-1bdeb7587d81" providerId="ADAL" clId="{C0F4E1A6-7104-0640-BD35-2B61C4A67323}" dt="2022-05-29T05:46:36.488" v="1883" actId="478"/>
+          <ac:graphicFrameMkLst>
+            <pc:docMk/>
+            <pc:sldMk cId="1513620004" sldId="282"/>
+            <ac:graphicFrameMk id="92" creationId="{00000000-0000-0000-0000-000000000000}"/>
+          </ac:graphicFrameMkLst>
+        </pc:graphicFrameChg>
+      </pc:sldChg>
+      <pc:sldChg chg="modSp add mod ord">
+        <pc:chgData name="Joshua Bracefield" userId="d64b1e77-fcfe-4377-8f23-1bdeb7587d81" providerId="ADAL" clId="{C0F4E1A6-7104-0640-BD35-2B61C4A67323}" dt="2022-05-29T05:59:37.961" v="2608" actId="20578"/>
+        <pc:sldMkLst>
+          <pc:docMk/>
+          <pc:sldMk cId="2078830213" sldId="283"/>
+        </pc:sldMkLst>
+        <pc:spChg chg="mod">
+          <ac:chgData name="Joshua Bracefield" userId="d64b1e77-fcfe-4377-8f23-1bdeb7587d81" providerId="ADAL" clId="{C0F4E1A6-7104-0640-BD35-2B61C4A67323}" dt="2022-05-29T05:51:17.209" v="2211" actId="1076"/>
+          <ac:spMkLst>
+            <pc:docMk/>
+            <pc:sldMk cId="2078830213" sldId="283"/>
+            <ac:spMk id="4" creationId="{70C573CE-07BB-68B4-D443-A94A6FB7B266}"/>
+          </ac:spMkLst>
+        </pc:spChg>
+      </pc:sldChg>
+      <pc:sldChg chg="addSp delSp modSp add mod ord">
+        <pc:chgData name="Joshua Bracefield" userId="d64b1e77-fcfe-4377-8f23-1bdeb7587d81" providerId="ADAL" clId="{C0F4E1A6-7104-0640-BD35-2B61C4A67323}" dt="2022-05-29T05:50:52.350" v="2193" actId="1076"/>
+        <pc:sldMkLst>
+          <pc:docMk/>
+          <pc:sldMk cId="2756871743" sldId="284"/>
+        </pc:sldMkLst>
+        <pc:picChg chg="add mod">
+          <ac:chgData name="Joshua Bracefield" userId="d64b1e77-fcfe-4377-8f23-1bdeb7587d81" providerId="ADAL" clId="{C0F4E1A6-7104-0640-BD35-2B61C4A67323}" dt="2022-05-29T05:50:52.350" v="2193" actId="1076"/>
+          <ac:picMkLst>
+            <pc:docMk/>
+            <pc:sldMk cId="2756871743" sldId="284"/>
+            <ac:picMk id="4" creationId="{443C2590-A2E1-482E-8EEF-1A0422FFCC35}"/>
+          </ac:picMkLst>
+        </pc:picChg>
+        <pc:picChg chg="del">
+          <ac:chgData name="Joshua Bracefield" userId="d64b1e77-fcfe-4377-8f23-1bdeb7587d81" providerId="ADAL" clId="{C0F4E1A6-7104-0640-BD35-2B61C4A67323}" dt="2022-05-29T05:50:25.117" v="2188" actId="478"/>
+          <ac:picMkLst>
+            <pc:docMk/>
+            <pc:sldMk cId="2756871743" sldId="284"/>
+            <ac:picMk id="5" creationId="{0A2667C8-8424-AB81-2BF5-A996BCD22D07}"/>
+          </ac:picMkLst>
+        </pc:picChg>
+      </pc:sldChg>
+      <pc:sldChg chg="addSp delSp modSp add mod ord">
+        <pc:chgData name="Joshua Bracefield" userId="d64b1e77-fcfe-4377-8f23-1bdeb7587d81" providerId="ADAL" clId="{C0F4E1A6-7104-0640-BD35-2B61C4A67323}" dt="2022-05-29T05:55:35.504" v="2312" actId="20577"/>
+        <pc:sldMkLst>
+          <pc:docMk/>
+          <pc:sldMk cId="747197995" sldId="285"/>
+        </pc:sldMkLst>
+        <pc:spChg chg="mod">
+          <ac:chgData name="Joshua Bracefield" userId="d64b1e77-fcfe-4377-8f23-1bdeb7587d81" providerId="ADAL" clId="{C0F4E1A6-7104-0640-BD35-2B61C4A67323}" dt="2022-05-29T05:55:35.504" v="2312" actId="20577"/>
+          <ac:spMkLst>
+            <pc:docMk/>
+            <pc:sldMk cId="747197995" sldId="285"/>
+            <ac:spMk id="2" creationId="{1CC5D32F-7C18-4D00-8D54-2FB046F0A206}"/>
+          </ac:spMkLst>
+        </pc:spChg>
+        <pc:spChg chg="add mod">
+          <ac:chgData name="Joshua Bracefield" userId="d64b1e77-fcfe-4377-8f23-1bdeb7587d81" providerId="ADAL" clId="{C0F4E1A6-7104-0640-BD35-2B61C4A67323}" dt="2022-05-29T05:54:41.655" v="2304" actId="20577"/>
+          <ac:spMkLst>
+            <pc:docMk/>
+            <pc:sldMk cId="747197995" sldId="285"/>
+            <ac:spMk id="6" creationId="{3A6D93E0-02EC-CB01-60A2-AC59702A54AD}"/>
+          </ac:spMkLst>
+        </pc:spChg>
+        <pc:picChg chg="del">
+          <ac:chgData name="Joshua Bracefield" userId="d64b1e77-fcfe-4377-8f23-1bdeb7587d81" providerId="ADAL" clId="{C0F4E1A6-7104-0640-BD35-2B61C4A67323}" dt="2022-05-29T05:51:28.659" v="2212" actId="478"/>
+          <ac:picMkLst>
+            <pc:docMk/>
+            <pc:sldMk cId="747197995" sldId="285"/>
+            <ac:picMk id="4" creationId="{57D73009-3D97-D1D1-4A2A-5959A9FEFF5A}"/>
+          </ac:picMkLst>
+        </pc:picChg>
+        <pc:picChg chg="add mod">
+          <ac:chgData name="Joshua Bracefield" userId="d64b1e77-fcfe-4377-8f23-1bdeb7587d81" providerId="ADAL" clId="{C0F4E1A6-7104-0640-BD35-2B61C4A67323}" dt="2022-05-29T05:53:46.357" v="2235" actId="1076"/>
+          <ac:picMkLst>
+            <pc:docMk/>
+            <pc:sldMk cId="747197995" sldId="285"/>
+            <ac:picMk id="5" creationId="{F9D0E288-2129-ADF2-9EAE-A723CDB717A7}"/>
+          </ac:picMkLst>
+        </pc:picChg>
+        <pc:picChg chg="del">
+          <ac:chgData name="Joshua Bracefield" userId="d64b1e77-fcfe-4377-8f23-1bdeb7587d81" providerId="ADAL" clId="{C0F4E1A6-7104-0640-BD35-2B61C4A67323}" dt="2022-05-29T05:51:29.021" v="2213" actId="478"/>
+          <ac:picMkLst>
+            <pc:docMk/>
+            <pc:sldMk cId="747197995" sldId="285"/>
+            <ac:picMk id="7" creationId="{B0032757-90D6-59D6-5989-336B066E1AF7}"/>
+          </ac:picMkLst>
+        </pc:picChg>
+      </pc:sldChg>
+      <pc:sldChg chg="addSp delSp modSp add mod ord">
+        <pc:chgData name="Joshua Bracefield" userId="d64b1e77-fcfe-4377-8f23-1bdeb7587d81" providerId="ADAL" clId="{C0F4E1A6-7104-0640-BD35-2B61C4A67323}" dt="2022-05-29T05:59:31.625" v="2607" actId="1076"/>
+        <pc:sldMkLst>
+          <pc:docMk/>
+          <pc:sldMk cId="3674868052" sldId="286"/>
+        </pc:sldMkLst>
+        <pc:spChg chg="mod">
+          <ac:chgData name="Joshua Bracefield" userId="d64b1e77-fcfe-4377-8f23-1bdeb7587d81" providerId="ADAL" clId="{C0F4E1A6-7104-0640-BD35-2B61C4A67323}" dt="2022-05-29T05:56:21.529" v="2567" actId="20577"/>
+          <ac:spMkLst>
+            <pc:docMk/>
+            <pc:sldMk cId="3674868052" sldId="286"/>
+            <ac:spMk id="2" creationId="{1CC5D32F-7C18-4D00-8D54-2FB046F0A206}"/>
+          </ac:spMkLst>
+        </pc:spChg>
+        <pc:spChg chg="add mod">
+          <ac:chgData name="Joshua Bracefield" userId="d64b1e77-fcfe-4377-8f23-1bdeb7587d81" providerId="ADAL" clId="{C0F4E1A6-7104-0640-BD35-2B61C4A67323}" dt="2022-05-29T05:59:31.625" v="2607" actId="1076"/>
+          <ac:spMkLst>
+            <pc:docMk/>
+            <pc:sldMk cId="3674868052" sldId="286"/>
+            <ac:spMk id="6" creationId="{08886370-165B-38D0-2BD9-20E92B31FF67}"/>
+          </ac:spMkLst>
+        </pc:spChg>
+        <pc:picChg chg="del">
+          <ac:chgData name="Joshua Bracefield" userId="d64b1e77-fcfe-4377-8f23-1bdeb7587d81" providerId="ADAL" clId="{C0F4E1A6-7104-0640-BD35-2B61C4A67323}" dt="2022-05-29T05:49:16.569" v="2167" actId="478"/>
+          <ac:picMkLst>
+            <pc:docMk/>
+            <pc:sldMk cId="3674868052" sldId="286"/>
+            <ac:picMk id="4" creationId="{57D73009-3D97-D1D1-4A2A-5959A9FEFF5A}"/>
+          </ac:picMkLst>
+        </pc:picChg>
+        <pc:picChg chg="add mod">
+          <ac:chgData name="Joshua Bracefield" userId="d64b1e77-fcfe-4377-8f23-1bdeb7587d81" providerId="ADAL" clId="{C0F4E1A6-7104-0640-BD35-2B61C4A67323}" dt="2022-05-29T05:59:10.645" v="2570" actId="962"/>
+          <ac:picMkLst>
+            <pc:docMk/>
+            <pc:sldMk cId="3674868052" sldId="286"/>
+            <ac:picMk id="5" creationId="{7BAF3B4F-AE41-097A-90E5-A68BEE821F58}"/>
+          </ac:picMkLst>
+        </pc:picChg>
+        <pc:picChg chg="del">
+          <ac:chgData name="Joshua Bracefield" userId="d64b1e77-fcfe-4377-8f23-1bdeb7587d81" providerId="ADAL" clId="{C0F4E1A6-7104-0640-BD35-2B61C4A67323}" dt="2022-05-29T05:49:16.993" v="2168" actId="478"/>
+          <ac:picMkLst>
+            <pc:docMk/>
+            <pc:sldMk cId="3674868052" sldId="286"/>
+            <ac:picMk id="7" creationId="{B0032757-90D6-59D6-5989-336B066E1AF7}"/>
+          </ac:picMkLst>
+        </pc:picChg>
       </pc:sldChg>
     </pc:docChg>
   </pc:docChgLst>
@@ -395,7 +901,7 @@
           <a:p>
             <a:fld id="{F37D28C0-BEB6-42B0-A203-EEE1023219C4}" type="datetimeFigureOut">
               <a:rPr lang="en-NZ" smtClean="0"/>
-              <a:t>26/05/22</a:t>
+              <a:t>29/05/22</a:t>
             </a:fld>
             <a:endParaRPr lang="en-NZ"/>
           </a:p>
@@ -750,7 +1256,7 @@
 </p:notes>
 </file>
 
-<file path=ppt/notesSlides/notesSlide2.xml><?xml version="1.0" encoding="utf-8"?>
+<file path=ppt/notesSlides/notesSlide10.xml><?xml version="1.0" encoding="utf-8"?>
 <p:notes xmlns:a="http://schemas.openxmlformats.org/drawingml/2006/main" xmlns:r="http://schemas.openxmlformats.org/officeDocument/2006/relationships" xmlns:p="http://schemas.openxmlformats.org/presentationml/2006/main">
   <p:cSld>
     <p:spTree>
@@ -865,7 +1371,7 @@
           <a:p>
             <a:fld id="{D89B2B17-F4B1-4A14-AF99-5A366D45E74A}" type="slidenum">
               <a:rPr lang="en-NZ" smtClean="0"/>
-              <a:t>4</a:t>
+              <a:t>12</a:t>
             </a:fld>
             <a:endParaRPr lang="en-NZ"/>
           </a:p>
@@ -874,7 +1380,7 @@
     </p:spTree>
     <p:extLst>
       <p:ext uri="{BB962C8B-B14F-4D97-AF65-F5344CB8AC3E}">
-        <p14:creationId xmlns:p14="http://schemas.microsoft.com/office/powerpoint/2010/main" val="992946406"/>
+        <p14:creationId xmlns:p14="http://schemas.microsoft.com/office/powerpoint/2010/main" val="1000244918"/>
       </p:ext>
     </p:extLst>
   </p:cSld>
@@ -884,12 +1390,12 @@
 </p:notes>
 </file>
 
-<file path=ppt/notesSlides/notesSlide3.xml><?xml version="1.0" encoding="utf-8"?>
+<file path=ppt/notesSlides/notesSlide11.xml><?xml version="1.0" encoding="utf-8"?>
 <p:notes xmlns:a="http://schemas.openxmlformats.org/drawingml/2006/main" xmlns:r="http://schemas.openxmlformats.org/officeDocument/2006/relationships" xmlns:p="http://schemas.openxmlformats.org/presentationml/2006/main" showMasterSp="0" showMasterPhAnim="0">
   <p:cSld>
     <p:spTree>
       <p:nvGrpSpPr>
-        <p:cNvPr id="1" name="Shape 82"/>
+        <p:cNvPr id="1" name="Shape 87"/>
         <p:cNvGrpSpPr/>
         <p:nvPr/>
       </p:nvGrpSpPr>
@@ -903,7 +1409,7 @@
       </p:grpSpPr>
       <p:sp>
         <p:nvSpPr>
-          <p:cNvPr id="83" name="Google Shape;83;g5f5670a123_0_13:notes"/>
+          <p:cNvPr id="88" name="Google Shape;88;g5f5670a123_0_30:notes"/>
           <p:cNvSpPr>
             <a:spLocks noGrp="1" noRot="1" noChangeAspect="1"/>
           </p:cNvSpPr>
@@ -944,7 +1450,7 @@
       </p:sp>
       <p:sp>
         <p:nvSpPr>
-          <p:cNvPr id="84" name="Google Shape;84;g5f5670a123_0_13:notes"/>
+          <p:cNvPr id="89" name="Google Shape;89;g5f5670a123_0_30:notes"/>
           <p:cNvSpPr txBox="1">
             <a:spLocks noGrp="1"/>
           </p:cNvSpPr>
@@ -967,6 +1473,29 @@
           </a:bodyPr>
           <a:lstStyle/>
           <a:p>
+            <a:pPr marL="0" marR="0" lvl="0" indent="0" algn="l" defTabSz="914400" rtl="0" eaLnBrk="1" fontAlgn="auto" latinLnBrk="0" hangingPunct="1">
+              <a:lnSpc>
+                <a:spcPct val="100000"/>
+              </a:lnSpc>
+              <a:spcBef>
+                <a:spcPts val="0"/>
+              </a:spcBef>
+              <a:spcAft>
+                <a:spcPts val="0"/>
+              </a:spcAft>
+              <a:buClrTx/>
+              <a:buSzTx/>
+              <a:buFontTx/>
+              <a:buNone/>
+              <a:tabLst/>
+              <a:defRPr/>
+            </a:pPr>
+            <a:r>
+              <a:rPr lang="en-NZ" dirty="0"/>
+              <a:t>Additional rows can be added by clicking in the last cell and then using the Tab key </a:t>
+            </a:r>
+          </a:p>
+          <a:p>
             <a:pPr marL="0" lvl="0" indent="0" algn="l" rtl="0">
               <a:spcBef>
                 <a:spcPts val="0"/>
@@ -976,11 +1505,16 @@
               </a:spcAft>
               <a:buNone/>
             </a:pPr>
-            <a:endParaRPr/>
+            <a:endParaRPr dirty="0"/>
           </a:p>
         </p:txBody>
       </p:sp>
     </p:spTree>
+    <p:extLst>
+      <p:ext uri="{BB962C8B-B14F-4D97-AF65-F5344CB8AC3E}">
+        <p14:creationId xmlns:p14="http://schemas.microsoft.com/office/powerpoint/2010/main" val="3810781412"/>
+      </p:ext>
+    </p:extLst>
   </p:cSld>
   <p:clrMapOvr>
     <a:masterClrMapping/>
@@ -988,7 +1522,240 @@
 </p:notes>
 </file>
 
-<file path=ppt/notesSlides/notesSlide4.xml><?xml version="1.0" encoding="utf-8"?>
+<file path=ppt/notesSlides/notesSlide12.xml><?xml version="1.0" encoding="utf-8"?>
+<p:notes xmlns:a="http://schemas.openxmlformats.org/drawingml/2006/main" xmlns:r="http://schemas.openxmlformats.org/officeDocument/2006/relationships" xmlns:p="http://schemas.openxmlformats.org/presentationml/2006/main">
+  <p:cSld>
+    <p:spTree>
+      <p:nvGrpSpPr>
+        <p:cNvPr id="1" name=""/>
+        <p:cNvGrpSpPr/>
+        <p:nvPr/>
+      </p:nvGrpSpPr>
+      <p:grpSpPr>
+        <a:xfrm>
+          <a:off x="0" y="0"/>
+          <a:ext cx="0" cy="0"/>
+          <a:chOff x="0" y="0"/>
+          <a:chExt cx="0" cy="0"/>
+        </a:xfrm>
+      </p:grpSpPr>
+      <p:sp>
+        <p:nvSpPr>
+          <p:cNvPr id="2" name="Slide Image Placeholder 1"/>
+          <p:cNvSpPr>
+            <a:spLocks noGrp="1" noRot="1" noChangeAspect="1"/>
+          </p:cNvSpPr>
+          <p:nvPr>
+            <p:ph type="sldImg"/>
+          </p:nvPr>
+        </p:nvSpPr>
+        <p:spPr/>
+      </p:sp>
+      <p:sp>
+        <p:nvSpPr>
+          <p:cNvPr id="3" name="Notes Placeholder 2"/>
+          <p:cNvSpPr>
+            <a:spLocks noGrp="1"/>
+          </p:cNvSpPr>
+          <p:nvPr>
+            <p:ph type="body" idx="1"/>
+          </p:nvPr>
+        </p:nvSpPr>
+        <p:spPr/>
+        <p:txBody>
+          <a:bodyPr/>
+          <a:lstStyle/>
+          <a:p>
+            <a:pPr>
+              <a:lnSpc>
+                <a:spcPct val="115000"/>
+              </a:lnSpc>
+            </a:pPr>
+            <a:r>
+              <a:rPr lang="en-NZ" i="1" dirty="0">
+                <a:latin typeface="Arial" panose="020B0604020202020204" pitchFamily="34" charset="0"/>
+                <a:ea typeface="Arial" panose="020B0604020202020204" pitchFamily="34" charset="0"/>
+              </a:rPr>
+              <a:t>You must show the results of testing. For each component, include a screenshot proving it works.  You can also include notes about each test. </a:t>
+            </a:r>
+            <a:endParaRPr lang="en-NZ" dirty="0">
+              <a:latin typeface="Arial" panose="020B0604020202020204" pitchFamily="34" charset="0"/>
+              <a:ea typeface="Arial" panose="020B0604020202020204" pitchFamily="34" charset="0"/>
+            </a:endParaRPr>
+          </a:p>
+        </p:txBody>
+      </p:sp>
+      <p:sp>
+        <p:nvSpPr>
+          <p:cNvPr id="4" name="Slide Number Placeholder 3"/>
+          <p:cNvSpPr>
+            <a:spLocks noGrp="1"/>
+          </p:cNvSpPr>
+          <p:nvPr>
+            <p:ph type="sldNum" sz="quarter" idx="5"/>
+          </p:nvPr>
+        </p:nvSpPr>
+        <p:spPr/>
+        <p:txBody>
+          <a:bodyPr/>
+          <a:lstStyle/>
+          <a:p>
+            <a:fld id="{D89B2B17-F4B1-4A14-AF99-5A366D45E74A}" type="slidenum">
+              <a:rPr lang="en-NZ" smtClean="0"/>
+              <a:t>14</a:t>
+            </a:fld>
+            <a:endParaRPr lang="en-NZ"/>
+          </a:p>
+        </p:txBody>
+      </p:sp>
+    </p:spTree>
+    <p:extLst>
+      <p:ext uri="{BB962C8B-B14F-4D97-AF65-F5344CB8AC3E}">
+        <p14:creationId xmlns:p14="http://schemas.microsoft.com/office/powerpoint/2010/main" val="150691542"/>
+      </p:ext>
+    </p:extLst>
+  </p:cSld>
+  <p:clrMapOvr>
+    <a:masterClrMapping/>
+  </p:clrMapOvr>
+</p:notes>
+</file>
+
+<file path=ppt/notesSlides/notesSlide13.xml><?xml version="1.0" encoding="utf-8"?>
+<p:notes xmlns:a="http://schemas.openxmlformats.org/drawingml/2006/main" xmlns:r="http://schemas.openxmlformats.org/officeDocument/2006/relationships" xmlns:p="http://schemas.openxmlformats.org/presentationml/2006/main">
+  <p:cSld>
+    <p:spTree>
+      <p:nvGrpSpPr>
+        <p:cNvPr id="1" name=""/>
+        <p:cNvGrpSpPr/>
+        <p:nvPr/>
+      </p:nvGrpSpPr>
+      <p:grpSpPr>
+        <a:xfrm>
+          <a:off x="0" y="0"/>
+          <a:ext cx="0" cy="0"/>
+          <a:chOff x="0" y="0"/>
+          <a:chExt cx="0" cy="0"/>
+        </a:xfrm>
+      </p:grpSpPr>
+      <p:sp>
+        <p:nvSpPr>
+          <p:cNvPr id="2" name="Slide Image Placeholder 1"/>
+          <p:cNvSpPr>
+            <a:spLocks noGrp="1" noRot="1" noChangeAspect="1"/>
+          </p:cNvSpPr>
+          <p:nvPr>
+            <p:ph type="sldImg"/>
+          </p:nvPr>
+        </p:nvSpPr>
+        <p:spPr/>
+      </p:sp>
+      <p:sp>
+        <p:nvSpPr>
+          <p:cNvPr id="3" name="Notes Placeholder 2"/>
+          <p:cNvSpPr>
+            <a:spLocks noGrp="1"/>
+          </p:cNvSpPr>
+          <p:nvPr>
+            <p:ph type="body" idx="1"/>
+          </p:nvPr>
+        </p:nvSpPr>
+        <p:spPr/>
+        <p:txBody>
+          <a:bodyPr/>
+          <a:lstStyle/>
+          <a:p>
+            <a:pPr marL="0" marR="0" lvl="0" indent="0" algn="l" defTabSz="914400" rtl="0" eaLnBrk="1" fontAlgn="auto" latinLnBrk="0" hangingPunct="1">
+              <a:lnSpc>
+                <a:spcPct val="100000"/>
+              </a:lnSpc>
+              <a:spcBef>
+                <a:spcPts val="0"/>
+              </a:spcBef>
+              <a:spcAft>
+                <a:spcPts val="0"/>
+              </a:spcAft>
+              <a:buClrTx/>
+              <a:buSzTx/>
+              <a:buFontTx/>
+              <a:buNone/>
+              <a:tabLst/>
+              <a:defRPr/>
+            </a:pPr>
+            <a:r>
+              <a:rPr lang="en-NZ" i="1" dirty="0"/>
+              <a:t>Paste screenshots of your initial Trello board / task decomposition on this slide.  If you have a long list, you might need to break it up into several slides. </a:t>
+            </a:r>
+            <a:r>
+              <a:rPr lang="en-NZ" dirty="0">
+                <a:latin typeface="Arial" panose="020B0604020202020204" pitchFamily="34" charset="0"/>
+                <a:ea typeface="Arial" panose="020B0604020202020204" pitchFamily="34" charset="0"/>
+              </a:rPr>
+              <a:t> </a:t>
+            </a:r>
+          </a:p>
+          <a:p>
+            <a:pPr marL="0" marR="0" lvl="0" indent="0" algn="l" defTabSz="914400" rtl="0" eaLnBrk="1" fontAlgn="auto" latinLnBrk="0" hangingPunct="1">
+              <a:lnSpc>
+                <a:spcPct val="100000"/>
+              </a:lnSpc>
+              <a:spcBef>
+                <a:spcPts val="0"/>
+              </a:spcBef>
+              <a:spcAft>
+                <a:spcPts val="0"/>
+              </a:spcAft>
+              <a:buClrTx/>
+              <a:buSzTx/>
+              <a:buFontTx/>
+              <a:buNone/>
+              <a:tabLst/>
+              <a:defRPr/>
+            </a:pPr>
+            <a:endParaRPr lang="en-NZ" dirty="0"/>
+          </a:p>
+          <a:p>
+            <a:endParaRPr lang="en-NZ" dirty="0"/>
+          </a:p>
+        </p:txBody>
+      </p:sp>
+      <p:sp>
+        <p:nvSpPr>
+          <p:cNvPr id="4" name="Slide Number Placeholder 3"/>
+          <p:cNvSpPr>
+            <a:spLocks noGrp="1"/>
+          </p:cNvSpPr>
+          <p:nvPr>
+            <p:ph type="sldNum" sz="quarter" idx="5"/>
+          </p:nvPr>
+        </p:nvSpPr>
+        <p:spPr/>
+        <p:txBody>
+          <a:bodyPr/>
+          <a:lstStyle/>
+          <a:p>
+            <a:fld id="{D89B2B17-F4B1-4A14-AF99-5A366D45E74A}" type="slidenum">
+              <a:rPr lang="en-NZ" smtClean="0"/>
+              <a:t>15</a:t>
+            </a:fld>
+            <a:endParaRPr lang="en-NZ"/>
+          </a:p>
+        </p:txBody>
+      </p:sp>
+    </p:spTree>
+    <p:extLst>
+      <p:ext uri="{BB962C8B-B14F-4D97-AF65-F5344CB8AC3E}">
+        <p14:creationId xmlns:p14="http://schemas.microsoft.com/office/powerpoint/2010/main" val="3642958005"/>
+      </p:ext>
+    </p:extLst>
+  </p:cSld>
+  <p:clrMapOvr>
+    <a:masterClrMapping/>
+  </p:clrMapOvr>
+</p:notes>
+</file>
+
+<file path=ppt/notesSlides/notesSlide14.xml><?xml version="1.0" encoding="utf-8"?>
 <p:notes xmlns:a="http://schemas.openxmlformats.org/drawingml/2006/main" xmlns:r="http://schemas.openxmlformats.org/officeDocument/2006/relationships" xmlns:p="http://schemas.openxmlformats.org/presentationml/2006/main" showMasterSp="0" showMasterPhAnim="0">
   <p:cSld>
     <p:spTree>
@@ -1108,6 +1875,1063 @@
         </p:txBody>
       </p:sp>
     </p:spTree>
+    <p:extLst>
+      <p:ext uri="{BB962C8B-B14F-4D97-AF65-F5344CB8AC3E}">
+        <p14:creationId xmlns:p14="http://schemas.microsoft.com/office/powerpoint/2010/main" val="2420434023"/>
+      </p:ext>
+    </p:extLst>
+  </p:cSld>
+  <p:clrMapOvr>
+    <a:masterClrMapping/>
+  </p:clrMapOvr>
+</p:notes>
+</file>
+
+<file path=ppt/notesSlides/notesSlide15.xml><?xml version="1.0" encoding="utf-8"?>
+<p:notes xmlns:a="http://schemas.openxmlformats.org/drawingml/2006/main" xmlns:r="http://schemas.openxmlformats.org/officeDocument/2006/relationships" xmlns:p="http://schemas.openxmlformats.org/presentationml/2006/main">
+  <p:cSld>
+    <p:spTree>
+      <p:nvGrpSpPr>
+        <p:cNvPr id="1" name=""/>
+        <p:cNvGrpSpPr/>
+        <p:nvPr/>
+      </p:nvGrpSpPr>
+      <p:grpSpPr>
+        <a:xfrm>
+          <a:off x="0" y="0"/>
+          <a:ext cx="0" cy="0"/>
+          <a:chOff x="0" y="0"/>
+          <a:chExt cx="0" cy="0"/>
+        </a:xfrm>
+      </p:grpSpPr>
+      <p:sp>
+        <p:nvSpPr>
+          <p:cNvPr id="2" name="Slide Image Placeholder 1"/>
+          <p:cNvSpPr>
+            <a:spLocks noGrp="1" noRot="1" noChangeAspect="1"/>
+          </p:cNvSpPr>
+          <p:nvPr>
+            <p:ph type="sldImg"/>
+          </p:nvPr>
+        </p:nvSpPr>
+        <p:spPr/>
+      </p:sp>
+      <p:sp>
+        <p:nvSpPr>
+          <p:cNvPr id="3" name="Notes Placeholder 2"/>
+          <p:cNvSpPr>
+            <a:spLocks noGrp="1"/>
+          </p:cNvSpPr>
+          <p:nvPr>
+            <p:ph type="body" idx="1"/>
+          </p:nvPr>
+        </p:nvSpPr>
+        <p:spPr/>
+        <p:txBody>
+          <a:bodyPr/>
+          <a:lstStyle/>
+          <a:p>
+            <a:pPr>
+              <a:lnSpc>
+                <a:spcPct val="115000"/>
+              </a:lnSpc>
+            </a:pPr>
+            <a:r>
+              <a:rPr lang="en-NZ" i="1" dirty="0">
+                <a:latin typeface="Arial" panose="020B0604020202020204" pitchFamily="34" charset="0"/>
+                <a:ea typeface="Arial" panose="020B0604020202020204" pitchFamily="34" charset="0"/>
+              </a:rPr>
+              <a:t>You must show the results of testing. For each component, include a screenshot proving it works.  You can also include notes about each test. </a:t>
+            </a:r>
+            <a:endParaRPr lang="en-NZ" dirty="0">
+              <a:latin typeface="Arial" panose="020B0604020202020204" pitchFamily="34" charset="0"/>
+              <a:ea typeface="Arial" panose="020B0604020202020204" pitchFamily="34" charset="0"/>
+            </a:endParaRPr>
+          </a:p>
+        </p:txBody>
+      </p:sp>
+      <p:sp>
+        <p:nvSpPr>
+          <p:cNvPr id="4" name="Slide Number Placeholder 3"/>
+          <p:cNvSpPr>
+            <a:spLocks noGrp="1"/>
+          </p:cNvSpPr>
+          <p:nvPr>
+            <p:ph type="sldNum" sz="quarter" idx="5"/>
+          </p:nvPr>
+        </p:nvSpPr>
+        <p:spPr/>
+        <p:txBody>
+          <a:bodyPr/>
+          <a:lstStyle/>
+          <a:p>
+            <a:fld id="{D89B2B17-F4B1-4A14-AF99-5A366D45E74A}" type="slidenum">
+              <a:rPr lang="en-NZ" smtClean="0"/>
+              <a:t>17</a:t>
+            </a:fld>
+            <a:endParaRPr lang="en-NZ"/>
+          </a:p>
+        </p:txBody>
+      </p:sp>
+    </p:spTree>
+    <p:extLst>
+      <p:ext uri="{BB962C8B-B14F-4D97-AF65-F5344CB8AC3E}">
+        <p14:creationId xmlns:p14="http://schemas.microsoft.com/office/powerpoint/2010/main" val="2179260344"/>
+      </p:ext>
+    </p:extLst>
+  </p:cSld>
+  <p:clrMapOvr>
+    <a:masterClrMapping/>
+  </p:clrMapOvr>
+</p:notes>
+</file>
+
+<file path=ppt/notesSlides/notesSlide16.xml><?xml version="1.0" encoding="utf-8"?>
+<p:notes xmlns:a="http://schemas.openxmlformats.org/drawingml/2006/main" xmlns:r="http://schemas.openxmlformats.org/officeDocument/2006/relationships" xmlns:p="http://schemas.openxmlformats.org/presentationml/2006/main">
+  <p:cSld>
+    <p:spTree>
+      <p:nvGrpSpPr>
+        <p:cNvPr id="1" name=""/>
+        <p:cNvGrpSpPr/>
+        <p:nvPr/>
+      </p:nvGrpSpPr>
+      <p:grpSpPr>
+        <a:xfrm>
+          <a:off x="0" y="0"/>
+          <a:ext cx="0" cy="0"/>
+          <a:chOff x="0" y="0"/>
+          <a:chExt cx="0" cy="0"/>
+        </a:xfrm>
+      </p:grpSpPr>
+      <p:sp>
+        <p:nvSpPr>
+          <p:cNvPr id="2" name="Slide Image Placeholder 1"/>
+          <p:cNvSpPr>
+            <a:spLocks noGrp="1" noRot="1" noChangeAspect="1"/>
+          </p:cNvSpPr>
+          <p:nvPr>
+            <p:ph type="sldImg"/>
+          </p:nvPr>
+        </p:nvSpPr>
+        <p:spPr/>
+      </p:sp>
+      <p:sp>
+        <p:nvSpPr>
+          <p:cNvPr id="3" name="Notes Placeholder 2"/>
+          <p:cNvSpPr>
+            <a:spLocks noGrp="1"/>
+          </p:cNvSpPr>
+          <p:nvPr>
+            <p:ph type="body" idx="1"/>
+          </p:nvPr>
+        </p:nvSpPr>
+        <p:spPr/>
+        <p:txBody>
+          <a:bodyPr/>
+          <a:lstStyle/>
+          <a:p>
+            <a:pPr marL="0" marR="0" lvl="0" indent="0" algn="l" defTabSz="914400" rtl="0" eaLnBrk="1" fontAlgn="auto" latinLnBrk="0" hangingPunct="1">
+              <a:lnSpc>
+                <a:spcPct val="100000"/>
+              </a:lnSpc>
+              <a:spcBef>
+                <a:spcPts val="0"/>
+              </a:spcBef>
+              <a:spcAft>
+                <a:spcPts val="0"/>
+              </a:spcAft>
+              <a:buClrTx/>
+              <a:buSzTx/>
+              <a:buFontTx/>
+              <a:buNone/>
+              <a:tabLst/>
+              <a:defRPr/>
+            </a:pPr>
+            <a:r>
+              <a:rPr lang="en-NZ" i="1" dirty="0"/>
+              <a:t>Paste screenshots of your initial Trello board / task decomposition on this slide.  If you have a long list, you might need to break it up into several slides. </a:t>
+            </a:r>
+            <a:r>
+              <a:rPr lang="en-NZ" dirty="0">
+                <a:latin typeface="Arial" panose="020B0604020202020204" pitchFamily="34" charset="0"/>
+                <a:ea typeface="Arial" panose="020B0604020202020204" pitchFamily="34" charset="0"/>
+              </a:rPr>
+              <a:t> </a:t>
+            </a:r>
+          </a:p>
+          <a:p>
+            <a:pPr marL="0" marR="0" lvl="0" indent="0" algn="l" defTabSz="914400" rtl="0" eaLnBrk="1" fontAlgn="auto" latinLnBrk="0" hangingPunct="1">
+              <a:lnSpc>
+                <a:spcPct val="100000"/>
+              </a:lnSpc>
+              <a:spcBef>
+                <a:spcPts val="0"/>
+              </a:spcBef>
+              <a:spcAft>
+                <a:spcPts val="0"/>
+              </a:spcAft>
+              <a:buClrTx/>
+              <a:buSzTx/>
+              <a:buFontTx/>
+              <a:buNone/>
+              <a:tabLst/>
+              <a:defRPr/>
+            </a:pPr>
+            <a:endParaRPr lang="en-NZ" dirty="0"/>
+          </a:p>
+          <a:p>
+            <a:endParaRPr lang="en-NZ" dirty="0"/>
+          </a:p>
+        </p:txBody>
+      </p:sp>
+      <p:sp>
+        <p:nvSpPr>
+          <p:cNvPr id="4" name="Slide Number Placeholder 3"/>
+          <p:cNvSpPr>
+            <a:spLocks noGrp="1"/>
+          </p:cNvSpPr>
+          <p:nvPr>
+            <p:ph type="sldNum" sz="quarter" idx="5"/>
+          </p:nvPr>
+        </p:nvSpPr>
+        <p:spPr/>
+        <p:txBody>
+          <a:bodyPr/>
+          <a:lstStyle/>
+          <a:p>
+            <a:fld id="{D89B2B17-F4B1-4A14-AF99-5A366D45E74A}" type="slidenum">
+              <a:rPr lang="en-NZ" smtClean="0"/>
+              <a:t>18</a:t>
+            </a:fld>
+            <a:endParaRPr lang="en-NZ"/>
+          </a:p>
+        </p:txBody>
+      </p:sp>
+    </p:spTree>
+    <p:extLst>
+      <p:ext uri="{BB962C8B-B14F-4D97-AF65-F5344CB8AC3E}">
+        <p14:creationId xmlns:p14="http://schemas.microsoft.com/office/powerpoint/2010/main" val="2789412728"/>
+      </p:ext>
+    </p:extLst>
+  </p:cSld>
+  <p:clrMapOvr>
+    <a:masterClrMapping/>
+  </p:clrMapOvr>
+</p:notes>
+</file>
+
+<file path=ppt/notesSlides/notesSlide17.xml><?xml version="1.0" encoding="utf-8"?>
+<p:notes xmlns:a="http://schemas.openxmlformats.org/drawingml/2006/main" xmlns:r="http://schemas.openxmlformats.org/officeDocument/2006/relationships" xmlns:p="http://schemas.openxmlformats.org/presentationml/2006/main" showMasterSp="0" showMasterPhAnim="0">
+  <p:cSld>
+    <p:spTree>
+      <p:nvGrpSpPr>
+        <p:cNvPr id="1" name="Shape 87"/>
+        <p:cNvGrpSpPr/>
+        <p:nvPr/>
+      </p:nvGrpSpPr>
+      <p:grpSpPr>
+        <a:xfrm>
+          <a:off x="0" y="0"/>
+          <a:ext cx="0" cy="0"/>
+          <a:chOff x="0" y="0"/>
+          <a:chExt cx="0" cy="0"/>
+        </a:xfrm>
+      </p:grpSpPr>
+      <p:sp>
+        <p:nvSpPr>
+          <p:cNvPr id="88" name="Google Shape;88;g5f5670a123_0_30:notes"/>
+          <p:cNvSpPr>
+            <a:spLocks noGrp="1" noRot="1" noChangeAspect="1"/>
+          </p:cNvSpPr>
+          <p:nvPr>
+            <p:ph type="sldImg" idx="2"/>
+          </p:nvPr>
+        </p:nvSpPr>
+        <p:spPr>
+          <a:xfrm>
+            <a:off x="381000" y="685800"/>
+            <a:ext cx="6096000" cy="3429000"/>
+          </a:xfrm>
+          <a:custGeom>
+            <a:avLst/>
+            <a:gdLst/>
+            <a:ahLst/>
+            <a:cxnLst/>
+            <a:rect l="l" t="t" r="r" b="b"/>
+            <a:pathLst>
+              <a:path w="120000" h="120000" extrusionOk="0">
+                <a:moveTo>
+                  <a:pt x="0" y="0"/>
+                </a:moveTo>
+                <a:lnTo>
+                  <a:pt x="120000" y="0"/>
+                </a:lnTo>
+                <a:lnTo>
+                  <a:pt x="120000" y="120000"/>
+                </a:lnTo>
+                <a:lnTo>
+                  <a:pt x="0" y="120000"/>
+                </a:lnTo>
+                <a:close/>
+              </a:path>
+            </a:pathLst>
+          </a:custGeom>
+        </p:spPr>
+      </p:sp>
+      <p:sp>
+        <p:nvSpPr>
+          <p:cNvPr id="89" name="Google Shape;89;g5f5670a123_0_30:notes"/>
+          <p:cNvSpPr txBox="1">
+            <a:spLocks noGrp="1"/>
+          </p:cNvSpPr>
+          <p:nvPr>
+            <p:ph type="body" idx="1"/>
+          </p:nvPr>
+        </p:nvSpPr>
+        <p:spPr>
+          <a:xfrm>
+            <a:off x="685800" y="4343400"/>
+            <a:ext cx="5486400" cy="4114800"/>
+          </a:xfrm>
+          <a:prstGeom prst="rect">
+            <a:avLst/>
+          </a:prstGeom>
+        </p:spPr>
+        <p:txBody>
+          <a:bodyPr spcFirstLastPara="1" wrap="square" lIns="91425" tIns="91425" rIns="91425" bIns="91425" anchor="t" anchorCtr="0">
+            <a:noAutofit/>
+          </a:bodyPr>
+          <a:lstStyle/>
+          <a:p>
+            <a:pPr marL="0" marR="0" lvl="0" indent="0" algn="l" defTabSz="914400" rtl="0" eaLnBrk="1" fontAlgn="auto" latinLnBrk="0" hangingPunct="1">
+              <a:lnSpc>
+                <a:spcPct val="100000"/>
+              </a:lnSpc>
+              <a:spcBef>
+                <a:spcPts val="0"/>
+              </a:spcBef>
+              <a:spcAft>
+                <a:spcPts val="0"/>
+              </a:spcAft>
+              <a:buClrTx/>
+              <a:buSzTx/>
+              <a:buFontTx/>
+              <a:buNone/>
+              <a:tabLst/>
+              <a:defRPr/>
+            </a:pPr>
+            <a:r>
+              <a:rPr lang="en-NZ" dirty="0"/>
+              <a:t>Additional rows can be added by clicking in the last cell and then using the Tab key </a:t>
+            </a:r>
+          </a:p>
+          <a:p>
+            <a:pPr marL="0" lvl="0" indent="0" algn="l" rtl="0">
+              <a:spcBef>
+                <a:spcPts val="0"/>
+              </a:spcBef>
+              <a:spcAft>
+                <a:spcPts val="0"/>
+              </a:spcAft>
+              <a:buNone/>
+            </a:pPr>
+            <a:endParaRPr dirty="0"/>
+          </a:p>
+        </p:txBody>
+      </p:sp>
+    </p:spTree>
+    <p:extLst>
+      <p:ext uri="{BB962C8B-B14F-4D97-AF65-F5344CB8AC3E}">
+        <p14:creationId xmlns:p14="http://schemas.microsoft.com/office/powerpoint/2010/main" val="1376452887"/>
+      </p:ext>
+    </p:extLst>
+  </p:cSld>
+  <p:clrMapOvr>
+    <a:masterClrMapping/>
+  </p:clrMapOvr>
+</p:notes>
+</file>
+
+<file path=ppt/notesSlides/notesSlide18.xml><?xml version="1.0" encoding="utf-8"?>
+<p:notes xmlns:a="http://schemas.openxmlformats.org/drawingml/2006/main" xmlns:r="http://schemas.openxmlformats.org/officeDocument/2006/relationships" xmlns:p="http://schemas.openxmlformats.org/presentationml/2006/main">
+  <p:cSld>
+    <p:spTree>
+      <p:nvGrpSpPr>
+        <p:cNvPr id="1" name=""/>
+        <p:cNvGrpSpPr/>
+        <p:nvPr/>
+      </p:nvGrpSpPr>
+      <p:grpSpPr>
+        <a:xfrm>
+          <a:off x="0" y="0"/>
+          <a:ext cx="0" cy="0"/>
+          <a:chOff x="0" y="0"/>
+          <a:chExt cx="0" cy="0"/>
+        </a:xfrm>
+      </p:grpSpPr>
+      <p:sp>
+        <p:nvSpPr>
+          <p:cNvPr id="2" name="Slide Image Placeholder 1"/>
+          <p:cNvSpPr>
+            <a:spLocks noGrp="1" noRot="1" noChangeAspect="1"/>
+          </p:cNvSpPr>
+          <p:nvPr>
+            <p:ph type="sldImg"/>
+          </p:nvPr>
+        </p:nvSpPr>
+        <p:spPr/>
+      </p:sp>
+      <p:sp>
+        <p:nvSpPr>
+          <p:cNvPr id="3" name="Notes Placeholder 2"/>
+          <p:cNvSpPr>
+            <a:spLocks noGrp="1"/>
+          </p:cNvSpPr>
+          <p:nvPr>
+            <p:ph type="body" idx="1"/>
+          </p:nvPr>
+        </p:nvSpPr>
+        <p:spPr/>
+        <p:txBody>
+          <a:bodyPr/>
+          <a:lstStyle/>
+          <a:p>
+            <a:pPr>
+              <a:lnSpc>
+                <a:spcPct val="115000"/>
+              </a:lnSpc>
+            </a:pPr>
+            <a:r>
+              <a:rPr lang="en-NZ" i="1" dirty="0">
+                <a:latin typeface="Arial" panose="020B0604020202020204" pitchFamily="34" charset="0"/>
+                <a:ea typeface="Arial" panose="020B0604020202020204" pitchFamily="34" charset="0"/>
+              </a:rPr>
+              <a:t>You must show the results of testing. For each component, include a screenshot proving it works.  You can also include notes about each test. </a:t>
+            </a:r>
+            <a:endParaRPr lang="en-NZ" dirty="0">
+              <a:latin typeface="Arial" panose="020B0604020202020204" pitchFamily="34" charset="0"/>
+              <a:ea typeface="Arial" panose="020B0604020202020204" pitchFamily="34" charset="0"/>
+            </a:endParaRPr>
+          </a:p>
+        </p:txBody>
+      </p:sp>
+      <p:sp>
+        <p:nvSpPr>
+          <p:cNvPr id="4" name="Slide Number Placeholder 3"/>
+          <p:cNvSpPr>
+            <a:spLocks noGrp="1"/>
+          </p:cNvSpPr>
+          <p:nvPr>
+            <p:ph type="sldNum" sz="quarter" idx="5"/>
+          </p:nvPr>
+        </p:nvSpPr>
+        <p:spPr/>
+        <p:txBody>
+          <a:bodyPr/>
+          <a:lstStyle/>
+          <a:p>
+            <a:fld id="{D89B2B17-F4B1-4A14-AF99-5A366D45E74A}" type="slidenum">
+              <a:rPr lang="en-NZ" smtClean="0"/>
+              <a:t>20</a:t>
+            </a:fld>
+            <a:endParaRPr lang="en-NZ"/>
+          </a:p>
+        </p:txBody>
+      </p:sp>
+    </p:spTree>
+    <p:extLst>
+      <p:ext uri="{BB962C8B-B14F-4D97-AF65-F5344CB8AC3E}">
+        <p14:creationId xmlns:p14="http://schemas.microsoft.com/office/powerpoint/2010/main" val="1994482520"/>
+      </p:ext>
+    </p:extLst>
+  </p:cSld>
+  <p:clrMapOvr>
+    <a:masterClrMapping/>
+  </p:clrMapOvr>
+</p:notes>
+</file>
+
+<file path=ppt/notesSlides/notesSlide19.xml><?xml version="1.0" encoding="utf-8"?>
+<p:notes xmlns:a="http://schemas.openxmlformats.org/drawingml/2006/main" xmlns:r="http://schemas.openxmlformats.org/officeDocument/2006/relationships" xmlns:p="http://schemas.openxmlformats.org/presentationml/2006/main">
+  <p:cSld>
+    <p:spTree>
+      <p:nvGrpSpPr>
+        <p:cNvPr id="1" name=""/>
+        <p:cNvGrpSpPr/>
+        <p:nvPr/>
+      </p:nvGrpSpPr>
+      <p:grpSpPr>
+        <a:xfrm>
+          <a:off x="0" y="0"/>
+          <a:ext cx="0" cy="0"/>
+          <a:chOff x="0" y="0"/>
+          <a:chExt cx="0" cy="0"/>
+        </a:xfrm>
+      </p:grpSpPr>
+      <p:sp>
+        <p:nvSpPr>
+          <p:cNvPr id="2" name="Slide Image Placeholder 1"/>
+          <p:cNvSpPr>
+            <a:spLocks noGrp="1" noRot="1" noChangeAspect="1"/>
+          </p:cNvSpPr>
+          <p:nvPr>
+            <p:ph type="sldImg"/>
+          </p:nvPr>
+        </p:nvSpPr>
+        <p:spPr/>
+      </p:sp>
+      <p:sp>
+        <p:nvSpPr>
+          <p:cNvPr id="3" name="Notes Placeholder 2"/>
+          <p:cNvSpPr>
+            <a:spLocks noGrp="1"/>
+          </p:cNvSpPr>
+          <p:nvPr>
+            <p:ph type="body" idx="1"/>
+          </p:nvPr>
+        </p:nvSpPr>
+        <p:spPr/>
+        <p:txBody>
+          <a:bodyPr/>
+          <a:lstStyle/>
+          <a:p>
+            <a:pPr marL="0" marR="0" lvl="0" indent="0" algn="l" defTabSz="914400" rtl="0" eaLnBrk="1" fontAlgn="auto" latinLnBrk="0" hangingPunct="1">
+              <a:lnSpc>
+                <a:spcPct val="100000"/>
+              </a:lnSpc>
+              <a:spcBef>
+                <a:spcPts val="0"/>
+              </a:spcBef>
+              <a:spcAft>
+                <a:spcPts val="0"/>
+              </a:spcAft>
+              <a:buClrTx/>
+              <a:buSzTx/>
+              <a:buFontTx/>
+              <a:buNone/>
+              <a:tabLst/>
+              <a:defRPr/>
+            </a:pPr>
+            <a:r>
+              <a:rPr lang="en-NZ" i="1" dirty="0">
+                <a:latin typeface="Arial" panose="020B0604020202020204" pitchFamily="34" charset="0"/>
+                <a:ea typeface="Arial" panose="020B0604020202020204" pitchFamily="34" charset="0"/>
+              </a:rPr>
+              <a:t>Your version control evidence should go here.  This could be in the form of screenshots (both of your GitHub repository as well as your local project folder) as evidence of your incremental development.</a:t>
+            </a:r>
+            <a:endParaRPr lang="en-NZ" dirty="0">
+              <a:latin typeface="Arial" panose="020B0604020202020204" pitchFamily="34" charset="0"/>
+              <a:ea typeface="Arial" panose="020B0604020202020204" pitchFamily="34" charset="0"/>
+            </a:endParaRPr>
+          </a:p>
+          <a:p>
+            <a:endParaRPr lang="en-NZ" dirty="0"/>
+          </a:p>
+        </p:txBody>
+      </p:sp>
+      <p:sp>
+        <p:nvSpPr>
+          <p:cNvPr id="4" name="Slide Number Placeholder 3"/>
+          <p:cNvSpPr>
+            <a:spLocks noGrp="1"/>
+          </p:cNvSpPr>
+          <p:nvPr>
+            <p:ph type="sldNum" sz="quarter" idx="5"/>
+          </p:nvPr>
+        </p:nvSpPr>
+        <p:spPr/>
+        <p:txBody>
+          <a:bodyPr/>
+          <a:lstStyle/>
+          <a:p>
+            <a:fld id="{D89B2B17-F4B1-4A14-AF99-5A366D45E74A}" type="slidenum">
+              <a:rPr lang="en-NZ" smtClean="0"/>
+              <a:t>21</a:t>
+            </a:fld>
+            <a:endParaRPr lang="en-NZ"/>
+          </a:p>
+        </p:txBody>
+      </p:sp>
+    </p:spTree>
+    <p:extLst>
+      <p:ext uri="{BB962C8B-B14F-4D97-AF65-F5344CB8AC3E}">
+        <p14:creationId xmlns:p14="http://schemas.microsoft.com/office/powerpoint/2010/main" val="1431557508"/>
+      </p:ext>
+    </p:extLst>
+  </p:cSld>
+  <p:clrMapOvr>
+    <a:masterClrMapping/>
+  </p:clrMapOvr>
+</p:notes>
+</file>
+
+<file path=ppt/notesSlides/notesSlide2.xml><?xml version="1.0" encoding="utf-8"?>
+<p:notes xmlns:a="http://schemas.openxmlformats.org/drawingml/2006/main" xmlns:r="http://schemas.openxmlformats.org/officeDocument/2006/relationships" xmlns:p="http://schemas.openxmlformats.org/presentationml/2006/main">
+  <p:cSld>
+    <p:spTree>
+      <p:nvGrpSpPr>
+        <p:cNvPr id="1" name=""/>
+        <p:cNvGrpSpPr/>
+        <p:nvPr/>
+      </p:nvGrpSpPr>
+      <p:grpSpPr>
+        <a:xfrm>
+          <a:off x="0" y="0"/>
+          <a:ext cx="0" cy="0"/>
+          <a:chOff x="0" y="0"/>
+          <a:chExt cx="0" cy="0"/>
+        </a:xfrm>
+      </p:grpSpPr>
+      <p:sp>
+        <p:nvSpPr>
+          <p:cNvPr id="2" name="Slide Image Placeholder 1"/>
+          <p:cNvSpPr>
+            <a:spLocks noGrp="1" noRot="1" noChangeAspect="1"/>
+          </p:cNvSpPr>
+          <p:nvPr>
+            <p:ph type="sldImg"/>
+          </p:nvPr>
+        </p:nvSpPr>
+        <p:spPr/>
+      </p:sp>
+      <p:sp>
+        <p:nvSpPr>
+          <p:cNvPr id="3" name="Notes Placeholder 2"/>
+          <p:cNvSpPr>
+            <a:spLocks noGrp="1"/>
+          </p:cNvSpPr>
+          <p:nvPr>
+            <p:ph type="body" idx="1"/>
+          </p:nvPr>
+        </p:nvSpPr>
+        <p:spPr/>
+        <p:txBody>
+          <a:bodyPr/>
+          <a:lstStyle/>
+          <a:p>
+            <a:pPr marL="0" marR="0" lvl="0" indent="0" algn="l" defTabSz="914400" rtl="0" eaLnBrk="1" fontAlgn="auto" latinLnBrk="0" hangingPunct="1">
+              <a:lnSpc>
+                <a:spcPct val="100000"/>
+              </a:lnSpc>
+              <a:spcBef>
+                <a:spcPts val="0"/>
+              </a:spcBef>
+              <a:spcAft>
+                <a:spcPts val="0"/>
+              </a:spcAft>
+              <a:buClrTx/>
+              <a:buSzTx/>
+              <a:buFontTx/>
+              <a:buNone/>
+              <a:tabLst/>
+              <a:defRPr/>
+            </a:pPr>
+            <a:r>
+              <a:rPr lang="en-NZ" i="1" dirty="0"/>
+              <a:t>Paste screenshots of your initial Trello board / task decomposition on this slide.  If you have a long list, you might need to break it up into several slides. </a:t>
+            </a:r>
+            <a:r>
+              <a:rPr lang="en-NZ" dirty="0">
+                <a:latin typeface="Arial" panose="020B0604020202020204" pitchFamily="34" charset="0"/>
+                <a:ea typeface="Arial" panose="020B0604020202020204" pitchFamily="34" charset="0"/>
+              </a:rPr>
+              <a:t> </a:t>
+            </a:r>
+          </a:p>
+          <a:p>
+            <a:pPr marL="0" marR="0" lvl="0" indent="0" algn="l" defTabSz="914400" rtl="0" eaLnBrk="1" fontAlgn="auto" latinLnBrk="0" hangingPunct="1">
+              <a:lnSpc>
+                <a:spcPct val="100000"/>
+              </a:lnSpc>
+              <a:spcBef>
+                <a:spcPts val="0"/>
+              </a:spcBef>
+              <a:spcAft>
+                <a:spcPts val="0"/>
+              </a:spcAft>
+              <a:buClrTx/>
+              <a:buSzTx/>
+              <a:buFontTx/>
+              <a:buNone/>
+              <a:tabLst/>
+              <a:defRPr/>
+            </a:pPr>
+            <a:endParaRPr lang="en-NZ" dirty="0"/>
+          </a:p>
+          <a:p>
+            <a:endParaRPr lang="en-NZ" dirty="0"/>
+          </a:p>
+        </p:txBody>
+      </p:sp>
+      <p:sp>
+        <p:nvSpPr>
+          <p:cNvPr id="4" name="Slide Number Placeholder 3"/>
+          <p:cNvSpPr>
+            <a:spLocks noGrp="1"/>
+          </p:cNvSpPr>
+          <p:nvPr>
+            <p:ph type="sldNum" sz="quarter" idx="5"/>
+          </p:nvPr>
+        </p:nvSpPr>
+        <p:spPr/>
+        <p:txBody>
+          <a:bodyPr/>
+          <a:lstStyle/>
+          <a:p>
+            <a:fld id="{D89B2B17-F4B1-4A14-AF99-5A366D45E74A}" type="slidenum">
+              <a:rPr lang="en-NZ" smtClean="0"/>
+              <a:t>4</a:t>
+            </a:fld>
+            <a:endParaRPr lang="en-NZ"/>
+          </a:p>
+        </p:txBody>
+      </p:sp>
+    </p:spTree>
+    <p:extLst>
+      <p:ext uri="{BB962C8B-B14F-4D97-AF65-F5344CB8AC3E}">
+        <p14:creationId xmlns:p14="http://schemas.microsoft.com/office/powerpoint/2010/main" val="992946406"/>
+      </p:ext>
+    </p:extLst>
+  </p:cSld>
+  <p:clrMapOvr>
+    <a:masterClrMapping/>
+  </p:clrMapOvr>
+</p:notes>
+</file>
+
+<file path=ppt/notesSlides/notesSlide20.xml><?xml version="1.0" encoding="utf-8"?>
+<p:notes xmlns:a="http://schemas.openxmlformats.org/drawingml/2006/main" xmlns:r="http://schemas.openxmlformats.org/officeDocument/2006/relationships" xmlns:p="http://schemas.openxmlformats.org/presentationml/2006/main">
+  <p:cSld>
+    <p:spTree>
+      <p:nvGrpSpPr>
+        <p:cNvPr id="1" name=""/>
+        <p:cNvGrpSpPr/>
+        <p:nvPr/>
+      </p:nvGrpSpPr>
+      <p:grpSpPr>
+        <a:xfrm>
+          <a:off x="0" y="0"/>
+          <a:ext cx="0" cy="0"/>
+          <a:chOff x="0" y="0"/>
+          <a:chExt cx="0" cy="0"/>
+        </a:xfrm>
+      </p:grpSpPr>
+      <p:sp>
+        <p:nvSpPr>
+          <p:cNvPr id="2" name="Slide Image Placeholder 1"/>
+          <p:cNvSpPr>
+            <a:spLocks noGrp="1" noRot="1" noChangeAspect="1"/>
+          </p:cNvSpPr>
+          <p:nvPr>
+            <p:ph type="sldImg"/>
+          </p:nvPr>
+        </p:nvSpPr>
+        <p:spPr/>
+      </p:sp>
+      <p:sp>
+        <p:nvSpPr>
+          <p:cNvPr id="3" name="Notes Placeholder 2"/>
+          <p:cNvSpPr>
+            <a:spLocks noGrp="1"/>
+          </p:cNvSpPr>
+          <p:nvPr>
+            <p:ph type="body" idx="1"/>
+          </p:nvPr>
+        </p:nvSpPr>
+        <p:spPr/>
+        <p:txBody>
+          <a:bodyPr/>
+          <a:lstStyle/>
+          <a:p>
+            <a:pPr marL="0" marR="0" lvl="0" indent="0" algn="l" defTabSz="914400" rtl="0" eaLnBrk="1" fontAlgn="auto" latinLnBrk="0" hangingPunct="1">
+              <a:lnSpc>
+                <a:spcPct val="100000"/>
+              </a:lnSpc>
+              <a:spcBef>
+                <a:spcPts val="0"/>
+              </a:spcBef>
+              <a:spcAft>
+                <a:spcPts val="0"/>
+              </a:spcAft>
+              <a:buClrTx/>
+              <a:buSzTx/>
+              <a:buFontTx/>
+              <a:buNone/>
+              <a:tabLst/>
+              <a:defRPr/>
+            </a:pPr>
+            <a:r>
+              <a:rPr lang="en-NZ" i="1" dirty="0">
+                <a:latin typeface="Arial" panose="020B0604020202020204" pitchFamily="34" charset="0"/>
+              </a:rPr>
+              <a:t>Discuss how the information from planning, testing and trialling of components assisted in the development of a high-quality outcome.</a:t>
+            </a:r>
+          </a:p>
+          <a:p>
+            <a:endParaRPr lang="en-NZ" dirty="0"/>
+          </a:p>
+        </p:txBody>
+      </p:sp>
+      <p:sp>
+        <p:nvSpPr>
+          <p:cNvPr id="4" name="Slide Number Placeholder 3"/>
+          <p:cNvSpPr>
+            <a:spLocks noGrp="1"/>
+          </p:cNvSpPr>
+          <p:nvPr>
+            <p:ph type="sldNum" sz="quarter" idx="5"/>
+          </p:nvPr>
+        </p:nvSpPr>
+        <p:spPr/>
+        <p:txBody>
+          <a:bodyPr/>
+          <a:lstStyle/>
+          <a:p>
+            <a:fld id="{D89B2B17-F4B1-4A14-AF99-5A366D45E74A}" type="slidenum">
+              <a:rPr lang="en-NZ" smtClean="0"/>
+              <a:t>22</a:t>
+            </a:fld>
+            <a:endParaRPr lang="en-NZ"/>
+          </a:p>
+        </p:txBody>
+      </p:sp>
+    </p:spTree>
+    <p:extLst>
+      <p:ext uri="{BB962C8B-B14F-4D97-AF65-F5344CB8AC3E}">
+        <p14:creationId xmlns:p14="http://schemas.microsoft.com/office/powerpoint/2010/main" val="1738331893"/>
+      </p:ext>
+    </p:extLst>
+  </p:cSld>
+  <p:clrMapOvr>
+    <a:masterClrMapping/>
+  </p:clrMapOvr>
+</p:notes>
+</file>
+
+<file path=ppt/notesSlides/notesSlide3.xml><?xml version="1.0" encoding="utf-8"?>
+<p:notes xmlns:a="http://schemas.openxmlformats.org/drawingml/2006/main" xmlns:r="http://schemas.openxmlformats.org/officeDocument/2006/relationships" xmlns:p="http://schemas.openxmlformats.org/presentationml/2006/main" showMasterSp="0" showMasterPhAnim="0">
+  <p:cSld>
+    <p:spTree>
+      <p:nvGrpSpPr>
+        <p:cNvPr id="1" name="Shape 82"/>
+        <p:cNvGrpSpPr/>
+        <p:nvPr/>
+      </p:nvGrpSpPr>
+      <p:grpSpPr>
+        <a:xfrm>
+          <a:off x="0" y="0"/>
+          <a:ext cx="0" cy="0"/>
+          <a:chOff x="0" y="0"/>
+          <a:chExt cx="0" cy="0"/>
+        </a:xfrm>
+      </p:grpSpPr>
+      <p:sp>
+        <p:nvSpPr>
+          <p:cNvPr id="83" name="Google Shape;83;g5f5670a123_0_13:notes"/>
+          <p:cNvSpPr>
+            <a:spLocks noGrp="1" noRot="1" noChangeAspect="1"/>
+          </p:cNvSpPr>
+          <p:nvPr>
+            <p:ph type="sldImg" idx="2"/>
+          </p:nvPr>
+        </p:nvSpPr>
+        <p:spPr>
+          <a:xfrm>
+            <a:off x="381000" y="685800"/>
+            <a:ext cx="6096000" cy="3429000"/>
+          </a:xfrm>
+          <a:custGeom>
+            <a:avLst/>
+            <a:gdLst/>
+            <a:ahLst/>
+            <a:cxnLst/>
+            <a:rect l="l" t="t" r="r" b="b"/>
+            <a:pathLst>
+              <a:path w="120000" h="120000" extrusionOk="0">
+                <a:moveTo>
+                  <a:pt x="0" y="0"/>
+                </a:moveTo>
+                <a:lnTo>
+                  <a:pt x="120000" y="0"/>
+                </a:lnTo>
+                <a:lnTo>
+                  <a:pt x="120000" y="120000"/>
+                </a:lnTo>
+                <a:lnTo>
+                  <a:pt x="0" y="120000"/>
+                </a:lnTo>
+                <a:close/>
+              </a:path>
+            </a:pathLst>
+          </a:custGeom>
+        </p:spPr>
+      </p:sp>
+      <p:sp>
+        <p:nvSpPr>
+          <p:cNvPr id="84" name="Google Shape;84;g5f5670a123_0_13:notes"/>
+          <p:cNvSpPr txBox="1">
+            <a:spLocks noGrp="1"/>
+          </p:cNvSpPr>
+          <p:nvPr>
+            <p:ph type="body" idx="1"/>
+          </p:nvPr>
+        </p:nvSpPr>
+        <p:spPr>
+          <a:xfrm>
+            <a:off x="685800" y="4343400"/>
+            <a:ext cx="5486400" cy="4114800"/>
+          </a:xfrm>
+          <a:prstGeom prst="rect">
+            <a:avLst/>
+          </a:prstGeom>
+        </p:spPr>
+        <p:txBody>
+          <a:bodyPr spcFirstLastPara="1" wrap="square" lIns="91425" tIns="91425" rIns="91425" bIns="91425" anchor="t" anchorCtr="0">
+            <a:noAutofit/>
+          </a:bodyPr>
+          <a:lstStyle/>
+          <a:p>
+            <a:pPr marL="0" lvl="0" indent="0" algn="l" rtl="0">
+              <a:spcBef>
+                <a:spcPts val="0"/>
+              </a:spcBef>
+              <a:spcAft>
+                <a:spcPts val="0"/>
+              </a:spcAft>
+              <a:buNone/>
+            </a:pPr>
+            <a:endParaRPr/>
+          </a:p>
+        </p:txBody>
+      </p:sp>
+    </p:spTree>
+  </p:cSld>
+  <p:clrMapOvr>
+    <a:masterClrMapping/>
+  </p:clrMapOvr>
+</p:notes>
+</file>
+
+<file path=ppt/notesSlides/notesSlide4.xml><?xml version="1.0" encoding="utf-8"?>
+<p:notes xmlns:a="http://schemas.openxmlformats.org/drawingml/2006/main" xmlns:r="http://schemas.openxmlformats.org/officeDocument/2006/relationships" xmlns:p="http://schemas.openxmlformats.org/presentationml/2006/main" showMasterSp="0" showMasterPhAnim="0">
+  <p:cSld>
+    <p:spTree>
+      <p:nvGrpSpPr>
+        <p:cNvPr id="1" name="Shape 87"/>
+        <p:cNvGrpSpPr/>
+        <p:nvPr/>
+      </p:nvGrpSpPr>
+      <p:grpSpPr>
+        <a:xfrm>
+          <a:off x="0" y="0"/>
+          <a:ext cx="0" cy="0"/>
+          <a:chOff x="0" y="0"/>
+          <a:chExt cx="0" cy="0"/>
+        </a:xfrm>
+      </p:grpSpPr>
+      <p:sp>
+        <p:nvSpPr>
+          <p:cNvPr id="88" name="Google Shape;88;g5f5670a123_0_30:notes"/>
+          <p:cNvSpPr>
+            <a:spLocks noGrp="1" noRot="1" noChangeAspect="1"/>
+          </p:cNvSpPr>
+          <p:nvPr>
+            <p:ph type="sldImg" idx="2"/>
+          </p:nvPr>
+        </p:nvSpPr>
+        <p:spPr>
+          <a:xfrm>
+            <a:off x="381000" y="685800"/>
+            <a:ext cx="6096000" cy="3429000"/>
+          </a:xfrm>
+          <a:custGeom>
+            <a:avLst/>
+            <a:gdLst/>
+            <a:ahLst/>
+            <a:cxnLst/>
+            <a:rect l="l" t="t" r="r" b="b"/>
+            <a:pathLst>
+              <a:path w="120000" h="120000" extrusionOk="0">
+                <a:moveTo>
+                  <a:pt x="0" y="0"/>
+                </a:moveTo>
+                <a:lnTo>
+                  <a:pt x="120000" y="0"/>
+                </a:lnTo>
+                <a:lnTo>
+                  <a:pt x="120000" y="120000"/>
+                </a:lnTo>
+                <a:lnTo>
+                  <a:pt x="0" y="120000"/>
+                </a:lnTo>
+                <a:close/>
+              </a:path>
+            </a:pathLst>
+          </a:custGeom>
+        </p:spPr>
+      </p:sp>
+      <p:sp>
+        <p:nvSpPr>
+          <p:cNvPr id="89" name="Google Shape;89;g5f5670a123_0_30:notes"/>
+          <p:cNvSpPr txBox="1">
+            <a:spLocks noGrp="1"/>
+          </p:cNvSpPr>
+          <p:nvPr>
+            <p:ph type="body" idx="1"/>
+          </p:nvPr>
+        </p:nvSpPr>
+        <p:spPr>
+          <a:xfrm>
+            <a:off x="685800" y="4343400"/>
+            <a:ext cx="5486400" cy="4114800"/>
+          </a:xfrm>
+          <a:prstGeom prst="rect">
+            <a:avLst/>
+          </a:prstGeom>
+        </p:spPr>
+        <p:txBody>
+          <a:bodyPr spcFirstLastPara="1" wrap="square" lIns="91425" tIns="91425" rIns="91425" bIns="91425" anchor="t" anchorCtr="0">
+            <a:noAutofit/>
+          </a:bodyPr>
+          <a:lstStyle/>
+          <a:p>
+            <a:pPr marL="0" marR="0" lvl="0" indent="0" algn="l" defTabSz="914400" rtl="0" eaLnBrk="1" fontAlgn="auto" latinLnBrk="0" hangingPunct="1">
+              <a:lnSpc>
+                <a:spcPct val="100000"/>
+              </a:lnSpc>
+              <a:spcBef>
+                <a:spcPts val="0"/>
+              </a:spcBef>
+              <a:spcAft>
+                <a:spcPts val="0"/>
+              </a:spcAft>
+              <a:buClrTx/>
+              <a:buSzTx/>
+              <a:buFontTx/>
+              <a:buNone/>
+              <a:tabLst/>
+              <a:defRPr/>
+            </a:pPr>
+            <a:r>
+              <a:rPr lang="en-NZ" dirty="0"/>
+              <a:t>Additional rows can be added by clicking in the last cell and then using the Tab key </a:t>
+            </a:r>
+          </a:p>
+          <a:p>
+            <a:pPr marL="0" lvl="0" indent="0" algn="l" rtl="0">
+              <a:spcBef>
+                <a:spcPts val="0"/>
+              </a:spcBef>
+              <a:spcAft>
+                <a:spcPts val="0"/>
+              </a:spcAft>
+              <a:buNone/>
+            </a:pPr>
+            <a:endParaRPr dirty="0"/>
+          </a:p>
+        </p:txBody>
+      </p:sp>
+    </p:spTree>
   </p:cSld>
   <p:clrMapOvr>
     <a:masterClrMapping/>
@@ -1159,45 +2983,7 @@
           <a:bodyPr/>
           <a:lstStyle/>
           <a:p>
-            <a:r>
-              <a:rPr lang="en-NZ" i="1" dirty="0"/>
-              <a:t>NOTE: Trialling needs to happen for </a:t>
-            </a:r>
-            <a:r>
-              <a:rPr lang="en-NZ" b="1" i="1" dirty="0"/>
-              <a:t>at least 2 </a:t>
-            </a:r>
-            <a:r>
-              <a:rPr lang="en-NZ" i="1" dirty="0"/>
-              <a:t>of your components but is not necessary for ALL components.</a:t>
-            </a:r>
-          </a:p>
-          <a:p>
-            <a:r>
-              <a:rPr lang="en" i="1" dirty="0" err="1"/>
-              <a:t>Trialling</a:t>
-            </a:r>
-            <a:r>
-              <a:rPr lang="en" i="1" dirty="0"/>
-              <a:t> is not the same as testing. </a:t>
-            </a:r>
-            <a:r>
-              <a:rPr lang="en" i="1" noProof="0" dirty="0" err="1"/>
-              <a:t>Trialling</a:t>
-            </a:r>
-            <a:r>
-              <a:rPr lang="en" i="1" dirty="0"/>
-              <a:t> is about finding different ways of building the same component. Show evidence of  your </a:t>
-            </a:r>
-            <a:r>
-              <a:rPr lang="en" i="1" dirty="0" err="1"/>
-              <a:t>trialling</a:t>
-            </a:r>
-            <a:r>
-              <a:rPr lang="en" i="1" dirty="0"/>
-              <a:t>  here. Select one of your trials for further development and give reasons for your choice.</a:t>
-            </a:r>
-            <a:endParaRPr lang="en-NZ" dirty="0"/>
+            <a:endParaRPr lang="en-NZ" i="1" dirty="0"/>
           </a:p>
         </p:txBody>
       </p:sp>
@@ -1398,95 +3184,17 @@
               <a:defRPr/>
             </a:pPr>
             <a:r>
-              <a:rPr lang="en-NZ" i="1" dirty="0">
+              <a:rPr lang="en-NZ" i="1" dirty="0"/>
+              <a:t>Paste screenshots of your initial Trello board / task decomposition on this slide.  If you have a long list, you might need to break it up into several slides. </a:t>
+            </a:r>
+            <a:r>
+              <a:rPr lang="en-NZ" dirty="0">
                 <a:latin typeface="Arial" panose="020B0604020202020204" pitchFamily="34" charset="0"/>
                 <a:ea typeface="Arial" panose="020B0604020202020204" pitchFamily="34" charset="0"/>
               </a:rPr>
-              <a:t>Show testing for your assembled outcome below.  This should include a test plan followed by screenshot proof.  </a:t>
-            </a:r>
-            <a:endParaRPr lang="en-NZ" dirty="0"/>
-          </a:p>
-        </p:txBody>
-      </p:sp>
-      <p:sp>
-        <p:nvSpPr>
-          <p:cNvPr id="4" name="Slide Number Placeholder 3"/>
-          <p:cNvSpPr>
-            <a:spLocks noGrp="1"/>
-          </p:cNvSpPr>
-          <p:nvPr>
-            <p:ph type="sldNum" sz="quarter" idx="5"/>
-          </p:nvPr>
-        </p:nvSpPr>
-        <p:spPr/>
-        <p:txBody>
-          <a:bodyPr/>
-          <a:lstStyle/>
-          <a:p>
-            <a:fld id="{D89B2B17-F4B1-4A14-AF99-5A366D45E74A}" type="slidenum">
-              <a:rPr lang="en-NZ" smtClean="0"/>
-              <a:t>9</a:t>
-            </a:fld>
-            <a:endParaRPr lang="en-NZ"/>
-          </a:p>
-        </p:txBody>
-      </p:sp>
-    </p:spTree>
-    <p:extLst>
-      <p:ext uri="{BB962C8B-B14F-4D97-AF65-F5344CB8AC3E}">
-        <p14:creationId xmlns:p14="http://schemas.microsoft.com/office/powerpoint/2010/main" val="234755665"/>
-      </p:ext>
-    </p:extLst>
-  </p:cSld>
-  <p:clrMapOvr>
-    <a:masterClrMapping/>
-  </p:clrMapOvr>
-</p:notes>
-</file>
-
-<file path=ppt/notesSlides/notesSlide8.xml><?xml version="1.0" encoding="utf-8"?>
-<p:notes xmlns:a="http://schemas.openxmlformats.org/drawingml/2006/main" xmlns:r="http://schemas.openxmlformats.org/officeDocument/2006/relationships" xmlns:p="http://schemas.openxmlformats.org/presentationml/2006/main">
-  <p:cSld>
-    <p:spTree>
-      <p:nvGrpSpPr>
-        <p:cNvPr id="1" name=""/>
-        <p:cNvGrpSpPr/>
-        <p:nvPr/>
-      </p:nvGrpSpPr>
-      <p:grpSpPr>
-        <a:xfrm>
-          <a:off x="0" y="0"/>
-          <a:ext cx="0" cy="0"/>
-          <a:chOff x="0" y="0"/>
-          <a:chExt cx="0" cy="0"/>
-        </a:xfrm>
-      </p:grpSpPr>
-      <p:sp>
-        <p:nvSpPr>
-          <p:cNvPr id="2" name="Slide Image Placeholder 1"/>
-          <p:cNvSpPr>
-            <a:spLocks noGrp="1" noRot="1" noChangeAspect="1"/>
-          </p:cNvSpPr>
-          <p:nvPr>
-            <p:ph type="sldImg"/>
-          </p:nvPr>
-        </p:nvSpPr>
-        <p:spPr/>
-      </p:sp>
-      <p:sp>
-        <p:nvSpPr>
-          <p:cNvPr id="3" name="Notes Placeholder 2"/>
-          <p:cNvSpPr>
-            <a:spLocks noGrp="1"/>
-          </p:cNvSpPr>
-          <p:nvPr>
-            <p:ph type="body" idx="1"/>
-          </p:nvPr>
-        </p:nvSpPr>
-        <p:spPr/>
-        <p:txBody>
-          <a:bodyPr/>
-          <a:lstStyle/>
+              <a:t> </a:t>
+            </a:r>
+          </a:p>
           <a:p>
             <a:pPr marL="0" marR="0" lvl="0" indent="0" algn="l" defTabSz="914400" rtl="0" eaLnBrk="1" fontAlgn="auto" latinLnBrk="0" hangingPunct="1">
               <a:lnSpc>
@@ -1505,17 +3213,7 @@
               <a:tabLst/>
               <a:defRPr/>
             </a:pPr>
-            <a:r>
-              <a:rPr lang="en-NZ" i="1" dirty="0">
-                <a:latin typeface="Arial" panose="020B0604020202020204" pitchFamily="34" charset="0"/>
-                <a:ea typeface="Arial" panose="020B0604020202020204" pitchFamily="34" charset="0"/>
-              </a:rPr>
-              <a:t>Your version control evidence should go here.  This could be in the form of screenshots (both of your GitHub repository as well as your local project folder) as evidence of your incremental development.</a:t>
-            </a:r>
-            <a:endParaRPr lang="en-NZ" dirty="0">
-              <a:latin typeface="Arial" panose="020B0604020202020204" pitchFamily="34" charset="0"/>
-              <a:ea typeface="Arial" panose="020B0604020202020204" pitchFamily="34" charset="0"/>
-            </a:endParaRPr>
+            <a:endParaRPr lang="en-NZ" dirty="0"/>
           </a:p>
           <a:p>
             <a:endParaRPr lang="en-NZ" dirty="0"/>
@@ -1539,7 +3237,7 @@
           <a:p>
             <a:fld id="{D89B2B17-F4B1-4A14-AF99-5A366D45E74A}" type="slidenum">
               <a:rPr lang="en-NZ" smtClean="0"/>
-              <a:t>11</a:t>
+              <a:t>9</a:t>
             </a:fld>
             <a:endParaRPr lang="en-NZ"/>
           </a:p>
@@ -1548,7 +3246,139 @@
     </p:spTree>
     <p:extLst>
       <p:ext uri="{BB962C8B-B14F-4D97-AF65-F5344CB8AC3E}">
-        <p14:creationId xmlns:p14="http://schemas.microsoft.com/office/powerpoint/2010/main" val="1431557508"/>
+        <p14:creationId xmlns:p14="http://schemas.microsoft.com/office/powerpoint/2010/main" val="3484399660"/>
+      </p:ext>
+    </p:extLst>
+  </p:cSld>
+  <p:clrMapOvr>
+    <a:masterClrMapping/>
+  </p:clrMapOvr>
+</p:notes>
+</file>
+
+<file path=ppt/notesSlides/notesSlide8.xml><?xml version="1.0" encoding="utf-8"?>
+<p:notes xmlns:a="http://schemas.openxmlformats.org/drawingml/2006/main" xmlns:r="http://schemas.openxmlformats.org/officeDocument/2006/relationships" xmlns:p="http://schemas.openxmlformats.org/presentationml/2006/main" showMasterSp="0" showMasterPhAnim="0">
+  <p:cSld>
+    <p:spTree>
+      <p:nvGrpSpPr>
+        <p:cNvPr id="1" name="Shape 87"/>
+        <p:cNvGrpSpPr/>
+        <p:nvPr/>
+      </p:nvGrpSpPr>
+      <p:grpSpPr>
+        <a:xfrm>
+          <a:off x="0" y="0"/>
+          <a:ext cx="0" cy="0"/>
+          <a:chOff x="0" y="0"/>
+          <a:chExt cx="0" cy="0"/>
+        </a:xfrm>
+      </p:grpSpPr>
+      <p:sp>
+        <p:nvSpPr>
+          <p:cNvPr id="88" name="Google Shape;88;g5f5670a123_0_30:notes"/>
+          <p:cNvSpPr>
+            <a:spLocks noGrp="1" noRot="1" noChangeAspect="1"/>
+          </p:cNvSpPr>
+          <p:nvPr>
+            <p:ph type="sldImg" idx="2"/>
+          </p:nvPr>
+        </p:nvSpPr>
+        <p:spPr>
+          <a:xfrm>
+            <a:off x="381000" y="685800"/>
+            <a:ext cx="6096000" cy="3429000"/>
+          </a:xfrm>
+          <a:custGeom>
+            <a:avLst/>
+            <a:gdLst/>
+            <a:ahLst/>
+            <a:cxnLst/>
+            <a:rect l="l" t="t" r="r" b="b"/>
+            <a:pathLst>
+              <a:path w="120000" h="120000" extrusionOk="0">
+                <a:moveTo>
+                  <a:pt x="0" y="0"/>
+                </a:moveTo>
+                <a:lnTo>
+                  <a:pt x="120000" y="0"/>
+                </a:lnTo>
+                <a:lnTo>
+                  <a:pt x="120000" y="120000"/>
+                </a:lnTo>
+                <a:lnTo>
+                  <a:pt x="0" y="120000"/>
+                </a:lnTo>
+                <a:close/>
+              </a:path>
+            </a:pathLst>
+          </a:custGeom>
+        </p:spPr>
+      </p:sp>
+      <p:sp>
+        <p:nvSpPr>
+          <p:cNvPr id="89" name="Google Shape;89;g5f5670a123_0_30:notes"/>
+          <p:cNvSpPr txBox="1">
+            <a:spLocks noGrp="1"/>
+          </p:cNvSpPr>
+          <p:nvPr>
+            <p:ph type="body" idx="1"/>
+          </p:nvPr>
+        </p:nvSpPr>
+        <p:spPr>
+          <a:xfrm>
+            <a:off x="685800" y="4343400"/>
+            <a:ext cx="5486400" cy="4114800"/>
+          </a:xfrm>
+          <a:prstGeom prst="rect">
+            <a:avLst/>
+          </a:prstGeom>
+        </p:spPr>
+        <p:txBody>
+          <a:bodyPr spcFirstLastPara="1" wrap="square" lIns="91425" tIns="91425" rIns="91425" bIns="91425" anchor="t" anchorCtr="0">
+            <a:noAutofit/>
+          </a:bodyPr>
+          <a:lstStyle/>
+          <a:p>
+            <a:pPr marL="0" marR="0" lvl="0" indent="0" algn="l" defTabSz="914400" rtl="0" eaLnBrk="1" fontAlgn="auto" latinLnBrk="0" hangingPunct="1">
+              <a:lnSpc>
+                <a:spcPct val="100000"/>
+              </a:lnSpc>
+              <a:spcBef>
+                <a:spcPts val="0"/>
+              </a:spcBef>
+              <a:spcAft>
+                <a:spcPts val="0"/>
+              </a:spcAft>
+              <a:buClrTx/>
+              <a:buSzTx/>
+              <a:buFontTx/>
+              <a:buNone/>
+              <a:tabLst/>
+              <a:defRPr/>
+            </a:pPr>
+            <a:r>
+              <a:rPr lang="en-NZ" dirty="0"/>
+              <a:t>Additional rows can be added by clicking in the last cell and then using the Tab key </a:t>
+            </a:r>
+          </a:p>
+          <a:p>
+            <a:pPr marL="0" lvl="0" indent="0" algn="l" rtl="0">
+              <a:spcBef>
+                <a:spcPts val="0"/>
+              </a:spcBef>
+              <a:spcAft>
+                <a:spcPts val="0"/>
+              </a:spcAft>
+              <a:buNone/>
+            </a:pPr>
+            <a:endParaRPr dirty="0"/>
+          </a:p>
+        </p:txBody>
+      </p:sp>
+    </p:spTree>
+    <p:extLst>
+      <p:ext uri="{BB962C8B-B14F-4D97-AF65-F5344CB8AC3E}">
+        <p14:creationId xmlns:p14="http://schemas.microsoft.com/office/powerpoint/2010/main" val="1315522249"/>
       </p:ext>
     </p:extLst>
   </p:cSld>
@@ -1602,32 +3432,22 @@
           <a:bodyPr/>
           <a:lstStyle/>
           <a:p>
-            <a:pPr marL="0" marR="0" lvl="0" indent="0" algn="l" defTabSz="914400" rtl="0" eaLnBrk="1" fontAlgn="auto" latinLnBrk="0" hangingPunct="1">
+            <a:pPr>
               <a:lnSpc>
-                <a:spcPct val="100000"/>
+                <a:spcPct val="115000"/>
               </a:lnSpc>
-              <a:spcBef>
-                <a:spcPts val="0"/>
-              </a:spcBef>
-              <a:spcAft>
-                <a:spcPts val="0"/>
-              </a:spcAft>
-              <a:buClrTx/>
-              <a:buSzTx/>
-              <a:buFontTx/>
-              <a:buNone/>
-              <a:tabLst/>
-              <a:defRPr/>
             </a:pPr>
             <a:r>
               <a:rPr lang="en-NZ" i="1" dirty="0">
                 <a:latin typeface="Arial" panose="020B0604020202020204" pitchFamily="34" charset="0"/>
+                <a:ea typeface="Arial" panose="020B0604020202020204" pitchFamily="34" charset="0"/>
               </a:rPr>
-              <a:t>Discuss how the information from planning, testing and trialling of components assisted in the development of a high-quality outcome.</a:t>
-            </a:r>
-          </a:p>
-          <a:p>
-            <a:endParaRPr lang="en-NZ" dirty="0"/>
+              <a:t>You must show the results of testing. For each component, include a screenshot proving it works.  You can also include notes about each test. </a:t>
+            </a:r>
+            <a:endParaRPr lang="en-NZ" dirty="0">
+              <a:latin typeface="Arial" panose="020B0604020202020204" pitchFamily="34" charset="0"/>
+              <a:ea typeface="Arial" panose="020B0604020202020204" pitchFamily="34" charset="0"/>
+            </a:endParaRPr>
           </a:p>
         </p:txBody>
       </p:sp>
@@ -1648,7 +3468,7 @@
           <a:p>
             <a:fld id="{D89B2B17-F4B1-4A14-AF99-5A366D45E74A}" type="slidenum">
               <a:rPr lang="en-NZ" smtClean="0"/>
-              <a:t>12</a:t>
+              <a:t>11</a:t>
             </a:fld>
             <a:endParaRPr lang="en-NZ"/>
           </a:p>
@@ -1657,7 +3477,7 @@
     </p:spTree>
     <p:extLst>
       <p:ext uri="{BB962C8B-B14F-4D97-AF65-F5344CB8AC3E}">
-        <p14:creationId xmlns:p14="http://schemas.microsoft.com/office/powerpoint/2010/main" val="1738331893"/>
+        <p14:creationId xmlns:p14="http://schemas.microsoft.com/office/powerpoint/2010/main" val="909326539"/>
       </p:ext>
     </p:extLst>
   </p:cSld>
@@ -1816,7 +3636,7 @@
           <a:p>
             <a:fld id="{9C4A4F43-1C06-40E6-8F87-8B286982E50E}" type="datetimeFigureOut">
               <a:rPr lang="en-NZ" smtClean="0"/>
-              <a:t>26/05/22</a:t>
+              <a:t>29/05/22</a:t>
             </a:fld>
             <a:endParaRPr lang="en-NZ" dirty="0"/>
           </a:p>
@@ -2016,7 +3836,7 @@
           <a:p>
             <a:fld id="{9C4A4F43-1C06-40E6-8F87-8B286982E50E}" type="datetimeFigureOut">
               <a:rPr lang="en-NZ" smtClean="0"/>
-              <a:t>26/05/22</a:t>
+              <a:t>29/05/22</a:t>
             </a:fld>
             <a:endParaRPr lang="en-NZ" dirty="0"/>
           </a:p>
@@ -2226,7 +4046,7 @@
           <a:p>
             <a:fld id="{9C4A4F43-1C06-40E6-8F87-8B286982E50E}" type="datetimeFigureOut">
               <a:rPr lang="en-NZ" smtClean="0"/>
-              <a:t>26/05/22</a:t>
+              <a:t>29/05/22</a:t>
             </a:fld>
             <a:endParaRPr lang="en-NZ" dirty="0"/>
           </a:p>
@@ -2785,7 +4605,7 @@
           <a:p>
             <a:fld id="{9C4A4F43-1C06-40E6-8F87-8B286982E50E}" type="datetimeFigureOut">
               <a:rPr lang="en-NZ" smtClean="0"/>
-              <a:t>26/05/22</a:t>
+              <a:t>29/05/22</a:t>
             </a:fld>
             <a:endParaRPr lang="en-NZ" dirty="0"/>
           </a:p>
@@ -3061,7 +4881,7 @@
           <a:p>
             <a:fld id="{9C4A4F43-1C06-40E6-8F87-8B286982E50E}" type="datetimeFigureOut">
               <a:rPr lang="en-NZ" smtClean="0"/>
-              <a:t>26/05/22</a:t>
+              <a:t>29/05/22</a:t>
             </a:fld>
             <a:endParaRPr lang="en-NZ" dirty="0"/>
           </a:p>
@@ -3329,7 +5149,7 @@
           <a:p>
             <a:fld id="{9C4A4F43-1C06-40E6-8F87-8B286982E50E}" type="datetimeFigureOut">
               <a:rPr lang="en-NZ" smtClean="0"/>
-              <a:t>26/05/22</a:t>
+              <a:t>29/05/22</a:t>
             </a:fld>
             <a:endParaRPr lang="en-NZ" dirty="0"/>
           </a:p>
@@ -3744,7 +5564,7 @@
           <a:p>
             <a:fld id="{9C4A4F43-1C06-40E6-8F87-8B286982E50E}" type="datetimeFigureOut">
               <a:rPr lang="en-NZ" smtClean="0"/>
-              <a:t>26/05/22</a:t>
+              <a:t>29/05/22</a:t>
             </a:fld>
             <a:endParaRPr lang="en-NZ" dirty="0"/>
           </a:p>
@@ -3886,7 +5706,7 @@
           <a:p>
             <a:fld id="{9C4A4F43-1C06-40E6-8F87-8B286982E50E}" type="datetimeFigureOut">
               <a:rPr lang="en-NZ" smtClean="0"/>
-              <a:t>26/05/22</a:t>
+              <a:t>29/05/22</a:t>
             </a:fld>
             <a:endParaRPr lang="en-NZ" dirty="0"/>
           </a:p>
@@ -3999,7 +5819,7 @@
           <a:p>
             <a:fld id="{9C4A4F43-1C06-40E6-8F87-8B286982E50E}" type="datetimeFigureOut">
               <a:rPr lang="en-NZ" smtClean="0"/>
-              <a:t>26/05/22</a:t>
+              <a:t>29/05/22</a:t>
             </a:fld>
             <a:endParaRPr lang="en-NZ" dirty="0"/>
           </a:p>
@@ -4312,7 +6132,7 @@
           <a:p>
             <a:fld id="{9C4A4F43-1C06-40E6-8F87-8B286982E50E}" type="datetimeFigureOut">
               <a:rPr lang="en-NZ" smtClean="0"/>
-              <a:t>26/05/22</a:t>
+              <a:t>29/05/22</a:t>
             </a:fld>
             <a:endParaRPr lang="en-NZ" dirty="0"/>
           </a:p>
@@ -4601,7 +6421,7 @@
           <a:p>
             <a:fld id="{9C4A4F43-1C06-40E6-8F87-8B286982E50E}" type="datetimeFigureOut">
               <a:rPr lang="en-NZ" smtClean="0"/>
-              <a:t>26/05/22</a:t>
+              <a:t>29/05/22</a:t>
             </a:fld>
             <a:endParaRPr lang="en-NZ" dirty="0"/>
           </a:p>
@@ -4844,7 +6664,7 @@
           <a:p>
             <a:fld id="{9C4A4F43-1C06-40E6-8F87-8B286982E50E}" type="datetimeFigureOut">
               <a:rPr lang="en-NZ" smtClean="0"/>
-              <a:t>26/05/22</a:t>
+              <a:t>29/05/22</a:t>
             </a:fld>
             <a:endParaRPr lang="en-NZ" dirty="0"/>
           </a:p>
@@ -5352,7 +7172,7 @@
   <p:cSld>
     <p:spTree>
       <p:nvGrpSpPr>
-        <p:cNvPr id="1" name=""/>
+        <p:cNvPr id="1" name="Shape 90"/>
         <p:cNvGrpSpPr/>
         <p:nvPr/>
       </p:nvGrpSpPr>
@@ -5366,14 +7186,8 @@
       </p:grpSpPr>
       <p:sp>
         <p:nvSpPr>
-          <p:cNvPr id="2" name="Title 1">
-            <a:extLst>
-              <a:ext uri="{FF2B5EF4-FFF2-40B4-BE49-F238E27FC236}">
-                <a16:creationId xmlns:a16="http://schemas.microsoft.com/office/drawing/2014/main" id="{0D168B5A-EFF4-4803-8DA6-5994B306EBAF}"/>
-              </a:ext>
-            </a:extLst>
-          </p:cNvPr>
-          <p:cNvSpPr>
+          <p:cNvPr id="91" name="Google Shape;91;p19"/>
+          <p:cNvSpPr txBox="1">
             <a:spLocks noGrp="1"/>
           </p:cNvSpPr>
           <p:nvPr>
@@ -5382,223 +7196,388 @@
         </p:nvSpPr>
         <p:spPr>
           <a:xfrm>
-            <a:off x="838200" y="365125"/>
-            <a:ext cx="10515600" cy="640715"/>
+            <a:off x="415600" y="217447"/>
+            <a:ext cx="11360800" cy="763600"/>
           </a:xfrm>
+          <a:prstGeom prst="rect">
+            <a:avLst/>
+          </a:prstGeom>
         </p:spPr>
         <p:txBody>
-          <a:bodyPr>
-            <a:normAutofit fontScale="90000"/>
+          <a:bodyPr spcFirstLastPara="1" vert="horz" wrap="square" lIns="121900" tIns="121900" rIns="121900" bIns="121900" rtlCol="0" anchor="t" anchorCtr="0">
+            <a:noAutofit/>
           </a:bodyPr>
           <a:lstStyle/>
           <a:p>
-            <a:pPr>
-              <a:lnSpc>
-                <a:spcPct val="115000"/>
-              </a:lnSpc>
-              <a:spcAft>
-                <a:spcPts val="0"/>
-              </a:spcAft>
-            </a:pPr>
-            <a:r>
-              <a:rPr lang="en-NZ" sz="4000" dirty="0"/>
-              <a:t>Address relevant Implications:</a:t>
-            </a:r>
+            <a:r>
+              <a:rPr lang="en" sz="4000" dirty="0"/>
+              <a:t>Instructions - Test Plan</a:t>
+            </a:r>
+            <a:endParaRPr sz="4000" dirty="0"/>
           </a:p>
         </p:txBody>
       </p:sp>
       <p:graphicFrame>
         <p:nvGraphicFramePr>
-          <p:cNvPr id="4" name="Table 4">
-            <a:extLst>
-              <a:ext uri="{FF2B5EF4-FFF2-40B4-BE49-F238E27FC236}">
-                <a16:creationId xmlns:a16="http://schemas.microsoft.com/office/drawing/2014/main" id="{54A393A9-6C94-409B-BDCB-65C4ABAA2DD1}"/>
-              </a:ext>
-            </a:extLst>
-          </p:cNvPr>
-          <p:cNvGraphicFramePr>
-            <a:graphicFrameLocks noGrp="1"/>
-          </p:cNvGraphicFramePr>
+          <p:cNvPr id="92" name="Google Shape;92;p19"/>
+          <p:cNvGraphicFramePr/>
           <p:nvPr>
             <p:extLst>
               <p:ext uri="{D42A27DB-BD31-4B8C-83A1-F6EECF244321}">
-                <p14:modId xmlns:p14="http://schemas.microsoft.com/office/powerpoint/2010/main" val="314179954"/>
+                <p14:modId xmlns:p14="http://schemas.microsoft.com/office/powerpoint/2010/main" val="170680472"/>
               </p:ext>
             </p:extLst>
           </p:nvPr>
         </p:nvGraphicFramePr>
         <p:xfrm>
-          <a:off x="782320" y="1213485"/>
-          <a:ext cx="10627360" cy="1854200"/>
+          <a:off x="415600" y="1234560"/>
+          <a:ext cx="11360800" cy="4388880"/>
         </p:xfrm>
         <a:graphic>
           <a:graphicData uri="http://schemas.openxmlformats.org/drawingml/2006/table">
             <a:tbl>
-              <a:tblPr firstRow="1" bandRow="1">
-                <a:tableStyleId>{5C22544A-7EE6-4342-B048-85BDC9FD1C3A}</a:tableStyleId>
+              <a:tblPr>
+                <a:noFill/>
               </a:tblPr>
               <a:tblGrid>
-                <a:gridCol w="3505200">
+                <a:gridCol w="5680400">
                   <a:extLst>
                     <a:ext uri="{9D8B030D-6E8A-4147-A177-3AD203B41FA5}">
-                      <a16:colId xmlns:a16="http://schemas.microsoft.com/office/drawing/2014/main" val="2849256304"/>
+                      <a16:colId xmlns:a16="http://schemas.microsoft.com/office/drawing/2014/main" val="20000"/>
                     </a:ext>
                   </a:extLst>
                 </a:gridCol>
-                <a:gridCol w="7122160">
+                <a:gridCol w="5680400">
                   <a:extLst>
                     <a:ext uri="{9D8B030D-6E8A-4147-A177-3AD203B41FA5}">
-                      <a16:colId xmlns:a16="http://schemas.microsoft.com/office/drawing/2014/main" val="2106481727"/>
+                      <a16:colId xmlns:a16="http://schemas.microsoft.com/office/drawing/2014/main" val="20001"/>
                     </a:ext>
                   </a:extLst>
                 </a:gridCol>
               </a:tblGrid>
-              <a:tr h="370840">
+              <a:tr h="609560">
                 <a:tc>
                   <a:txBody>
                     <a:bodyPr/>
                     <a:lstStyle/>
                     <a:p>
+                      <a:pPr marL="0" lvl="0" indent="0" algn="l" rtl="0">
+                        <a:spcBef>
+                          <a:spcPts val="0"/>
+                        </a:spcBef>
+                        <a:spcAft>
+                          <a:spcPts val="0"/>
+                        </a:spcAft>
+                        <a:buNone/>
+                      </a:pPr>
                       <a:r>
-                        <a:rPr lang="en-NZ" dirty="0"/>
-                        <a:t>Relevant implication</a:t>
+                        <a:rPr lang="en" sz="2400" b="1" dirty="0"/>
+                        <a:t>Test Cases - input</a:t>
                       </a:r>
+                      <a:endParaRPr sz="2400" b="1" dirty="0"/>
                     </a:p>
                   </a:txBody>
-                  <a:tcPr/>
+                  <a:tcPr marL="121900" marR="121900" marT="121900" marB="121900">
+                    <a:solidFill>
+                      <a:srgbClr val="CCCCCC"/>
+                    </a:solidFill>
+                  </a:tcPr>
                 </a:tc>
                 <a:tc>
                   <a:txBody>
                     <a:bodyPr/>
                     <a:lstStyle/>
                     <a:p>
+                      <a:pPr marL="0" lvl="0" indent="0" algn="l" rtl="0">
+                        <a:spcBef>
+                          <a:spcPts val="0"/>
+                        </a:spcBef>
+                        <a:spcAft>
+                          <a:spcPts val="0"/>
+                        </a:spcAft>
+                        <a:buNone/>
+                      </a:pPr>
                       <a:r>
-                        <a:rPr lang="en-NZ" dirty="0"/>
-                        <a:t>Explain how your final outcome </a:t>
+                        <a:rPr lang="en" sz="2400" b="1" dirty="0"/>
+                        <a:t>Expected output</a:t>
                       </a:r>
-                      <a:r>
-                        <a:rPr lang="en-NZ" b="1" i="1" dirty="0"/>
-                        <a:t>addresses</a:t>
-                      </a:r>
-                      <a:r>
-                        <a:rPr lang="en-NZ" dirty="0"/>
-                        <a:t> each implication</a:t>
-                      </a:r>
+                      <a:endParaRPr sz="2400" b="1" dirty="0"/>
                     </a:p>
                   </a:txBody>
-                  <a:tcPr/>
+                  <a:tcPr marL="121900" marR="121900" marT="121900" marB="121900">
+                    <a:solidFill>
+                      <a:srgbClr val="CCCCCC"/>
+                    </a:solidFill>
+                  </a:tcPr>
                 </a:tc>
                 <a:extLst>
                   <a:ext uri="{0D108BD9-81ED-4DB2-BD59-A6C34878D82A}">
-                    <a16:rowId xmlns:a16="http://schemas.microsoft.com/office/drawing/2014/main" val="2286542890"/>
+                    <a16:rowId xmlns:a16="http://schemas.microsoft.com/office/drawing/2014/main" val="10000"/>
                   </a:ext>
                 </a:extLst>
               </a:tr>
-              <a:tr h="370840">
+              <a:tr h="609560">
                 <a:tc>
                   <a:txBody>
                     <a:bodyPr/>
                     <a:lstStyle/>
                     <a:p>
-                      <a:endParaRPr lang="en-NZ" dirty="0"/>
+                      <a:pPr marL="0" lvl="0" indent="0" algn="l" rtl="0">
+                        <a:spcBef>
+                          <a:spcPts val="0"/>
+                        </a:spcBef>
+                        <a:spcAft>
+                          <a:spcPts val="0"/>
+                        </a:spcAft>
+                        <a:buNone/>
+                      </a:pPr>
+                      <a:r>
+                        <a:rPr lang="en-US" sz="2400" dirty="0"/>
+                        <a:t>Yes/yes</a:t>
+                      </a:r>
+                      <a:endParaRPr sz="2400" dirty="0"/>
                     </a:p>
                   </a:txBody>
-                  <a:tcPr/>
+                  <a:tcPr marL="121900" marR="121900" marT="121900" marB="121900"/>
                 </a:tc>
                 <a:tc>
                   <a:txBody>
                     <a:bodyPr/>
                     <a:lstStyle/>
                     <a:p>
-                      <a:endParaRPr lang="en-NZ" dirty="0"/>
+                      <a:pPr marL="0" lvl="0" indent="0" algn="l" rtl="0">
+                        <a:spcBef>
+                          <a:spcPts val="0"/>
+                        </a:spcBef>
+                        <a:spcAft>
+                          <a:spcPts val="0"/>
+                        </a:spcAft>
+                        <a:buNone/>
+                      </a:pPr>
+                      <a:r>
+                        <a:rPr lang="en-US" sz="2400" dirty="0"/>
+                        <a:t>Program continues and player starts game</a:t>
+                      </a:r>
+                      <a:endParaRPr sz="2400" dirty="0"/>
                     </a:p>
                   </a:txBody>
-                  <a:tcPr/>
+                  <a:tcPr marL="121900" marR="121900" marT="121900" marB="121900"/>
                 </a:tc>
                 <a:extLst>
                   <a:ext uri="{0D108BD9-81ED-4DB2-BD59-A6C34878D82A}">
-                    <a16:rowId xmlns:a16="http://schemas.microsoft.com/office/drawing/2014/main" val="2636529970"/>
+                    <a16:rowId xmlns:a16="http://schemas.microsoft.com/office/drawing/2014/main" val="10001"/>
                   </a:ext>
                 </a:extLst>
               </a:tr>
-              <a:tr h="370840">
+              <a:tr h="609560">
                 <a:tc>
                   <a:txBody>
                     <a:bodyPr/>
                     <a:lstStyle/>
                     <a:p>
-                      <a:endParaRPr lang="en-NZ" dirty="0"/>
+                      <a:pPr marL="0" lvl="0" indent="0" algn="l" rtl="0">
+                        <a:spcBef>
+                          <a:spcPts val="0"/>
+                        </a:spcBef>
+                        <a:spcAft>
+                          <a:spcPts val="0"/>
+                        </a:spcAft>
+                        <a:buNone/>
+                      </a:pPr>
+                      <a:r>
+                        <a:rPr lang="en-US" sz="2400" dirty="0"/>
+                        <a:t>Y/n</a:t>
+                      </a:r>
+                      <a:endParaRPr sz="2400" dirty="0"/>
                     </a:p>
                   </a:txBody>
-                  <a:tcPr/>
+                  <a:tcPr marL="121900" marR="121900" marT="121900" marB="121900"/>
                 </a:tc>
                 <a:tc>
                   <a:txBody>
                     <a:bodyPr/>
                     <a:lstStyle/>
                     <a:p>
-                      <a:endParaRPr lang="en-NZ" dirty="0"/>
+                      <a:pPr marL="0" lvl="0" indent="0" algn="l" rtl="0">
+                        <a:spcBef>
+                          <a:spcPts val="0"/>
+                        </a:spcBef>
+                        <a:spcAft>
+                          <a:spcPts val="0"/>
+                        </a:spcAft>
+                        <a:buNone/>
+                      </a:pPr>
+                      <a:r>
+                        <a:rPr lang="en-US" sz="2400" dirty="0"/>
+                        <a:t>Program continues and player starts game</a:t>
+                      </a:r>
+                      <a:endParaRPr sz="2400" dirty="0"/>
                     </a:p>
                   </a:txBody>
-                  <a:tcPr/>
+                  <a:tcPr marL="121900" marR="121900" marT="121900" marB="121900"/>
                 </a:tc>
                 <a:extLst>
                   <a:ext uri="{0D108BD9-81ED-4DB2-BD59-A6C34878D82A}">
-                    <a16:rowId xmlns:a16="http://schemas.microsoft.com/office/drawing/2014/main" val="845002142"/>
+                    <a16:rowId xmlns:a16="http://schemas.microsoft.com/office/drawing/2014/main" val="1825611045"/>
                   </a:ext>
                 </a:extLst>
               </a:tr>
-              <a:tr h="370840">
+              <a:tr h="609560">
                 <a:tc>
                   <a:txBody>
                     <a:bodyPr/>
                     <a:lstStyle/>
                     <a:p>
-                      <a:endParaRPr lang="en-NZ" dirty="0"/>
+                      <a:pPr marL="0" lvl="0" indent="0" algn="l" rtl="0">
+                        <a:spcBef>
+                          <a:spcPts val="0"/>
+                        </a:spcBef>
+                        <a:spcAft>
+                          <a:spcPts val="0"/>
+                        </a:spcAft>
+                        <a:buNone/>
+                      </a:pPr>
+                      <a:r>
+                        <a:rPr lang="en-US" sz="2400" dirty="0"/>
+                        <a:t>No/no</a:t>
+                      </a:r>
+                      <a:endParaRPr sz="2400" dirty="0"/>
                     </a:p>
                   </a:txBody>
-                  <a:tcPr/>
+                  <a:tcPr marL="121900" marR="121900" marT="121900" marB="121900"/>
                 </a:tc>
                 <a:tc>
                   <a:txBody>
                     <a:bodyPr/>
                     <a:lstStyle/>
                     <a:p>
-                      <a:endParaRPr lang="en-NZ" dirty="0"/>
+                      <a:pPr marL="0" lvl="0" indent="0" algn="l" rtl="0">
+                        <a:spcBef>
+                          <a:spcPts val="0"/>
+                        </a:spcBef>
+                        <a:spcAft>
+                          <a:spcPts val="0"/>
+                        </a:spcAft>
+                        <a:buNone/>
+                      </a:pPr>
+                      <a:r>
+                        <a:rPr lang="en-US" sz="2400" dirty="0"/>
+                        <a:t>Show instructions, and then ask to start game</a:t>
+                      </a:r>
+                      <a:endParaRPr sz="2400" dirty="0"/>
                     </a:p>
                   </a:txBody>
-                  <a:tcPr/>
+                  <a:tcPr marL="121900" marR="121900" marT="121900" marB="121900"/>
                 </a:tc>
                 <a:extLst>
                   <a:ext uri="{0D108BD9-81ED-4DB2-BD59-A6C34878D82A}">
-                    <a16:rowId xmlns:a16="http://schemas.microsoft.com/office/drawing/2014/main" val="1686164491"/>
+                    <a16:rowId xmlns:a16="http://schemas.microsoft.com/office/drawing/2014/main" val="2562601790"/>
                   </a:ext>
                 </a:extLst>
               </a:tr>
-              <a:tr h="370840">
+              <a:tr h="609560">
                 <a:tc>
                   <a:txBody>
                     <a:bodyPr/>
                     <a:lstStyle/>
                     <a:p>
-                      <a:endParaRPr lang="en-NZ" dirty="0"/>
+                      <a:pPr marL="0" lvl="0" indent="0" algn="l" rtl="0">
+                        <a:spcBef>
+                          <a:spcPts val="0"/>
+                        </a:spcBef>
+                        <a:spcAft>
+                          <a:spcPts val="0"/>
+                        </a:spcAft>
+                        <a:buNone/>
+                      </a:pPr>
+                      <a:r>
+                        <a:rPr lang="en-US" sz="2400" dirty="0"/>
+                        <a:t>N/n</a:t>
+                      </a:r>
+                      <a:endParaRPr sz="2400" dirty="0"/>
                     </a:p>
                   </a:txBody>
-                  <a:tcPr/>
+                  <a:tcPr marL="121900" marR="121900" marT="121900" marB="121900"/>
                 </a:tc>
                 <a:tc>
                   <a:txBody>
                     <a:bodyPr/>
                     <a:lstStyle/>
                     <a:p>
-                      <a:endParaRPr lang="en-NZ" dirty="0"/>
+                      <a:pPr marL="0" lvl="0" indent="0" algn="l" rtl="0">
+                        <a:spcBef>
+                          <a:spcPts val="0"/>
+                        </a:spcBef>
+                        <a:spcAft>
+                          <a:spcPts val="0"/>
+                        </a:spcAft>
+                        <a:buNone/>
+                      </a:pPr>
+                      <a:r>
+                        <a:rPr lang="en-US" sz="2400" dirty="0"/>
+                        <a:t>Show instructions, and then ask to start game</a:t>
+                      </a:r>
+                      <a:endParaRPr sz="2400" dirty="0"/>
                     </a:p>
                   </a:txBody>
-                  <a:tcPr/>
+                  <a:tcPr marL="121900" marR="121900" marT="121900" marB="121900"/>
                 </a:tc>
                 <a:extLst>
                   <a:ext uri="{0D108BD9-81ED-4DB2-BD59-A6C34878D82A}">
-                    <a16:rowId xmlns:a16="http://schemas.microsoft.com/office/drawing/2014/main" val="1038612699"/>
+                    <a16:rowId xmlns:a16="http://schemas.microsoft.com/office/drawing/2014/main" val="255613605"/>
+                  </a:ext>
+                </a:extLst>
+              </a:tr>
+              <a:tr h="609560">
+                <a:tc>
+                  <a:txBody>
+                    <a:bodyPr/>
+                    <a:lstStyle/>
+                    <a:p>
+                      <a:pPr marL="0" lvl="0" indent="0" algn="l" rtl="0">
+                        <a:spcBef>
+                          <a:spcPts val="0"/>
+                        </a:spcBef>
+                        <a:spcAft>
+                          <a:spcPts val="0"/>
+                        </a:spcAft>
+                        <a:buNone/>
+                      </a:pPr>
+                      <a:r>
+                        <a:rPr lang="en-US" sz="2400" dirty="0"/>
+                        <a:t>Anything else</a:t>
+                      </a:r>
+                      <a:endParaRPr sz="2400" dirty="0"/>
+                    </a:p>
+                  </a:txBody>
+                  <a:tcPr marL="121900" marR="121900" marT="121900" marB="121900"/>
+                </a:tc>
+                <a:tc>
+                  <a:txBody>
+                    <a:bodyPr/>
+                    <a:lstStyle/>
+                    <a:p>
+                      <a:pPr marL="0" lvl="0" indent="0" algn="l" rtl="0">
+                        <a:spcBef>
+                          <a:spcPts val="0"/>
+                        </a:spcBef>
+                        <a:spcAft>
+                          <a:spcPts val="0"/>
+                        </a:spcAft>
+                        <a:buNone/>
+                      </a:pPr>
+                      <a:r>
+                        <a:rPr lang="en-US" sz="2400" dirty="0"/>
+                        <a:t>Error, and asks it again</a:t>
+                      </a:r>
+                      <a:endParaRPr sz="2400" dirty="0"/>
+                    </a:p>
+                  </a:txBody>
+                  <a:tcPr marL="121900" marR="121900" marT="121900" marB="121900"/>
+                </a:tc>
+                <a:extLst>
+                  <a:ext uri="{0D108BD9-81ED-4DB2-BD59-A6C34878D82A}">
+                    <a16:rowId xmlns:a16="http://schemas.microsoft.com/office/drawing/2014/main" val="209912261"/>
                   </a:ext>
                 </a:extLst>
               </a:tr>
@@ -5609,7 +7588,7 @@
     </p:spTree>
     <p:extLst>
       <p:ext uri="{BB962C8B-B14F-4D97-AF65-F5344CB8AC3E}">
-        <p14:creationId xmlns:p14="http://schemas.microsoft.com/office/powerpoint/2010/main" val="1053444694"/>
+        <p14:creationId xmlns:p14="http://schemas.microsoft.com/office/powerpoint/2010/main" val="1829833892"/>
       </p:ext>
     </p:extLst>
   </p:cSld>
@@ -5641,7 +7620,7 @@
           <p:cNvPr id="2" name="Title 1">
             <a:extLst>
               <a:ext uri="{FF2B5EF4-FFF2-40B4-BE49-F238E27FC236}">
-                <a16:creationId xmlns:a16="http://schemas.microsoft.com/office/drawing/2014/main" id="{D62183D5-E1F8-4917-B0BA-FC2E62047445}"/>
+                <a16:creationId xmlns:a16="http://schemas.microsoft.com/office/drawing/2014/main" id="{1CC5D32F-7C18-4D00-8D54-2FB046F0A206}"/>
               </a:ext>
             </a:extLst>
           </p:cNvPr>
@@ -5654,8 +7633,8 @@
         </p:nvSpPr>
         <p:spPr>
           <a:xfrm>
-            <a:off x="838200" y="365125"/>
-            <a:ext cx="10515600" cy="559435"/>
+            <a:off x="838200" y="518160"/>
+            <a:ext cx="10515600" cy="562928"/>
           </a:xfrm>
         </p:spPr>
         <p:txBody>
@@ -5665,65 +7644,88 @@
           <a:lstStyle/>
           <a:p>
             <a:r>
-              <a:rPr lang="en-NZ" sz="4000" dirty="0"/>
-              <a:t>Version Control Evidence:</a:t>
-            </a:r>
-          </a:p>
-        </p:txBody>
-      </p:sp>
-      <p:sp>
-        <p:nvSpPr>
-          <p:cNvPr id="3" name="Rectangle 2">
+              <a:rPr lang="en-NZ" dirty="0"/>
+              <a:t>Instructions: Testing </a:t>
+            </a:r>
+          </a:p>
+        </p:txBody>
+      </p:sp>
+      <p:pic>
+        <p:nvPicPr>
+          <p:cNvPr id="5" name="Picture 4" descr="Text&#10;&#10;Description automatically generated">
             <a:extLst>
               <a:ext uri="{FF2B5EF4-FFF2-40B4-BE49-F238E27FC236}">
-                <a16:creationId xmlns:a16="http://schemas.microsoft.com/office/drawing/2014/main" id="{A89172B1-B985-48A3-8018-FC6FF45BCE4F}"/>
+                <a16:creationId xmlns:a16="http://schemas.microsoft.com/office/drawing/2014/main" id="{AE2C1538-8B28-4E9A-366E-7C566D6133BC}"/>
               </a:ext>
             </a:extLst>
           </p:cNvPr>
-          <p:cNvSpPr/>
+          <p:cNvPicPr>
+            <a:picLocks noChangeAspect="1"/>
+          </p:cNvPicPr>
           <p:nvPr/>
-        </p:nvSpPr>
+        </p:nvPicPr>
+        <p:blipFill>
+          <a:blip r:embed="rId3">
+            <a:extLst>
+              <a:ext uri="{28A0092B-C50C-407E-A947-70E740481C1C}">
+                <a14:useLocalDpi xmlns:a14="http://schemas.microsoft.com/office/drawing/2010/main" val="0"/>
+              </a:ext>
+            </a:extLst>
+          </a:blip>
+          <a:stretch>
+            <a:fillRect/>
+          </a:stretch>
+        </p:blipFill>
         <p:spPr>
           <a:xfrm>
-            <a:off x="675639" y="1081088"/>
-            <a:ext cx="9513815" cy="1020921"/>
+            <a:off x="5815929" y="1572952"/>
+            <a:ext cx="6376071" cy="3712096"/>
           </a:xfrm>
           <a:prstGeom prst="rect">
             <a:avLst/>
           </a:prstGeom>
         </p:spPr>
-        <p:txBody>
-          <a:bodyPr wrap="square">
-            <a:spAutoFit/>
-          </a:bodyPr>
-          <a:lstStyle/>
-          <a:p>
-            <a:pPr>
-              <a:lnSpc>
-                <a:spcPct val="115000"/>
-              </a:lnSpc>
-              <a:spcAft>
-                <a:spcPts val="0"/>
-              </a:spcAft>
-            </a:pPr>
-            <a:r>
-              <a:rPr lang="en-NZ" i="1" dirty="0">
-                <a:latin typeface="Arial" panose="020B0604020202020204" pitchFamily="34" charset="0"/>
-                <a:ea typeface="Arial" panose="020B0604020202020204" pitchFamily="34" charset="0"/>
-              </a:rPr>
-              <a:t>Your version control evidence should go here.  This could be in the form of screenshots (both of your GitHub repository as well as your local project folder) as evidence of your incremental development.</a:t>
-            </a:r>
-            <a:endParaRPr lang="en-NZ" dirty="0">
-              <a:latin typeface="Arial" panose="020B0604020202020204" pitchFamily="34" charset="0"/>
-              <a:ea typeface="Arial" panose="020B0604020202020204" pitchFamily="34" charset="0"/>
-            </a:endParaRPr>
-          </a:p>
-        </p:txBody>
-      </p:sp>
+      </p:pic>
+      <p:pic>
+        <p:nvPicPr>
+          <p:cNvPr id="9" name="Picture 8" descr="A screenshot of a computer&#10;&#10;Description automatically generated with medium confidence">
+            <a:extLst>
+              <a:ext uri="{FF2B5EF4-FFF2-40B4-BE49-F238E27FC236}">
+                <a16:creationId xmlns:a16="http://schemas.microsoft.com/office/drawing/2014/main" id="{1F748FBA-8EFF-F542-D11B-6269A559B97B}"/>
+              </a:ext>
+            </a:extLst>
+          </p:cNvPr>
+          <p:cNvPicPr>
+            <a:picLocks noChangeAspect="1"/>
+          </p:cNvPicPr>
+          <p:nvPr/>
+        </p:nvPicPr>
+        <p:blipFill>
+          <a:blip r:embed="rId4">
+            <a:extLst>
+              <a:ext uri="{28A0092B-C50C-407E-A947-70E740481C1C}">
+                <a14:useLocalDpi xmlns:a14="http://schemas.microsoft.com/office/drawing/2010/main" val="0"/>
+              </a:ext>
+            </a:extLst>
+          </a:blip>
+          <a:stretch>
+            <a:fillRect/>
+          </a:stretch>
+        </p:blipFill>
+        <p:spPr>
+          <a:xfrm>
+            <a:off x="0" y="2414753"/>
+            <a:ext cx="5424178" cy="2028494"/>
+          </a:xfrm>
+          <a:prstGeom prst="rect">
+            <a:avLst/>
+          </a:prstGeom>
+        </p:spPr>
+      </p:pic>
     </p:spTree>
     <p:extLst>
       <p:ext uri="{BB962C8B-B14F-4D97-AF65-F5344CB8AC3E}">
-        <p14:creationId xmlns:p14="http://schemas.microsoft.com/office/powerpoint/2010/main" val="1357549755"/>
+        <p14:creationId xmlns:p14="http://schemas.microsoft.com/office/powerpoint/2010/main" val="689052247"/>
       </p:ext>
     </p:extLst>
   </p:cSld>
@@ -5755,7 +7757,7 @@
           <p:cNvPr id="2" name="Title 1">
             <a:extLst>
               <a:ext uri="{FF2B5EF4-FFF2-40B4-BE49-F238E27FC236}">
-                <a16:creationId xmlns:a16="http://schemas.microsoft.com/office/drawing/2014/main" id="{0AC904DD-5A10-446B-A89E-8DA5AC00DE23}"/>
+                <a16:creationId xmlns:a16="http://schemas.microsoft.com/office/drawing/2014/main" id="{321F8E66-F9B8-4062-8E8D-D5ADB11625DA}"/>
               </a:ext>
             </a:extLst>
           </p:cNvPr>
@@ -5769,54 +7771,628 @@
         <p:spPr>
           <a:xfrm>
             <a:off x="838200" y="365125"/>
-            <a:ext cx="10515600" cy="721995"/>
+            <a:ext cx="10515600" cy="600075"/>
           </a:xfrm>
         </p:spPr>
         <p:txBody>
           <a:bodyPr>
-            <a:normAutofit/>
+            <a:normAutofit fontScale="90000"/>
           </a:bodyPr>
           <a:lstStyle/>
           <a:p>
             <a:r>
               <a:rPr lang="en-NZ" sz="4000" dirty="0"/>
-              <a:t>Final Discussion:</a:t>
-            </a:r>
-          </a:p>
-        </p:txBody>
-      </p:sp>
-      <p:sp>
-        <p:nvSpPr>
-          <p:cNvPr id="3" name="Rectangle 2">
+              <a:t>Decomposition:</a:t>
+            </a:r>
+          </a:p>
+        </p:txBody>
+      </p:sp>
+      <p:pic>
+        <p:nvPicPr>
+          <p:cNvPr id="4" name="Picture 3" descr="Graphical user interface&#10;&#10;Description automatically generated">
             <a:extLst>
               <a:ext uri="{FF2B5EF4-FFF2-40B4-BE49-F238E27FC236}">
-                <a16:creationId xmlns:a16="http://schemas.microsoft.com/office/drawing/2014/main" id="{6385A117-1109-4CFD-B531-10565CC9D864}"/>
+                <a16:creationId xmlns:a16="http://schemas.microsoft.com/office/drawing/2014/main" id="{2B7682DA-4783-70DB-5F3F-9D034C334619}"/>
               </a:ext>
             </a:extLst>
           </p:cNvPr>
-          <p:cNvSpPr/>
+          <p:cNvPicPr>
+            <a:picLocks noChangeAspect="1"/>
+          </p:cNvPicPr>
           <p:nvPr/>
-        </p:nvSpPr>
+        </p:nvPicPr>
+        <p:blipFill>
+          <a:blip r:embed="rId3">
+            <a:extLst>
+              <a:ext uri="{28A0092B-C50C-407E-A947-70E740481C1C}">
+                <a14:useLocalDpi xmlns:a14="http://schemas.microsoft.com/office/drawing/2010/main" val="0"/>
+              </a:ext>
+            </a:extLst>
+          </a:blip>
+          <a:stretch>
+            <a:fillRect/>
+          </a:stretch>
+        </p:blipFill>
         <p:spPr>
           <a:xfrm>
-            <a:off x="838200" y="1087120"/>
-            <a:ext cx="8353926" cy="646331"/>
+            <a:off x="2533650" y="939800"/>
+            <a:ext cx="7124700" cy="4978400"/>
           </a:xfrm>
           <a:prstGeom prst="rect">
             <a:avLst/>
           </a:prstGeom>
         </p:spPr>
-        <p:txBody>
-          <a:bodyPr wrap="square">
+      </p:pic>
+    </p:spTree>
+    <p:extLst>
+      <p:ext uri="{BB962C8B-B14F-4D97-AF65-F5344CB8AC3E}">
+        <p14:creationId xmlns:p14="http://schemas.microsoft.com/office/powerpoint/2010/main" val="3009159287"/>
+      </p:ext>
+    </p:extLst>
+  </p:cSld>
+  <p:clrMapOvr>
+    <a:masterClrMapping/>
+  </p:clrMapOvr>
+</p:sld>
+</file>
+
+<file path=ppt/slides/slide13.xml><?xml version="1.0" encoding="utf-8"?>
+<p:sld xmlns:a="http://schemas.openxmlformats.org/drawingml/2006/main" xmlns:r="http://schemas.openxmlformats.org/officeDocument/2006/relationships" xmlns:p="http://schemas.openxmlformats.org/presentationml/2006/main">
+  <p:cSld>
+    <p:spTree>
+      <p:nvGrpSpPr>
+        <p:cNvPr id="1" name="Shape 90"/>
+        <p:cNvGrpSpPr/>
+        <p:nvPr/>
+      </p:nvGrpSpPr>
+      <p:grpSpPr>
+        <a:xfrm>
+          <a:off x="0" y="0"/>
+          <a:ext cx="0" cy="0"/>
+          <a:chOff x="0" y="0"/>
+          <a:chExt cx="0" cy="0"/>
+        </a:xfrm>
+      </p:grpSpPr>
+      <p:sp>
+        <p:nvSpPr>
+          <p:cNvPr id="91" name="Google Shape;91;p19"/>
+          <p:cNvSpPr txBox="1">
+            <a:spLocks noGrp="1"/>
+          </p:cNvSpPr>
+          <p:nvPr>
+            <p:ph type="title"/>
+          </p:nvPr>
+        </p:nvSpPr>
+        <p:spPr>
+          <a:xfrm>
+            <a:off x="415600" y="217447"/>
+            <a:ext cx="11360800" cy="763600"/>
+          </a:xfrm>
+          <a:prstGeom prst="rect">
+            <a:avLst/>
+          </a:prstGeom>
+        </p:spPr>
+        <p:txBody>
+          <a:bodyPr spcFirstLastPara="1" vert="horz" wrap="square" lIns="121900" tIns="121900" rIns="121900" bIns="121900" rtlCol="0" anchor="t" anchorCtr="0">
+            <a:noAutofit/>
+          </a:bodyPr>
+          <a:lstStyle/>
+          <a:p>
+            <a:r>
+              <a:rPr lang="en" sz="4000" dirty="0"/>
+              <a:t>Questions- Test Plan</a:t>
+            </a:r>
+            <a:endParaRPr sz="4000" dirty="0"/>
+          </a:p>
+        </p:txBody>
+      </p:sp>
+      <p:graphicFrame>
+        <p:nvGraphicFramePr>
+          <p:cNvPr id="92" name="Google Shape;92;p19"/>
+          <p:cNvGraphicFramePr/>
+          <p:nvPr>
+            <p:extLst>
+              <p:ext uri="{D42A27DB-BD31-4B8C-83A1-F6EECF244321}">
+                <p14:modId xmlns:p14="http://schemas.microsoft.com/office/powerpoint/2010/main" val="760632629"/>
+              </p:ext>
+            </p:extLst>
+          </p:nvPr>
+        </p:nvGraphicFramePr>
+        <p:xfrm>
+          <a:off x="415600" y="1234560"/>
+          <a:ext cx="11360800" cy="2194440"/>
+        </p:xfrm>
+        <a:graphic>
+          <a:graphicData uri="http://schemas.openxmlformats.org/drawingml/2006/table">
+            <a:tbl>
+              <a:tblPr>
+                <a:tableStyleId>{616DA210-FB5B-4158-B5E0-FEB733F419BA}</a:tableStyleId>
+              </a:tblPr>
+              <a:tblGrid>
+                <a:gridCol w="5680400">
+                  <a:extLst>
+                    <a:ext uri="{9D8B030D-6E8A-4147-A177-3AD203B41FA5}">
+                      <a16:colId xmlns:a16="http://schemas.microsoft.com/office/drawing/2014/main" val="20000"/>
+                    </a:ext>
+                  </a:extLst>
+                </a:gridCol>
+                <a:gridCol w="5680400">
+                  <a:extLst>
+                    <a:ext uri="{9D8B030D-6E8A-4147-A177-3AD203B41FA5}">
+                      <a16:colId xmlns:a16="http://schemas.microsoft.com/office/drawing/2014/main" val="20001"/>
+                    </a:ext>
+                  </a:extLst>
+                </a:gridCol>
+              </a:tblGrid>
+              <a:tr h="609560">
+                <a:tc>
+                  <a:txBody>
+                    <a:bodyPr/>
+                    <a:lstStyle/>
+                    <a:p>
+                      <a:pPr marL="0" lvl="0" indent="0" algn="l" rtl="0">
+                        <a:spcBef>
+                          <a:spcPts val="0"/>
+                        </a:spcBef>
+                        <a:spcAft>
+                          <a:spcPts val="0"/>
+                        </a:spcAft>
+                        <a:buNone/>
+                      </a:pPr>
+                      <a:r>
+                        <a:rPr lang="en" sz="2400" b="1" dirty="0"/>
+                        <a:t>Test Cases - input</a:t>
+                      </a:r>
+                      <a:endParaRPr sz="2400" b="1" dirty="0"/>
+                    </a:p>
+                  </a:txBody>
+                  <a:tcPr marL="121900" marR="121900" marT="121900" marB="121900"/>
+                </a:tc>
+                <a:tc>
+                  <a:txBody>
+                    <a:bodyPr/>
+                    <a:lstStyle/>
+                    <a:p>
+                      <a:pPr marL="0" lvl="0" indent="0" algn="l" rtl="0">
+                        <a:spcBef>
+                          <a:spcPts val="0"/>
+                        </a:spcBef>
+                        <a:spcAft>
+                          <a:spcPts val="0"/>
+                        </a:spcAft>
+                        <a:buNone/>
+                      </a:pPr>
+                      <a:r>
+                        <a:rPr lang="en" sz="2400" b="1" dirty="0"/>
+                        <a:t>Expected output</a:t>
+                      </a:r>
+                      <a:endParaRPr sz="2400" b="1" dirty="0"/>
+                    </a:p>
+                  </a:txBody>
+                  <a:tcPr marL="121900" marR="121900" marT="121900" marB="121900"/>
+                </a:tc>
+                <a:extLst>
+                  <a:ext uri="{0D108BD9-81ED-4DB2-BD59-A6C34878D82A}">
+                    <a16:rowId xmlns:a16="http://schemas.microsoft.com/office/drawing/2014/main" val="10000"/>
+                  </a:ext>
+                </a:extLst>
+              </a:tr>
+              <a:tr h="609560">
+                <a:tc>
+                  <a:txBody>
+                    <a:bodyPr/>
+                    <a:lstStyle/>
+                    <a:p>
+                      <a:pPr marL="0" lvl="0" indent="0" algn="l" rtl="0">
+                        <a:spcBef>
+                          <a:spcPts val="0"/>
+                        </a:spcBef>
+                        <a:spcAft>
+                          <a:spcPts val="0"/>
+                        </a:spcAft>
+                        <a:buNone/>
+                      </a:pPr>
+                      <a:r>
+                        <a:rPr lang="en-US" sz="2400" dirty="0"/>
+                        <a:t>Any Māori number between 1 and 10 (spelt correctly)</a:t>
+                      </a:r>
+                      <a:endParaRPr sz="2400" dirty="0"/>
+                    </a:p>
+                  </a:txBody>
+                  <a:tcPr marL="121900" marR="121900" marT="121900" marB="121900"/>
+                </a:tc>
+                <a:tc>
+                  <a:txBody>
+                    <a:bodyPr/>
+                    <a:lstStyle/>
+                    <a:p>
+                      <a:pPr marL="0" lvl="0" indent="0" algn="l" rtl="0">
+                        <a:spcBef>
+                          <a:spcPts val="0"/>
+                        </a:spcBef>
+                        <a:spcAft>
+                          <a:spcPts val="0"/>
+                        </a:spcAft>
+                        <a:buNone/>
+                      </a:pPr>
+                      <a:r>
+                        <a:rPr lang="en-US" sz="2400" dirty="0"/>
+                        <a:t>tells the user they are correct</a:t>
+                      </a:r>
+                      <a:endParaRPr sz="2400" dirty="0"/>
+                    </a:p>
+                  </a:txBody>
+                  <a:tcPr marL="121900" marR="121900" marT="121900" marB="121900"/>
+                </a:tc>
+                <a:extLst>
+                  <a:ext uri="{0D108BD9-81ED-4DB2-BD59-A6C34878D82A}">
+                    <a16:rowId xmlns:a16="http://schemas.microsoft.com/office/drawing/2014/main" val="10001"/>
+                  </a:ext>
+                </a:extLst>
+              </a:tr>
+              <a:tr h="609560">
+                <a:tc>
+                  <a:txBody>
+                    <a:bodyPr/>
+                    <a:lstStyle/>
+                    <a:p>
+                      <a:pPr marL="0" marR="0" lvl="0" indent="0" algn="l" defTabSz="914400" rtl="0" eaLnBrk="1" fontAlgn="auto" latinLnBrk="0" hangingPunct="1">
+                        <a:lnSpc>
+                          <a:spcPct val="100000"/>
+                        </a:lnSpc>
+                        <a:spcBef>
+                          <a:spcPts val="0"/>
+                        </a:spcBef>
+                        <a:spcAft>
+                          <a:spcPts val="0"/>
+                        </a:spcAft>
+                        <a:buClrTx/>
+                        <a:buSzTx/>
+                        <a:buFontTx/>
+                        <a:buNone/>
+                        <a:tabLst/>
+                        <a:defRPr/>
+                      </a:pPr>
+                      <a:r>
+                        <a:rPr lang="en-US" sz="2400" dirty="0"/>
+                        <a:t>Anything else</a:t>
+                      </a:r>
+                    </a:p>
+                  </a:txBody>
+                  <a:tcPr marL="121900" marR="121900" marT="121900" marB="121900"/>
+                </a:tc>
+                <a:tc>
+                  <a:txBody>
+                    <a:bodyPr/>
+                    <a:lstStyle/>
+                    <a:p>
+                      <a:pPr marL="0" lvl="0" indent="0" algn="l" rtl="0">
+                        <a:spcBef>
+                          <a:spcPts val="0"/>
+                        </a:spcBef>
+                        <a:spcAft>
+                          <a:spcPts val="0"/>
+                        </a:spcAft>
+                        <a:buNone/>
+                      </a:pPr>
+                      <a:r>
+                        <a:rPr lang="en-US" sz="2400" dirty="0"/>
+                        <a:t>tells the user they are incorrect</a:t>
+                      </a:r>
+                      <a:endParaRPr sz="2400" dirty="0"/>
+                    </a:p>
+                  </a:txBody>
+                  <a:tcPr marL="121900" marR="121900" marT="121900" marB="121900"/>
+                </a:tc>
+                <a:extLst>
+                  <a:ext uri="{0D108BD9-81ED-4DB2-BD59-A6C34878D82A}">
+                    <a16:rowId xmlns:a16="http://schemas.microsoft.com/office/drawing/2014/main" val="1825611045"/>
+                  </a:ext>
+                </a:extLst>
+              </a:tr>
+            </a:tbl>
+          </a:graphicData>
+        </a:graphic>
+      </p:graphicFrame>
+    </p:spTree>
+    <p:extLst>
+      <p:ext uri="{BB962C8B-B14F-4D97-AF65-F5344CB8AC3E}">
+        <p14:creationId xmlns:p14="http://schemas.microsoft.com/office/powerpoint/2010/main" val="771560408"/>
+      </p:ext>
+    </p:extLst>
+  </p:cSld>
+  <p:clrMapOvr>
+    <a:masterClrMapping/>
+  </p:clrMapOvr>
+</p:sld>
+</file>
+
+<file path=ppt/slides/slide14.xml><?xml version="1.0" encoding="utf-8"?>
+<p:sld xmlns:a="http://schemas.openxmlformats.org/drawingml/2006/main" xmlns:r="http://schemas.openxmlformats.org/officeDocument/2006/relationships" xmlns:p="http://schemas.openxmlformats.org/presentationml/2006/main">
+  <p:cSld>
+    <p:spTree>
+      <p:nvGrpSpPr>
+        <p:cNvPr id="1" name=""/>
+        <p:cNvGrpSpPr/>
+        <p:nvPr/>
+      </p:nvGrpSpPr>
+      <p:grpSpPr>
+        <a:xfrm>
+          <a:off x="0" y="0"/>
+          <a:ext cx="0" cy="0"/>
+          <a:chOff x="0" y="0"/>
+          <a:chExt cx="0" cy="0"/>
+        </a:xfrm>
+      </p:grpSpPr>
+      <p:sp>
+        <p:nvSpPr>
+          <p:cNvPr id="2" name="Title 1">
+            <a:extLst>
+              <a:ext uri="{FF2B5EF4-FFF2-40B4-BE49-F238E27FC236}">
+                <a16:creationId xmlns:a16="http://schemas.microsoft.com/office/drawing/2014/main" id="{1CC5D32F-7C18-4D00-8D54-2FB046F0A206}"/>
+              </a:ext>
+            </a:extLst>
+          </p:cNvPr>
+          <p:cNvSpPr>
+            <a:spLocks noGrp="1"/>
+          </p:cNvSpPr>
+          <p:nvPr>
+            <p:ph type="title"/>
+          </p:nvPr>
+        </p:nvSpPr>
+        <p:spPr>
+          <a:xfrm>
+            <a:off x="838200" y="518160"/>
+            <a:ext cx="10515600" cy="562928"/>
+          </a:xfrm>
+        </p:spPr>
+        <p:txBody>
+          <a:bodyPr>
+            <a:normAutofit fontScale="90000"/>
+          </a:bodyPr>
+          <a:lstStyle/>
+          <a:p>
+            <a:r>
+              <a:rPr lang="en-NZ" dirty="0"/>
+              <a:t>Questions: Testing </a:t>
+            </a:r>
+          </a:p>
+        </p:txBody>
+      </p:sp>
+      <p:pic>
+        <p:nvPicPr>
+          <p:cNvPr id="4" name="Picture 3" descr="A screenshot of a computer&#10;&#10;Description automatically generated with medium confidence">
+            <a:extLst>
+              <a:ext uri="{FF2B5EF4-FFF2-40B4-BE49-F238E27FC236}">
+                <a16:creationId xmlns:a16="http://schemas.microsoft.com/office/drawing/2014/main" id="{57D73009-3D97-D1D1-4A2A-5959A9FEFF5A}"/>
+              </a:ext>
+            </a:extLst>
+          </p:cNvPr>
+          <p:cNvPicPr>
+            <a:picLocks noChangeAspect="1"/>
+          </p:cNvPicPr>
+          <p:nvPr/>
+        </p:nvPicPr>
+        <p:blipFill>
+          <a:blip r:embed="rId3">
+            <a:extLst>
+              <a:ext uri="{28A0092B-C50C-407E-A947-70E740481C1C}">
+                <a14:useLocalDpi xmlns:a14="http://schemas.microsoft.com/office/drawing/2010/main" val="0"/>
+              </a:ext>
+            </a:extLst>
+          </a:blip>
+          <a:stretch>
+            <a:fillRect/>
+          </a:stretch>
+        </p:blipFill>
+        <p:spPr>
+          <a:xfrm>
+            <a:off x="101098" y="2308035"/>
+            <a:ext cx="5994902" cy="2241929"/>
+          </a:xfrm>
+          <a:prstGeom prst="rect">
+            <a:avLst/>
+          </a:prstGeom>
+        </p:spPr>
+      </p:pic>
+      <p:pic>
+        <p:nvPicPr>
+          <p:cNvPr id="7" name="Picture 6" descr="A screenshot of a computer&#10;&#10;Description automatically generated with medium confidence">
+            <a:extLst>
+              <a:ext uri="{FF2B5EF4-FFF2-40B4-BE49-F238E27FC236}">
+                <a16:creationId xmlns:a16="http://schemas.microsoft.com/office/drawing/2014/main" id="{B0032757-90D6-59D6-5989-336B066E1AF7}"/>
+              </a:ext>
+            </a:extLst>
+          </p:cNvPr>
+          <p:cNvPicPr>
+            <a:picLocks noChangeAspect="1"/>
+          </p:cNvPicPr>
+          <p:nvPr/>
+        </p:nvPicPr>
+        <p:blipFill>
+          <a:blip r:embed="rId4">
+            <a:extLst>
+              <a:ext uri="{28A0092B-C50C-407E-A947-70E740481C1C}">
+                <a14:useLocalDpi xmlns:a14="http://schemas.microsoft.com/office/drawing/2010/main" val="0"/>
+              </a:ext>
+            </a:extLst>
+          </a:blip>
+          <a:stretch>
+            <a:fillRect/>
+          </a:stretch>
+        </p:blipFill>
+        <p:spPr>
+          <a:xfrm>
+            <a:off x="6197098" y="2308035"/>
+            <a:ext cx="5994902" cy="2241929"/>
+          </a:xfrm>
+          <a:prstGeom prst="rect">
+            <a:avLst/>
+          </a:prstGeom>
+        </p:spPr>
+      </p:pic>
+    </p:spTree>
+    <p:extLst>
+      <p:ext uri="{BB962C8B-B14F-4D97-AF65-F5344CB8AC3E}">
+        <p14:creationId xmlns:p14="http://schemas.microsoft.com/office/powerpoint/2010/main" val="547581270"/>
+      </p:ext>
+    </p:extLst>
+  </p:cSld>
+  <p:clrMapOvr>
+    <a:masterClrMapping/>
+  </p:clrMapOvr>
+</p:sld>
+</file>
+
+<file path=ppt/slides/slide15.xml><?xml version="1.0" encoding="utf-8"?>
+<p:sld xmlns:a="http://schemas.openxmlformats.org/drawingml/2006/main" xmlns:r="http://schemas.openxmlformats.org/officeDocument/2006/relationships" xmlns:p="http://schemas.openxmlformats.org/presentationml/2006/main">
+  <p:cSld>
+    <p:spTree>
+      <p:nvGrpSpPr>
+        <p:cNvPr id="1" name=""/>
+        <p:cNvGrpSpPr/>
+        <p:nvPr/>
+      </p:nvGrpSpPr>
+      <p:grpSpPr>
+        <a:xfrm>
+          <a:off x="0" y="0"/>
+          <a:ext cx="0" cy="0"/>
+          <a:chOff x="0" y="0"/>
+          <a:chExt cx="0" cy="0"/>
+        </a:xfrm>
+      </p:grpSpPr>
+      <p:sp>
+        <p:nvSpPr>
+          <p:cNvPr id="2" name="Title 1">
+            <a:extLst>
+              <a:ext uri="{FF2B5EF4-FFF2-40B4-BE49-F238E27FC236}">
+                <a16:creationId xmlns:a16="http://schemas.microsoft.com/office/drawing/2014/main" id="{321F8E66-F9B8-4062-8E8D-D5ADB11625DA}"/>
+              </a:ext>
+            </a:extLst>
+          </p:cNvPr>
+          <p:cNvSpPr>
+            <a:spLocks noGrp="1"/>
+          </p:cNvSpPr>
+          <p:nvPr>
+            <p:ph type="title"/>
+          </p:nvPr>
+        </p:nvSpPr>
+        <p:spPr>
+          <a:xfrm>
+            <a:off x="838200" y="365125"/>
+            <a:ext cx="10515600" cy="600075"/>
+          </a:xfrm>
+        </p:spPr>
+        <p:txBody>
+          <a:bodyPr>
+            <a:normAutofit fontScale="90000"/>
+          </a:bodyPr>
+          <a:lstStyle/>
+          <a:p>
+            <a:r>
+              <a:rPr lang="en-NZ" sz="4000" dirty="0"/>
+              <a:t>Decomposition:</a:t>
+            </a:r>
+          </a:p>
+        </p:txBody>
+      </p:sp>
+      <p:pic>
+        <p:nvPicPr>
+          <p:cNvPr id="5" name="Picture 4" descr="Graphical user interface&#10;&#10;Description automatically generated">
+            <a:extLst>
+              <a:ext uri="{FF2B5EF4-FFF2-40B4-BE49-F238E27FC236}">
+                <a16:creationId xmlns:a16="http://schemas.microsoft.com/office/drawing/2014/main" id="{0A2667C8-8424-AB81-2BF5-A996BCD22D07}"/>
+              </a:ext>
+            </a:extLst>
+          </p:cNvPr>
+          <p:cNvPicPr>
+            <a:picLocks noChangeAspect="1"/>
+          </p:cNvPicPr>
+          <p:nvPr/>
+        </p:nvPicPr>
+        <p:blipFill>
+          <a:blip r:embed="rId3">
+            <a:extLst>
+              <a:ext uri="{28A0092B-C50C-407E-A947-70E740481C1C}">
+                <a14:useLocalDpi xmlns:a14="http://schemas.microsoft.com/office/drawing/2010/main" val="0"/>
+              </a:ext>
+            </a:extLst>
+          </a:blip>
+          <a:stretch>
+            <a:fillRect/>
+          </a:stretch>
+        </p:blipFill>
+        <p:spPr>
+          <a:xfrm>
+            <a:off x="2533650" y="939800"/>
+            <a:ext cx="7124700" cy="4978400"/>
+          </a:xfrm>
+          <a:prstGeom prst="rect">
+            <a:avLst/>
+          </a:prstGeom>
+        </p:spPr>
+      </p:pic>
+    </p:spTree>
+    <p:extLst>
+      <p:ext uri="{BB962C8B-B14F-4D97-AF65-F5344CB8AC3E}">
+        <p14:creationId xmlns:p14="http://schemas.microsoft.com/office/powerpoint/2010/main" val="502470858"/>
+      </p:ext>
+    </p:extLst>
+  </p:cSld>
+  <p:clrMapOvr>
+    <a:masterClrMapping/>
+  </p:clrMapOvr>
+</p:sld>
+</file>
+
+<file path=ppt/slides/slide16.xml><?xml version="1.0" encoding="utf-8"?>
+<p:sld xmlns:a="http://schemas.openxmlformats.org/drawingml/2006/main" xmlns:r="http://schemas.openxmlformats.org/officeDocument/2006/relationships" xmlns:p="http://schemas.openxmlformats.org/presentationml/2006/main">
+  <p:cSld>
+    <p:spTree>
+      <p:nvGrpSpPr>
+        <p:cNvPr id="1" name="Shape 90"/>
+        <p:cNvGrpSpPr/>
+        <p:nvPr/>
+      </p:nvGrpSpPr>
+      <p:grpSpPr>
+        <a:xfrm>
+          <a:off x="0" y="0"/>
+          <a:ext cx="0" cy="0"/>
+          <a:chOff x="0" y="0"/>
+          <a:chExt cx="0" cy="0"/>
+        </a:xfrm>
+      </p:grpSpPr>
+      <p:sp>
+        <p:nvSpPr>
+          <p:cNvPr id="4" name="TextBox 3">
+            <a:extLst>
+              <a:ext uri="{FF2B5EF4-FFF2-40B4-BE49-F238E27FC236}">
+                <a16:creationId xmlns:a16="http://schemas.microsoft.com/office/drawing/2014/main" id="{70C573CE-07BB-68B4-D443-A94A6FB7B266}"/>
+              </a:ext>
+            </a:extLst>
+          </p:cNvPr>
+          <p:cNvSpPr txBox="1"/>
+          <p:nvPr/>
+        </p:nvSpPr>
+        <p:spPr>
+          <a:xfrm>
+            <a:off x="473082" y="3244334"/>
+            <a:ext cx="11245835" cy="369332"/>
+          </a:xfrm>
+          <a:prstGeom prst="rect">
+            <a:avLst/>
+          </a:prstGeom>
+          <a:noFill/>
+        </p:spPr>
+        <p:txBody>
+          <a:bodyPr wrap="none" rtlCol="0">
             <a:spAutoFit/>
           </a:bodyPr>
           <a:lstStyle/>
           <a:p>
             <a:r>
-              <a:rPr lang="en-NZ" i="1" dirty="0">
-                <a:latin typeface="Arial" panose="020B0604020202020204" pitchFamily="34" charset="0"/>
-              </a:rPr>
-              <a:t>Discuss how the information from planning, testing and trialling of components assisted in the development of a high-quality outcome.</a:t>
+              <a:rPr lang="en-AU" dirty="0"/>
+              <a:t>There is no test plan for the score, as there is no input from the user. But there is proof that it works (On the next slide)</a:t>
             </a:r>
           </a:p>
         </p:txBody>
@@ -5824,7 +8400,309 @@
     </p:spTree>
     <p:extLst>
       <p:ext uri="{BB962C8B-B14F-4D97-AF65-F5344CB8AC3E}">
-        <p14:creationId xmlns:p14="http://schemas.microsoft.com/office/powerpoint/2010/main" val="2276153040"/>
+        <p14:creationId xmlns:p14="http://schemas.microsoft.com/office/powerpoint/2010/main" val="1513620004"/>
+      </p:ext>
+    </p:extLst>
+  </p:cSld>
+  <p:clrMapOvr>
+    <a:masterClrMapping/>
+  </p:clrMapOvr>
+</p:sld>
+</file>
+
+<file path=ppt/slides/slide17.xml><?xml version="1.0" encoding="utf-8"?>
+<p:sld xmlns:a="http://schemas.openxmlformats.org/drawingml/2006/main" xmlns:r="http://schemas.openxmlformats.org/officeDocument/2006/relationships" xmlns:p="http://schemas.openxmlformats.org/presentationml/2006/main">
+  <p:cSld>
+    <p:spTree>
+      <p:nvGrpSpPr>
+        <p:cNvPr id="1" name=""/>
+        <p:cNvGrpSpPr/>
+        <p:nvPr/>
+      </p:nvGrpSpPr>
+      <p:grpSpPr>
+        <a:xfrm>
+          <a:off x="0" y="0"/>
+          <a:ext cx="0" cy="0"/>
+          <a:chOff x="0" y="0"/>
+          <a:chExt cx="0" cy="0"/>
+        </a:xfrm>
+      </p:grpSpPr>
+      <p:sp>
+        <p:nvSpPr>
+          <p:cNvPr id="2" name="Title 1">
+            <a:extLst>
+              <a:ext uri="{FF2B5EF4-FFF2-40B4-BE49-F238E27FC236}">
+                <a16:creationId xmlns:a16="http://schemas.microsoft.com/office/drawing/2014/main" id="{1CC5D32F-7C18-4D00-8D54-2FB046F0A206}"/>
+              </a:ext>
+            </a:extLst>
+          </p:cNvPr>
+          <p:cNvSpPr>
+            <a:spLocks noGrp="1"/>
+          </p:cNvSpPr>
+          <p:nvPr>
+            <p:ph type="title"/>
+          </p:nvPr>
+        </p:nvSpPr>
+        <p:spPr>
+          <a:xfrm>
+            <a:off x="838200" y="518160"/>
+            <a:ext cx="10515600" cy="562928"/>
+          </a:xfrm>
+        </p:spPr>
+        <p:txBody>
+          <a:bodyPr>
+            <a:normAutofit fontScale="90000"/>
+          </a:bodyPr>
+          <a:lstStyle/>
+          <a:p>
+            <a:r>
+              <a:rPr lang="en-NZ" dirty="0"/>
+              <a:t>Score: Testing </a:t>
+            </a:r>
+          </a:p>
+        </p:txBody>
+      </p:sp>
+      <p:pic>
+        <p:nvPicPr>
+          <p:cNvPr id="5" name="Picture 4" descr="A screenshot of a computer&#10;&#10;Description automatically generated with medium confidence">
+            <a:extLst>
+              <a:ext uri="{FF2B5EF4-FFF2-40B4-BE49-F238E27FC236}">
+                <a16:creationId xmlns:a16="http://schemas.microsoft.com/office/drawing/2014/main" id="{F9D0E288-2129-ADF2-9EAE-A723CDB717A7}"/>
+              </a:ext>
+            </a:extLst>
+          </p:cNvPr>
+          <p:cNvPicPr>
+            <a:picLocks noChangeAspect="1"/>
+          </p:cNvPicPr>
+          <p:nvPr/>
+        </p:nvPicPr>
+        <p:blipFill>
+          <a:blip r:embed="rId3">
+            <a:extLst>
+              <a:ext uri="{28A0092B-C50C-407E-A947-70E740481C1C}">
+                <a14:useLocalDpi xmlns:a14="http://schemas.microsoft.com/office/drawing/2010/main" val="0"/>
+              </a:ext>
+            </a:extLst>
+          </a:blip>
+          <a:stretch>
+            <a:fillRect/>
+          </a:stretch>
+        </p:blipFill>
+        <p:spPr>
+          <a:xfrm>
+            <a:off x="3581400" y="2222500"/>
+            <a:ext cx="5029200" cy="2413000"/>
+          </a:xfrm>
+          <a:prstGeom prst="rect">
+            <a:avLst/>
+          </a:prstGeom>
+        </p:spPr>
+      </p:pic>
+      <p:sp>
+        <p:nvSpPr>
+          <p:cNvPr id="6" name="TextBox 5">
+            <a:extLst>
+              <a:ext uri="{FF2B5EF4-FFF2-40B4-BE49-F238E27FC236}">
+                <a16:creationId xmlns:a16="http://schemas.microsoft.com/office/drawing/2014/main" id="{3A6D93E0-02EC-CB01-60A2-AC59702A54AD}"/>
+              </a:ext>
+            </a:extLst>
+          </p:cNvPr>
+          <p:cNvSpPr txBox="1"/>
+          <p:nvPr/>
+        </p:nvSpPr>
+        <p:spPr>
+          <a:xfrm>
+            <a:off x="3475314" y="4671704"/>
+            <a:ext cx="5241371" cy="369332"/>
+          </a:xfrm>
+          <a:prstGeom prst="rect">
+            <a:avLst/>
+          </a:prstGeom>
+          <a:noFill/>
+        </p:spPr>
+        <p:txBody>
+          <a:bodyPr wrap="none" rtlCol="0">
+            <a:spAutoFit/>
+          </a:bodyPr>
+          <a:lstStyle/>
+          <a:p>
+            <a:r>
+              <a:rPr lang="en-AU" dirty="0"/>
+              <a:t>The number ‘0’ is actually the score, believe it or not.</a:t>
+            </a:r>
+          </a:p>
+        </p:txBody>
+      </p:sp>
+    </p:spTree>
+    <p:extLst>
+      <p:ext uri="{BB962C8B-B14F-4D97-AF65-F5344CB8AC3E}">
+        <p14:creationId xmlns:p14="http://schemas.microsoft.com/office/powerpoint/2010/main" val="747197995"/>
+      </p:ext>
+    </p:extLst>
+  </p:cSld>
+  <p:clrMapOvr>
+    <a:masterClrMapping/>
+  </p:clrMapOvr>
+</p:sld>
+</file>
+
+<file path=ppt/slides/slide18.xml><?xml version="1.0" encoding="utf-8"?>
+<p:sld xmlns:a="http://schemas.openxmlformats.org/drawingml/2006/main" xmlns:r="http://schemas.openxmlformats.org/officeDocument/2006/relationships" xmlns:p="http://schemas.openxmlformats.org/presentationml/2006/main">
+  <p:cSld>
+    <p:spTree>
+      <p:nvGrpSpPr>
+        <p:cNvPr id="1" name=""/>
+        <p:cNvGrpSpPr/>
+        <p:nvPr/>
+      </p:nvGrpSpPr>
+      <p:grpSpPr>
+        <a:xfrm>
+          <a:off x="0" y="0"/>
+          <a:ext cx="0" cy="0"/>
+          <a:chOff x="0" y="0"/>
+          <a:chExt cx="0" cy="0"/>
+        </a:xfrm>
+      </p:grpSpPr>
+      <p:sp>
+        <p:nvSpPr>
+          <p:cNvPr id="2" name="Title 1">
+            <a:extLst>
+              <a:ext uri="{FF2B5EF4-FFF2-40B4-BE49-F238E27FC236}">
+                <a16:creationId xmlns:a16="http://schemas.microsoft.com/office/drawing/2014/main" id="{321F8E66-F9B8-4062-8E8D-D5ADB11625DA}"/>
+              </a:ext>
+            </a:extLst>
+          </p:cNvPr>
+          <p:cNvSpPr>
+            <a:spLocks noGrp="1"/>
+          </p:cNvSpPr>
+          <p:nvPr>
+            <p:ph type="title"/>
+          </p:nvPr>
+        </p:nvSpPr>
+        <p:spPr>
+          <a:xfrm>
+            <a:off x="838200" y="365125"/>
+            <a:ext cx="10515600" cy="600075"/>
+          </a:xfrm>
+        </p:spPr>
+        <p:txBody>
+          <a:bodyPr>
+            <a:normAutofit fontScale="90000"/>
+          </a:bodyPr>
+          <a:lstStyle/>
+          <a:p>
+            <a:r>
+              <a:rPr lang="en-NZ" sz="4000" dirty="0"/>
+              <a:t>Decomposition:</a:t>
+            </a:r>
+          </a:p>
+        </p:txBody>
+      </p:sp>
+      <p:pic>
+        <p:nvPicPr>
+          <p:cNvPr id="4" name="Picture 3" descr="Graphical user interface&#10;&#10;Description automatically generated">
+            <a:extLst>
+              <a:ext uri="{FF2B5EF4-FFF2-40B4-BE49-F238E27FC236}">
+                <a16:creationId xmlns:a16="http://schemas.microsoft.com/office/drawing/2014/main" id="{443C2590-A2E1-482E-8EEF-1A0422FFCC35}"/>
+              </a:ext>
+            </a:extLst>
+          </p:cNvPr>
+          <p:cNvPicPr>
+            <a:picLocks noChangeAspect="1"/>
+          </p:cNvPicPr>
+          <p:nvPr/>
+        </p:nvPicPr>
+        <p:blipFill>
+          <a:blip r:embed="rId3">
+            <a:extLst>
+              <a:ext uri="{28A0092B-C50C-407E-A947-70E740481C1C}">
+                <a14:useLocalDpi xmlns:a14="http://schemas.microsoft.com/office/drawing/2010/main" val="0"/>
+              </a:ext>
+            </a:extLst>
+          </a:blip>
+          <a:stretch>
+            <a:fillRect/>
+          </a:stretch>
+        </p:blipFill>
+        <p:spPr>
+          <a:xfrm>
+            <a:off x="2533650" y="939800"/>
+            <a:ext cx="7124700" cy="4978400"/>
+          </a:xfrm>
+          <a:prstGeom prst="rect">
+            <a:avLst/>
+          </a:prstGeom>
+        </p:spPr>
+      </p:pic>
+    </p:spTree>
+    <p:extLst>
+      <p:ext uri="{BB962C8B-B14F-4D97-AF65-F5344CB8AC3E}">
+        <p14:creationId xmlns:p14="http://schemas.microsoft.com/office/powerpoint/2010/main" val="2756871743"/>
+      </p:ext>
+    </p:extLst>
+  </p:cSld>
+  <p:clrMapOvr>
+    <a:masterClrMapping/>
+  </p:clrMapOvr>
+</p:sld>
+</file>
+
+<file path=ppt/slides/slide19.xml><?xml version="1.0" encoding="utf-8"?>
+<p:sld xmlns:a="http://schemas.openxmlformats.org/drawingml/2006/main" xmlns:r="http://schemas.openxmlformats.org/officeDocument/2006/relationships" xmlns:p="http://schemas.openxmlformats.org/presentationml/2006/main">
+  <p:cSld>
+    <p:spTree>
+      <p:nvGrpSpPr>
+        <p:cNvPr id="1" name="Shape 90"/>
+        <p:cNvGrpSpPr/>
+        <p:nvPr/>
+      </p:nvGrpSpPr>
+      <p:grpSpPr>
+        <a:xfrm>
+          <a:off x="0" y="0"/>
+          <a:ext cx="0" cy="0"/>
+          <a:chOff x="0" y="0"/>
+          <a:chExt cx="0" cy="0"/>
+        </a:xfrm>
+      </p:grpSpPr>
+      <p:sp>
+        <p:nvSpPr>
+          <p:cNvPr id="4" name="TextBox 3">
+            <a:extLst>
+              <a:ext uri="{FF2B5EF4-FFF2-40B4-BE49-F238E27FC236}">
+                <a16:creationId xmlns:a16="http://schemas.microsoft.com/office/drawing/2014/main" id="{70C573CE-07BB-68B4-D443-A94A6FB7B266}"/>
+              </a:ext>
+            </a:extLst>
+          </p:cNvPr>
+          <p:cNvSpPr txBox="1"/>
+          <p:nvPr/>
+        </p:nvSpPr>
+        <p:spPr>
+          <a:xfrm>
+            <a:off x="0" y="3244334"/>
+            <a:ext cx="12260408" cy="369332"/>
+          </a:xfrm>
+          <a:prstGeom prst="rect">
+            <a:avLst/>
+          </a:prstGeom>
+          <a:noFill/>
+        </p:spPr>
+        <p:txBody>
+          <a:bodyPr wrap="none" rtlCol="0">
+            <a:spAutoFit/>
+          </a:bodyPr>
+          <a:lstStyle/>
+          <a:p>
+            <a:r>
+              <a:rPr lang="en-AU" dirty="0"/>
+              <a:t>There is no test plan for the summary/replay, as there is no input from the user. But there is proof that it works (On the next slide)</a:t>
+            </a:r>
+          </a:p>
+        </p:txBody>
+      </p:sp>
+    </p:spTree>
+    <p:extLst>
+      <p:ext uri="{BB962C8B-B14F-4D97-AF65-F5344CB8AC3E}">
+        <p14:creationId xmlns:p14="http://schemas.microsoft.com/office/powerpoint/2010/main" val="2078830213"/>
       </p:ext>
     </p:extLst>
   </p:cSld>
@@ -5897,8 +8775,8 @@
         </p:nvSpPr>
         <p:spPr>
           <a:xfrm>
-            <a:off x="1693460" y="1914475"/>
-            <a:ext cx="8520600" cy="2134708"/>
+            <a:off x="1693460" y="1914474"/>
+            <a:ext cx="8520600" cy="2413005"/>
           </a:xfrm>
           <a:prstGeom prst="rect">
             <a:avLst/>
@@ -6235,31 +9113,24 @@
                   <a:srgbClr val="274E13"/>
                 </a:solidFill>
               </a:rPr>
-              <a:t>Link to final version of your program: [here]</a:t>
-            </a:r>
-          </a:p>
-          <a:p>
-            <a:pPr marL="0" indent="0">
-              <a:lnSpc>
-                <a:spcPct val="100000"/>
-              </a:lnSpc>
-              <a:spcBef>
-                <a:spcPts val="0"/>
-              </a:spcBef>
-              <a:buClr>
-                <a:schemeClr val="dk1"/>
-              </a:buClr>
-              <a:buSzPts val="1100"/>
-              <a:buFont typeface="Arial"/>
-              <a:buNone/>
-            </a:pPr>
+              <a:t>Link to final version of your program: [</a:t>
+            </a:r>
+            <a:r>
+              <a:rPr lang="en-NZ" sz="2000" b="1" dirty="0">
+                <a:solidFill>
+                  <a:srgbClr val="274E13"/>
+                </a:solidFill>
+                <a:hlinkClick r:id="rId4"/>
+              </a:rPr>
+              <a:t>Full Game</a:t>
+            </a:r>
             <a:r>
               <a:rPr lang="en-NZ" sz="2000" b="1" dirty="0">
                 <a:solidFill>
                   <a:srgbClr val="274E13"/>
                 </a:solidFill>
               </a:rPr>
-              <a:t> </a:t>
+              <a:t>] </a:t>
             </a:r>
             <a:endParaRPr lang="en-NZ" sz="2000" dirty="0"/>
           </a:p>
@@ -6396,6 +9267,357 @@
     <p:extLst>
       <p:ext uri="{BB962C8B-B14F-4D97-AF65-F5344CB8AC3E}">
         <p14:creationId xmlns:p14="http://schemas.microsoft.com/office/powerpoint/2010/main" val="3838895173"/>
+      </p:ext>
+    </p:extLst>
+  </p:cSld>
+  <p:clrMapOvr>
+    <a:masterClrMapping/>
+  </p:clrMapOvr>
+</p:sld>
+</file>
+
+<file path=ppt/slides/slide20.xml><?xml version="1.0" encoding="utf-8"?>
+<p:sld xmlns:a="http://schemas.openxmlformats.org/drawingml/2006/main" xmlns:r="http://schemas.openxmlformats.org/officeDocument/2006/relationships" xmlns:p="http://schemas.openxmlformats.org/presentationml/2006/main">
+  <p:cSld>
+    <p:spTree>
+      <p:nvGrpSpPr>
+        <p:cNvPr id="1" name=""/>
+        <p:cNvGrpSpPr/>
+        <p:nvPr/>
+      </p:nvGrpSpPr>
+      <p:grpSpPr>
+        <a:xfrm>
+          <a:off x="0" y="0"/>
+          <a:ext cx="0" cy="0"/>
+          <a:chOff x="0" y="0"/>
+          <a:chExt cx="0" cy="0"/>
+        </a:xfrm>
+      </p:grpSpPr>
+      <p:sp>
+        <p:nvSpPr>
+          <p:cNvPr id="2" name="Title 1">
+            <a:extLst>
+              <a:ext uri="{FF2B5EF4-FFF2-40B4-BE49-F238E27FC236}">
+                <a16:creationId xmlns:a16="http://schemas.microsoft.com/office/drawing/2014/main" id="{1CC5D32F-7C18-4D00-8D54-2FB046F0A206}"/>
+              </a:ext>
+            </a:extLst>
+          </p:cNvPr>
+          <p:cNvSpPr>
+            <a:spLocks noGrp="1"/>
+          </p:cNvSpPr>
+          <p:nvPr>
+            <p:ph type="title"/>
+          </p:nvPr>
+        </p:nvSpPr>
+        <p:spPr>
+          <a:xfrm>
+            <a:off x="838200" y="518160"/>
+            <a:ext cx="10515600" cy="562928"/>
+          </a:xfrm>
+        </p:spPr>
+        <p:txBody>
+          <a:bodyPr>
+            <a:normAutofit fontScale="90000"/>
+          </a:bodyPr>
+          <a:lstStyle/>
+          <a:p>
+            <a:r>
+              <a:rPr lang="en-NZ" dirty="0"/>
+              <a:t>Summary/Replay: Testing </a:t>
+            </a:r>
+          </a:p>
+        </p:txBody>
+      </p:sp>
+      <p:pic>
+        <p:nvPicPr>
+          <p:cNvPr id="5" name="Picture 4" descr="Graphical user interface, text, application&#10;&#10;Description automatically generated">
+            <a:extLst>
+              <a:ext uri="{FF2B5EF4-FFF2-40B4-BE49-F238E27FC236}">
+                <a16:creationId xmlns:a16="http://schemas.microsoft.com/office/drawing/2014/main" id="{7BAF3B4F-AE41-097A-90E5-A68BEE821F58}"/>
+              </a:ext>
+            </a:extLst>
+          </p:cNvPr>
+          <p:cNvPicPr>
+            <a:picLocks noChangeAspect="1"/>
+          </p:cNvPicPr>
+          <p:nvPr/>
+        </p:nvPicPr>
+        <p:blipFill>
+          <a:blip r:embed="rId3">
+            <a:extLst>
+              <a:ext uri="{28A0092B-C50C-407E-A947-70E740481C1C}">
+                <a14:useLocalDpi xmlns:a14="http://schemas.microsoft.com/office/drawing/2010/main" val="0"/>
+              </a:ext>
+            </a:extLst>
+          </a:blip>
+          <a:stretch>
+            <a:fillRect/>
+          </a:stretch>
+        </p:blipFill>
+        <p:spPr>
+          <a:xfrm>
+            <a:off x="4527550" y="3079750"/>
+            <a:ext cx="3136900" cy="698500"/>
+          </a:xfrm>
+          <a:prstGeom prst="rect">
+            <a:avLst/>
+          </a:prstGeom>
+        </p:spPr>
+      </p:pic>
+      <p:sp>
+        <p:nvSpPr>
+          <p:cNvPr id="6" name="TextBox 5">
+            <a:extLst>
+              <a:ext uri="{FF2B5EF4-FFF2-40B4-BE49-F238E27FC236}">
+                <a16:creationId xmlns:a16="http://schemas.microsoft.com/office/drawing/2014/main" id="{08886370-165B-38D0-2BD9-20E92B31FF67}"/>
+              </a:ext>
+            </a:extLst>
+          </p:cNvPr>
+          <p:cNvSpPr txBox="1"/>
+          <p:nvPr/>
+        </p:nvSpPr>
+        <p:spPr>
+          <a:xfrm>
+            <a:off x="4457506" y="3778250"/>
+            <a:ext cx="3276987" cy="369332"/>
+          </a:xfrm>
+          <a:prstGeom prst="rect">
+            <a:avLst/>
+          </a:prstGeom>
+          <a:noFill/>
+        </p:spPr>
+        <p:txBody>
+          <a:bodyPr wrap="none" rtlCol="0">
+            <a:spAutoFit/>
+          </a:bodyPr>
+          <a:lstStyle/>
+          <a:p>
+            <a:r>
+              <a:rPr lang="en-AU" dirty="0"/>
+              <a:t>Gives option for summary/replay</a:t>
+            </a:r>
+          </a:p>
+        </p:txBody>
+      </p:sp>
+    </p:spTree>
+    <p:extLst>
+      <p:ext uri="{BB962C8B-B14F-4D97-AF65-F5344CB8AC3E}">
+        <p14:creationId xmlns:p14="http://schemas.microsoft.com/office/powerpoint/2010/main" val="3674868052"/>
+      </p:ext>
+    </p:extLst>
+  </p:cSld>
+  <p:clrMapOvr>
+    <a:masterClrMapping/>
+  </p:clrMapOvr>
+</p:sld>
+</file>
+
+<file path=ppt/slides/slide21.xml><?xml version="1.0" encoding="utf-8"?>
+<p:sld xmlns:a="http://schemas.openxmlformats.org/drawingml/2006/main" xmlns:r="http://schemas.openxmlformats.org/officeDocument/2006/relationships" xmlns:p="http://schemas.openxmlformats.org/presentationml/2006/main">
+  <p:cSld>
+    <p:spTree>
+      <p:nvGrpSpPr>
+        <p:cNvPr id="1" name=""/>
+        <p:cNvGrpSpPr/>
+        <p:nvPr/>
+      </p:nvGrpSpPr>
+      <p:grpSpPr>
+        <a:xfrm>
+          <a:off x="0" y="0"/>
+          <a:ext cx="0" cy="0"/>
+          <a:chOff x="0" y="0"/>
+          <a:chExt cx="0" cy="0"/>
+        </a:xfrm>
+      </p:grpSpPr>
+      <p:sp>
+        <p:nvSpPr>
+          <p:cNvPr id="2" name="Title 1">
+            <a:extLst>
+              <a:ext uri="{FF2B5EF4-FFF2-40B4-BE49-F238E27FC236}">
+                <a16:creationId xmlns:a16="http://schemas.microsoft.com/office/drawing/2014/main" id="{D62183D5-E1F8-4917-B0BA-FC2E62047445}"/>
+              </a:ext>
+            </a:extLst>
+          </p:cNvPr>
+          <p:cNvSpPr>
+            <a:spLocks noGrp="1"/>
+          </p:cNvSpPr>
+          <p:nvPr>
+            <p:ph type="title"/>
+          </p:nvPr>
+        </p:nvSpPr>
+        <p:spPr>
+          <a:xfrm>
+            <a:off x="838200" y="365125"/>
+            <a:ext cx="10515600" cy="559435"/>
+          </a:xfrm>
+        </p:spPr>
+        <p:txBody>
+          <a:bodyPr>
+            <a:normAutofit fontScale="90000"/>
+          </a:bodyPr>
+          <a:lstStyle/>
+          <a:p>
+            <a:r>
+              <a:rPr lang="en-NZ" sz="4000" dirty="0"/>
+              <a:t>Version Control Evidence:</a:t>
+            </a:r>
+          </a:p>
+        </p:txBody>
+      </p:sp>
+      <p:sp>
+        <p:nvSpPr>
+          <p:cNvPr id="3" name="Rectangle 2">
+            <a:extLst>
+              <a:ext uri="{FF2B5EF4-FFF2-40B4-BE49-F238E27FC236}">
+                <a16:creationId xmlns:a16="http://schemas.microsoft.com/office/drawing/2014/main" id="{A89172B1-B985-48A3-8018-FC6FF45BCE4F}"/>
+              </a:ext>
+            </a:extLst>
+          </p:cNvPr>
+          <p:cNvSpPr/>
+          <p:nvPr/>
+        </p:nvSpPr>
+        <p:spPr>
+          <a:xfrm>
+            <a:off x="675639" y="1081088"/>
+            <a:ext cx="9513815" cy="1020921"/>
+          </a:xfrm>
+          <a:prstGeom prst="rect">
+            <a:avLst/>
+          </a:prstGeom>
+        </p:spPr>
+        <p:txBody>
+          <a:bodyPr wrap="square">
+            <a:spAutoFit/>
+          </a:bodyPr>
+          <a:lstStyle/>
+          <a:p>
+            <a:pPr>
+              <a:lnSpc>
+                <a:spcPct val="115000"/>
+              </a:lnSpc>
+              <a:spcAft>
+                <a:spcPts val="0"/>
+              </a:spcAft>
+            </a:pPr>
+            <a:r>
+              <a:rPr lang="en-NZ" i="1" dirty="0">
+                <a:latin typeface="Arial" panose="020B0604020202020204" pitchFamily="34" charset="0"/>
+                <a:ea typeface="Arial" panose="020B0604020202020204" pitchFamily="34" charset="0"/>
+              </a:rPr>
+              <a:t>Your version control evidence should go here.  This could be in the form of screenshots (both of your GitHub repository as well as your local project folder) as evidence of your incremental development.</a:t>
+            </a:r>
+            <a:endParaRPr lang="en-NZ" dirty="0">
+              <a:latin typeface="Arial" panose="020B0604020202020204" pitchFamily="34" charset="0"/>
+              <a:ea typeface="Arial" panose="020B0604020202020204" pitchFamily="34" charset="0"/>
+            </a:endParaRPr>
+          </a:p>
+        </p:txBody>
+      </p:sp>
+    </p:spTree>
+    <p:extLst>
+      <p:ext uri="{BB962C8B-B14F-4D97-AF65-F5344CB8AC3E}">
+        <p14:creationId xmlns:p14="http://schemas.microsoft.com/office/powerpoint/2010/main" val="1357549755"/>
+      </p:ext>
+    </p:extLst>
+  </p:cSld>
+  <p:clrMapOvr>
+    <a:masterClrMapping/>
+  </p:clrMapOvr>
+</p:sld>
+</file>
+
+<file path=ppt/slides/slide22.xml><?xml version="1.0" encoding="utf-8"?>
+<p:sld xmlns:a="http://schemas.openxmlformats.org/drawingml/2006/main" xmlns:r="http://schemas.openxmlformats.org/officeDocument/2006/relationships" xmlns:p="http://schemas.openxmlformats.org/presentationml/2006/main">
+  <p:cSld>
+    <p:spTree>
+      <p:nvGrpSpPr>
+        <p:cNvPr id="1" name=""/>
+        <p:cNvGrpSpPr/>
+        <p:nvPr/>
+      </p:nvGrpSpPr>
+      <p:grpSpPr>
+        <a:xfrm>
+          <a:off x="0" y="0"/>
+          <a:ext cx="0" cy="0"/>
+          <a:chOff x="0" y="0"/>
+          <a:chExt cx="0" cy="0"/>
+        </a:xfrm>
+      </p:grpSpPr>
+      <p:sp>
+        <p:nvSpPr>
+          <p:cNvPr id="2" name="Title 1">
+            <a:extLst>
+              <a:ext uri="{FF2B5EF4-FFF2-40B4-BE49-F238E27FC236}">
+                <a16:creationId xmlns:a16="http://schemas.microsoft.com/office/drawing/2014/main" id="{0AC904DD-5A10-446B-A89E-8DA5AC00DE23}"/>
+              </a:ext>
+            </a:extLst>
+          </p:cNvPr>
+          <p:cNvSpPr>
+            <a:spLocks noGrp="1"/>
+          </p:cNvSpPr>
+          <p:nvPr>
+            <p:ph type="title"/>
+          </p:nvPr>
+        </p:nvSpPr>
+        <p:spPr>
+          <a:xfrm>
+            <a:off x="838200" y="365125"/>
+            <a:ext cx="10515600" cy="721995"/>
+          </a:xfrm>
+        </p:spPr>
+        <p:txBody>
+          <a:bodyPr>
+            <a:normAutofit/>
+          </a:bodyPr>
+          <a:lstStyle/>
+          <a:p>
+            <a:r>
+              <a:rPr lang="en-NZ" sz="4000" dirty="0"/>
+              <a:t>Final Discussion:</a:t>
+            </a:r>
+          </a:p>
+        </p:txBody>
+      </p:sp>
+      <p:sp>
+        <p:nvSpPr>
+          <p:cNvPr id="3" name="Rectangle 2">
+            <a:extLst>
+              <a:ext uri="{FF2B5EF4-FFF2-40B4-BE49-F238E27FC236}">
+                <a16:creationId xmlns:a16="http://schemas.microsoft.com/office/drawing/2014/main" id="{6385A117-1109-4CFD-B531-10565CC9D864}"/>
+              </a:ext>
+            </a:extLst>
+          </p:cNvPr>
+          <p:cNvSpPr/>
+          <p:nvPr/>
+        </p:nvSpPr>
+        <p:spPr>
+          <a:xfrm>
+            <a:off x="838200" y="1087120"/>
+            <a:ext cx="8353926" cy="646331"/>
+          </a:xfrm>
+          <a:prstGeom prst="rect">
+            <a:avLst/>
+          </a:prstGeom>
+        </p:spPr>
+        <p:txBody>
+          <a:bodyPr wrap="square">
+            <a:spAutoFit/>
+          </a:bodyPr>
+          <a:lstStyle/>
+          <a:p>
+            <a:r>
+              <a:rPr lang="en-NZ" i="1" dirty="0">
+                <a:latin typeface="Arial" panose="020B0604020202020204" pitchFamily="34" charset="0"/>
+              </a:rPr>
+              <a:t>Discuss how the information from planning, testing and trialling of components assisted in the development of a high-quality outcome.</a:t>
+            </a:r>
+          </a:p>
+        </p:txBody>
+      </p:sp>
+    </p:spTree>
+    <p:extLst>
+      <p:ext uri="{BB962C8B-B14F-4D97-AF65-F5344CB8AC3E}">
+        <p14:creationId xmlns:p14="http://schemas.microsoft.com/office/powerpoint/2010/main" val="2276153040"/>
       </p:ext>
     </p:extLst>
   </p:cSld>
@@ -7511,7 +10733,7 @@
         </p:nvSpPr>
         <p:spPr>
           <a:xfrm>
-            <a:off x="838200" y="384885"/>
+            <a:off x="419100" y="391017"/>
             <a:ext cx="10515600" cy="806768"/>
           </a:xfrm>
         </p:spPr>
@@ -7560,12 +10782,47 @@
           </a:p>
         </p:txBody>
       </p:sp>
+      <p:sp>
+        <p:nvSpPr>
+          <p:cNvPr id="4" name="TextBox 3">
+            <a:extLst>
+              <a:ext uri="{FF2B5EF4-FFF2-40B4-BE49-F238E27FC236}">
+                <a16:creationId xmlns:a16="http://schemas.microsoft.com/office/drawing/2014/main" id="{156085C6-A76D-208E-87E1-9353B21563CB}"/>
+              </a:ext>
+            </a:extLst>
+          </p:cNvPr>
+          <p:cNvSpPr txBox="1"/>
+          <p:nvPr/>
+        </p:nvSpPr>
+        <p:spPr>
+          <a:xfrm>
+            <a:off x="419100" y="1561060"/>
+            <a:ext cx="11353800" cy="646331"/>
+          </a:xfrm>
+          <a:prstGeom prst="rect">
+            <a:avLst/>
+          </a:prstGeom>
+          <a:noFill/>
+        </p:spPr>
+        <p:txBody>
+          <a:bodyPr wrap="square" rtlCol="0">
+            <a:spAutoFit/>
+          </a:bodyPr>
+          <a:lstStyle/>
+          <a:p>
+            <a:r>
+              <a:rPr lang="en-AU" dirty="0"/>
+              <a:t>I had 3 versions to choose from, and I chose Version 2 for my project as it is an effective, yet efficient and reliable system. I decided that version 2 would be the base for the Welcome Screen Function as well.</a:t>
+            </a:r>
+          </a:p>
+        </p:txBody>
+      </p:sp>
       <p:pic>
         <p:nvPicPr>
-          <p:cNvPr id="5" name="Picture 4">
+          <p:cNvPr id="7" name="Picture 6" descr="Text&#10;&#10;Description automatically generated">
             <a:extLst>
               <a:ext uri="{FF2B5EF4-FFF2-40B4-BE49-F238E27FC236}">
-                <a16:creationId xmlns:a16="http://schemas.microsoft.com/office/drawing/2014/main" id="{061E4156-52EB-B94B-A6EB-EBEB1C040962}"/>
+                <a16:creationId xmlns:a16="http://schemas.microsoft.com/office/drawing/2014/main" id="{4CF5701C-05F1-610E-C78C-190278E9A8B9}"/>
               </a:ext>
             </a:extLst>
           </p:cNvPr>
@@ -7588,8 +10845,8 @@
         </p:blipFill>
         <p:spPr>
           <a:xfrm>
-            <a:off x="0" y="1285189"/>
-            <a:ext cx="7772400" cy="5572811"/>
+            <a:off x="2687127" y="2570666"/>
+            <a:ext cx="5979545" cy="4287334"/>
           </a:xfrm>
           <a:prstGeom prst="rect">
             <a:avLst/>
@@ -7661,6 +10918,114 @@
           </a:p>
         </p:txBody>
       </p:sp>
+      <p:pic>
+        <p:nvPicPr>
+          <p:cNvPr id="4" name="Picture 3" descr="A screenshot of a computer&#10;&#10;Description automatically generated with medium confidence">
+            <a:extLst>
+              <a:ext uri="{FF2B5EF4-FFF2-40B4-BE49-F238E27FC236}">
+                <a16:creationId xmlns:a16="http://schemas.microsoft.com/office/drawing/2014/main" id="{09B204D4-A76A-27E5-46C4-DC2E9F68E370}"/>
+              </a:ext>
+            </a:extLst>
+          </p:cNvPr>
+          <p:cNvPicPr>
+            <a:picLocks noChangeAspect="1"/>
+          </p:cNvPicPr>
+          <p:nvPr/>
+        </p:nvPicPr>
+        <p:blipFill>
+          <a:blip r:embed="rId3">
+            <a:extLst>
+              <a:ext uri="{28A0092B-C50C-407E-A947-70E740481C1C}">
+                <a14:useLocalDpi xmlns:a14="http://schemas.microsoft.com/office/drawing/2010/main" val="0"/>
+              </a:ext>
+            </a:extLst>
+          </a:blip>
+          <a:stretch>
+            <a:fillRect/>
+          </a:stretch>
+        </p:blipFill>
+        <p:spPr>
+          <a:xfrm>
+            <a:off x="804882" y="1362550"/>
+            <a:ext cx="5224679" cy="2386197"/>
+          </a:xfrm>
+          <a:prstGeom prst="rect">
+            <a:avLst/>
+          </a:prstGeom>
+        </p:spPr>
+      </p:pic>
+      <p:pic>
+        <p:nvPicPr>
+          <p:cNvPr id="6" name="Picture 5" descr="A screenshot of a computer&#10;&#10;Description automatically generated with medium confidence">
+            <a:extLst>
+              <a:ext uri="{FF2B5EF4-FFF2-40B4-BE49-F238E27FC236}">
+                <a16:creationId xmlns:a16="http://schemas.microsoft.com/office/drawing/2014/main" id="{CE56D2DE-1E65-17CF-F525-BCE61C1CA982}"/>
+              </a:ext>
+            </a:extLst>
+          </p:cNvPr>
+          <p:cNvPicPr>
+            <a:picLocks noChangeAspect="1"/>
+          </p:cNvPicPr>
+          <p:nvPr/>
+        </p:nvPicPr>
+        <p:blipFill>
+          <a:blip r:embed="rId4">
+            <a:extLst>
+              <a:ext uri="{28A0092B-C50C-407E-A947-70E740481C1C}">
+                <a14:useLocalDpi xmlns:a14="http://schemas.microsoft.com/office/drawing/2010/main" val="0"/>
+              </a:ext>
+            </a:extLst>
+          </a:blip>
+          <a:stretch>
+            <a:fillRect/>
+          </a:stretch>
+        </p:blipFill>
+        <p:spPr>
+          <a:xfrm>
+            <a:off x="3417222" y="4030211"/>
+            <a:ext cx="5357555" cy="2446883"/>
+          </a:xfrm>
+          <a:prstGeom prst="rect">
+            <a:avLst/>
+          </a:prstGeom>
+        </p:spPr>
+      </p:pic>
+      <p:pic>
+        <p:nvPicPr>
+          <p:cNvPr id="8" name="Picture 7" descr="A screenshot of a computer&#10;&#10;Description automatically generated with medium confidence">
+            <a:extLst>
+              <a:ext uri="{FF2B5EF4-FFF2-40B4-BE49-F238E27FC236}">
+                <a16:creationId xmlns:a16="http://schemas.microsoft.com/office/drawing/2014/main" id="{86CA84F9-C010-4E0B-1593-AF869F218CE1}"/>
+              </a:ext>
+            </a:extLst>
+          </p:cNvPr>
+          <p:cNvPicPr>
+            <a:picLocks noChangeAspect="1"/>
+          </p:cNvPicPr>
+          <p:nvPr/>
+        </p:nvPicPr>
+        <p:blipFill>
+          <a:blip r:embed="rId5">
+            <a:extLst>
+              <a:ext uri="{28A0092B-C50C-407E-A947-70E740481C1C}">
+                <a14:useLocalDpi xmlns:a14="http://schemas.microsoft.com/office/drawing/2010/main" val="0"/>
+              </a:ext>
+            </a:extLst>
+          </a:blip>
+          <a:stretch>
+            <a:fillRect/>
+          </a:stretch>
+        </p:blipFill>
+        <p:spPr>
+          <a:xfrm>
+            <a:off x="6162441" y="1362550"/>
+            <a:ext cx="5224679" cy="2386197"/>
+          </a:xfrm>
+          <a:prstGeom prst="rect">
+            <a:avLst/>
+          </a:prstGeom>
+        </p:spPr>
+      </p:pic>
     </p:spTree>
     <p:extLst>
       <p:ext uri="{BB962C8B-B14F-4D97-AF65-F5344CB8AC3E}">
@@ -7696,7 +11061,7 @@
           <p:cNvPr id="2" name="Title 1">
             <a:extLst>
               <a:ext uri="{FF2B5EF4-FFF2-40B4-BE49-F238E27FC236}">
-                <a16:creationId xmlns:a16="http://schemas.microsoft.com/office/drawing/2014/main" id="{183CAE4A-E189-4CAA-B3F5-7E97BC5188E3}"/>
+                <a16:creationId xmlns:a16="http://schemas.microsoft.com/office/drawing/2014/main" id="{321F8E66-F9B8-4062-8E8D-D5ADB11625DA}"/>
               </a:ext>
             </a:extLst>
           </p:cNvPr>
@@ -7709,8 +11074,8 @@
         </p:nvSpPr>
         <p:spPr>
           <a:xfrm>
-            <a:off x="838199" y="406400"/>
-            <a:ext cx="10515600" cy="583248"/>
+            <a:off x="838200" y="365125"/>
+            <a:ext cx="10515600" cy="600075"/>
           </a:xfrm>
         </p:spPr>
         <p:txBody>
@@ -7721,64 +11086,51 @@
           <a:p>
             <a:r>
               <a:rPr lang="en-NZ" sz="4000" dirty="0"/>
-              <a:t>Assembled Outcome Testing:</a:t>
-            </a:r>
-          </a:p>
-        </p:txBody>
-      </p:sp>
-      <p:sp>
-        <p:nvSpPr>
-          <p:cNvPr id="3" name="Rectangle 2">
+              <a:t>Decomposition:</a:t>
+            </a:r>
+          </a:p>
+        </p:txBody>
+      </p:sp>
+      <p:pic>
+        <p:nvPicPr>
+          <p:cNvPr id="6" name="Picture 5" descr="Graphical user interface&#10;&#10;Description automatically generated">
             <a:extLst>
               <a:ext uri="{FF2B5EF4-FFF2-40B4-BE49-F238E27FC236}">
-                <a16:creationId xmlns:a16="http://schemas.microsoft.com/office/drawing/2014/main" id="{DB8F61FF-932E-477F-82DD-3F6BB93999C0}"/>
+                <a16:creationId xmlns:a16="http://schemas.microsoft.com/office/drawing/2014/main" id="{BB7A59F0-F217-7776-52EC-DB8079C7303B}"/>
               </a:ext>
             </a:extLst>
           </p:cNvPr>
-          <p:cNvSpPr/>
+          <p:cNvPicPr>
+            <a:picLocks noChangeAspect="1"/>
+          </p:cNvPicPr>
           <p:nvPr/>
-        </p:nvSpPr>
+        </p:nvPicPr>
+        <p:blipFill>
+          <a:blip r:embed="rId3">
+            <a:extLst>
+              <a:ext uri="{28A0092B-C50C-407E-A947-70E740481C1C}">
+                <a14:useLocalDpi xmlns:a14="http://schemas.microsoft.com/office/drawing/2010/main" val="0"/>
+              </a:ext>
+            </a:extLst>
+          </a:blip>
+          <a:stretch>
+            <a:fillRect/>
+          </a:stretch>
+        </p:blipFill>
         <p:spPr>
           <a:xfrm>
-            <a:off x="838199" y="1089283"/>
-            <a:ext cx="8767813" cy="702372"/>
+            <a:off x="2533650" y="939800"/>
+            <a:ext cx="7124700" cy="4978400"/>
           </a:xfrm>
           <a:prstGeom prst="rect">
             <a:avLst/>
           </a:prstGeom>
         </p:spPr>
-        <p:txBody>
-          <a:bodyPr wrap="square">
-            <a:spAutoFit/>
-          </a:bodyPr>
-          <a:lstStyle/>
-          <a:p>
-            <a:pPr>
-              <a:lnSpc>
-                <a:spcPct val="115000"/>
-              </a:lnSpc>
-              <a:spcAft>
-                <a:spcPts val="0"/>
-              </a:spcAft>
-            </a:pPr>
-            <a:r>
-              <a:rPr lang="en-NZ" i="1" dirty="0">
-                <a:latin typeface="Arial" panose="020B0604020202020204" pitchFamily="34" charset="0"/>
-                <a:ea typeface="Arial" panose="020B0604020202020204" pitchFamily="34" charset="0"/>
-              </a:rPr>
-              <a:t>Show testing for your assembled outcome below.  This should include a test plan followed by screenshot proof.  </a:t>
-            </a:r>
-            <a:endParaRPr lang="en-NZ" dirty="0">
-              <a:latin typeface="Arial" panose="020B0604020202020204" pitchFamily="34" charset="0"/>
-              <a:ea typeface="Arial" panose="020B0604020202020204" pitchFamily="34" charset="0"/>
-            </a:endParaRPr>
-          </a:p>
-        </p:txBody>
-      </p:sp>
+      </p:pic>
     </p:spTree>
     <p:extLst>
       <p:ext uri="{BB962C8B-B14F-4D97-AF65-F5344CB8AC3E}">
-        <p14:creationId xmlns:p14="http://schemas.microsoft.com/office/powerpoint/2010/main" val="1084233196"/>
+        <p14:creationId xmlns:p14="http://schemas.microsoft.com/office/powerpoint/2010/main" val="1449297419"/>
       </p:ext>
     </p:extLst>
   </p:cSld>
@@ -8595,16 +11947,16 @@
 <file path=customXml/itemProps1.xml><?xml version="1.0" encoding="utf-8"?>
 <ds:datastoreItem xmlns:ds="http://schemas.openxmlformats.org/officeDocument/2006/customXml" ds:itemID="{8CCE1432-2915-4013-A40F-C8CBF1E90797}">
   <ds:schemaRefs>
+    <ds:schemaRef ds:uri="http://purl.org/dc/terms/"/>
+    <ds:schemaRef ds:uri="f8614448-f46c-4880-8b68-17c914e2801b"/>
+    <ds:schemaRef ds:uri="http://purl.org/dc/elements/1.1/"/>
     <ds:schemaRef ds:uri="3ac145f2-9803-46f6-b702-374493710c2e"/>
+    <ds:schemaRef ds:uri="http://purl.org/dc/dcmitype/"/>
+    <ds:schemaRef ds:uri="http://schemas.microsoft.com/office/2006/documentManagement/types"/>
+    <ds:schemaRef ds:uri="http://schemas.microsoft.com/office/2006/metadata/properties"/>
     <ds:schemaRef ds:uri="http://www.w3.org/XML/1998/namespace"/>
-    <ds:schemaRef ds:uri="http://purl.org/dc/dcmitype/"/>
-    <ds:schemaRef ds:uri="http://purl.org/dc/elements/1.1/"/>
     <ds:schemaRef ds:uri="http://schemas.microsoft.com/office/infopath/2007/PartnerControls"/>
     <ds:schemaRef ds:uri="http://schemas.openxmlformats.org/package/2006/metadata/core-properties"/>
-    <ds:schemaRef ds:uri="http://schemas.microsoft.com/office/2006/documentManagement/types"/>
-    <ds:schemaRef ds:uri="f8614448-f46c-4880-8b68-17c914e2801b"/>
-    <ds:schemaRef ds:uri="http://schemas.microsoft.com/office/2006/metadata/properties"/>
-    <ds:schemaRef ds:uri="http://purl.org/dc/terms/"/>
   </ds:schemaRefs>
 </ds:datastoreItem>
 </file>
